--- a/ROP.pptx
+++ b/ROP.pptx
@@ -5,10 +5,10 @@
     <p:sldMasterId id="2147483660" r:id="rId1"/>
   </p:sldMasterIdLst>
   <p:notesMasterIdLst>
-    <p:notesMasterId r:id="rId16"/>
+    <p:notesMasterId r:id="rId34"/>
   </p:notesMasterIdLst>
   <p:handoutMasterIdLst>
-    <p:handoutMasterId r:id="rId17"/>
+    <p:handoutMasterId r:id="rId35"/>
   </p:handoutMasterIdLst>
   <p:sldIdLst>
     <p:sldId id="256" r:id="rId2"/>
@@ -24,7 +24,25 @@
     <p:sldId id="276" r:id="rId12"/>
     <p:sldId id="277" r:id="rId13"/>
     <p:sldId id="278" r:id="rId14"/>
-    <p:sldId id="267" r:id="rId15"/>
+    <p:sldId id="279" r:id="rId15"/>
+    <p:sldId id="288" r:id="rId16"/>
+    <p:sldId id="287" r:id="rId17"/>
+    <p:sldId id="285" r:id="rId18"/>
+    <p:sldId id="290" r:id="rId19"/>
+    <p:sldId id="289" r:id="rId20"/>
+    <p:sldId id="281" r:id="rId21"/>
+    <p:sldId id="280" r:id="rId22"/>
+    <p:sldId id="282" r:id="rId23"/>
+    <p:sldId id="283" r:id="rId24"/>
+    <p:sldId id="284" r:id="rId25"/>
+    <p:sldId id="293" r:id="rId26"/>
+    <p:sldId id="294" r:id="rId27"/>
+    <p:sldId id="295" r:id="rId28"/>
+    <p:sldId id="297" r:id="rId29"/>
+    <p:sldId id="296" r:id="rId30"/>
+    <p:sldId id="267" r:id="rId31"/>
+    <p:sldId id="292" r:id="rId32"/>
+    <p:sldId id="291" r:id="rId33"/>
   </p:sldIdLst>
   <p:sldSz cx="9144000" cy="6858000" type="screen4x3"/>
   <p:notesSz cx="7102475" cy="10234613"/>
@@ -148,8 +166,38 @@
             <p14:sldId id="275"/>
             <p14:sldId id="276"/>
             <p14:sldId id="277"/>
+          </p14:sldIdLst>
+        </p14:section>
+        <p14:section name="Buffer overflow" id="{44D7A651-BB0D-4013-8D06-EB0DF9087B61}">
+          <p14:sldIdLst>
             <p14:sldId id="278"/>
+            <p14:sldId id="279"/>
+            <p14:sldId id="288"/>
+            <p14:sldId id="287"/>
+            <p14:sldId id="285"/>
+            <p14:sldId id="290"/>
+          </p14:sldIdLst>
+        </p14:section>
+        <p14:section name="Prevention and detection" id="{488C688E-A2FE-4ED7-AA96-B8920D6CAAAC}">
+          <p14:sldIdLst>
+            <p14:sldId id="289"/>
+            <p14:sldId id="281"/>
+            <p14:sldId id="280"/>
+            <p14:sldId id="282"/>
+            <p14:sldId id="283"/>
+            <p14:sldId id="284"/>
+            <p14:sldId id="293"/>
+            <p14:sldId id="294"/>
+            <p14:sldId id="295"/>
+            <p14:sldId id="297"/>
+            <p14:sldId id="296"/>
+          </p14:sldIdLst>
+        </p14:section>
+        <p14:section name="Sources" id="{449209DE-9B46-4030-8B8C-762CA2497968}">
+          <p14:sldIdLst>
             <p14:sldId id="267"/>
+            <p14:sldId id="292"/>
+            <p14:sldId id="291"/>
           </p14:sldIdLst>
         </p14:section>
       </p14:sectionLst>
@@ -174,6 +222,466 @@
 
 <file path=ppt/changesInfos/changesInfo1.xml><?xml version="1.0" encoding="utf-8"?>
 <pc:chgInfo xmlns:a="http://schemas.openxmlformats.org/drawingml/2006/main" xmlns:r="http://schemas.openxmlformats.org/officeDocument/2006/relationships" xmlns:ac="http://schemas.microsoft.com/office/drawing/2013/main/command" xmlns:pc="http://schemas.microsoft.com/office/powerpoint/2013/main/command">
+  <pc:docChgLst>
+    <pc:chgData name="Stefan Haslhofer" userId="866afa689d7b321a" providerId="LiveId" clId="{1AB871AF-A375-497F-94EA-B688E1422FEE}"/>
+    <pc:docChg chg="undo redo custSel addSld delSld modSld">
+      <pc:chgData name="Stefan Haslhofer" userId="866afa689d7b321a" providerId="LiveId" clId="{1AB871AF-A375-497F-94EA-B688E1422FEE}" dt="2022-05-05T17:20:17.056" v="1264" actId="47"/>
+      <pc:docMkLst>
+        <pc:docMk/>
+      </pc:docMkLst>
+      <pc:sldChg chg="modSp mod">
+        <pc:chgData name="Stefan Haslhofer" userId="866afa689d7b321a" providerId="LiveId" clId="{1AB871AF-A375-497F-94EA-B688E1422FEE}" dt="2022-04-06T07:14:59.827" v="294" actId="20577"/>
+        <pc:sldMkLst>
+          <pc:docMk/>
+          <pc:sldMk cId="3301850067" sldId="256"/>
+        </pc:sldMkLst>
+        <pc:spChg chg="mod">
+          <ac:chgData name="Stefan Haslhofer" userId="866afa689d7b321a" providerId="LiveId" clId="{1AB871AF-A375-497F-94EA-B688E1422FEE}" dt="2022-04-06T07:11:23.940" v="8" actId="20577"/>
+          <ac:spMkLst>
+            <pc:docMk/>
+            <pc:sldMk cId="3301850067" sldId="256"/>
+            <ac:spMk id="2" creationId="{85EF7314-B437-4773-8F3C-099D60A21D0D}"/>
+          </ac:spMkLst>
+        </pc:spChg>
+        <pc:spChg chg="mod">
+          <ac:chgData name="Stefan Haslhofer" userId="866afa689d7b321a" providerId="LiveId" clId="{1AB871AF-A375-497F-94EA-B688E1422FEE}" dt="2022-04-06T07:11:40.719" v="35" actId="20577"/>
+          <ac:spMkLst>
+            <pc:docMk/>
+            <pc:sldMk cId="3301850067" sldId="256"/>
+            <ac:spMk id="6" creationId="{5F9D903B-365E-4567-9A77-344038C307B4}"/>
+          </ac:spMkLst>
+        </pc:spChg>
+        <pc:spChg chg="mod">
+          <ac:chgData name="Stefan Haslhofer" userId="866afa689d7b321a" providerId="LiveId" clId="{1AB871AF-A375-497F-94EA-B688E1422FEE}" dt="2022-04-06T07:14:59.827" v="294" actId="20577"/>
+          <ac:spMkLst>
+            <pc:docMk/>
+            <pc:sldMk cId="3301850067" sldId="256"/>
+            <ac:spMk id="7" creationId="{3520FA45-1D67-495D-8A38-EB3523876E24}"/>
+          </ac:spMkLst>
+        </pc:spChg>
+      </pc:sldChg>
+      <pc:sldChg chg="addSp delSp modSp del mod">
+        <pc:chgData name="Stefan Haslhofer" userId="866afa689d7b321a" providerId="LiveId" clId="{1AB871AF-A375-497F-94EA-B688E1422FEE}" dt="2022-04-06T07:24:39.650" v="838" actId="47"/>
+        <pc:sldMkLst>
+          <pc:docMk/>
+          <pc:sldMk cId="4143740507" sldId="257"/>
+        </pc:sldMkLst>
+        <pc:spChg chg="mod">
+          <ac:chgData name="Stefan Haslhofer" userId="866afa689d7b321a" providerId="LiveId" clId="{1AB871AF-A375-497F-94EA-B688E1422FEE}" dt="2022-04-06T07:11:50.430" v="57" actId="20577"/>
+          <ac:spMkLst>
+            <pc:docMk/>
+            <pc:sldMk cId="4143740507" sldId="257"/>
+            <ac:spMk id="6" creationId="{31D007D2-9FC5-4099-B822-236781789921}"/>
+          </ac:spMkLst>
+        </pc:spChg>
+        <pc:spChg chg="mod">
+          <ac:chgData name="Stefan Haslhofer" userId="866afa689d7b321a" providerId="LiveId" clId="{1AB871AF-A375-497F-94EA-B688E1422FEE}" dt="2022-04-06T07:11:52.941" v="58" actId="20577"/>
+          <ac:spMkLst>
+            <pc:docMk/>
+            <pc:sldMk cId="4143740507" sldId="257"/>
+            <ac:spMk id="7" creationId="{FD4D6BB0-7D68-4E68-B0B1-00C596B1D0ED}"/>
+          </ac:spMkLst>
+        </pc:spChg>
+        <pc:picChg chg="add del mod">
+          <ac:chgData name="Stefan Haslhofer" userId="866afa689d7b321a" providerId="LiveId" clId="{1AB871AF-A375-497F-94EA-B688E1422FEE}" dt="2022-04-06T07:24:11.673" v="829" actId="21"/>
+          <ac:picMkLst>
+            <pc:docMk/>
+            <pc:sldMk cId="4143740507" sldId="257"/>
+            <ac:picMk id="3" creationId="{28A3BAD1-D945-4BED-897C-5636E5531FE9}"/>
+          </ac:picMkLst>
+        </pc:picChg>
+      </pc:sldChg>
+      <pc:sldChg chg="del">
+        <pc:chgData name="Stefan Haslhofer" userId="866afa689d7b321a" providerId="LiveId" clId="{1AB871AF-A375-497F-94EA-B688E1422FEE}" dt="2022-04-06T07:13:43.911" v="88" actId="2696"/>
+        <pc:sldMkLst>
+          <pc:docMk/>
+          <pc:sldMk cId="275205610" sldId="258"/>
+        </pc:sldMkLst>
+      </pc:sldChg>
+      <pc:sldChg chg="modSp del mod">
+        <pc:chgData name="Stefan Haslhofer" userId="866afa689d7b321a" providerId="LiveId" clId="{1AB871AF-A375-497F-94EA-B688E1422FEE}" dt="2022-04-06T07:42:02.921" v="1076" actId="47"/>
+        <pc:sldMkLst>
+          <pc:docMk/>
+          <pc:sldMk cId="3085839050" sldId="259"/>
+        </pc:sldMkLst>
+        <pc:spChg chg="mod">
+          <ac:chgData name="Stefan Haslhofer" userId="866afa689d7b321a" providerId="LiveId" clId="{1AB871AF-A375-497F-94EA-B688E1422FEE}" dt="2022-04-06T07:13:37.735" v="86" actId="20577"/>
+          <ac:spMkLst>
+            <pc:docMk/>
+            <pc:sldMk cId="3085839050" sldId="259"/>
+            <ac:spMk id="6" creationId="{31D007D2-9FC5-4099-B822-236781789921}"/>
+          </ac:spMkLst>
+        </pc:spChg>
+        <pc:spChg chg="mod">
+          <ac:chgData name="Stefan Haslhofer" userId="866afa689d7b321a" providerId="LiveId" clId="{1AB871AF-A375-497F-94EA-B688E1422FEE}" dt="2022-04-06T07:13:40.273" v="87" actId="20577"/>
+          <ac:spMkLst>
+            <pc:docMk/>
+            <pc:sldMk cId="3085839050" sldId="259"/>
+            <ac:spMk id="7" creationId="{FD4D6BB0-7D68-4E68-B0B1-00C596B1D0ED}"/>
+          </ac:spMkLst>
+        </pc:spChg>
+      </pc:sldChg>
+      <pc:sldChg chg="addSp delSp modSp new del mod modClrScheme chgLayout">
+        <pc:chgData name="Stefan Haslhofer" userId="866afa689d7b321a" providerId="LiveId" clId="{1AB871AF-A375-497F-94EA-B688E1422FEE}" dt="2022-04-06T07:23:30.595" v="774" actId="47"/>
+        <pc:sldMkLst>
+          <pc:docMk/>
+          <pc:sldMk cId="3253280908" sldId="260"/>
+        </pc:sldMkLst>
+        <pc:spChg chg="del mod ord">
+          <ac:chgData name="Stefan Haslhofer" userId="866afa689d7b321a" providerId="LiveId" clId="{1AB871AF-A375-497F-94EA-B688E1422FEE}" dt="2022-04-06T07:12:51.399" v="64" actId="700"/>
+          <ac:spMkLst>
+            <pc:docMk/>
+            <pc:sldMk cId="3253280908" sldId="260"/>
+            <ac:spMk id="2" creationId="{475F457F-A516-4BA2-A45D-3DBCBB2F51C3}"/>
+          </ac:spMkLst>
+        </pc:spChg>
+        <pc:spChg chg="del mod ord">
+          <ac:chgData name="Stefan Haslhofer" userId="866afa689d7b321a" providerId="LiveId" clId="{1AB871AF-A375-497F-94EA-B688E1422FEE}" dt="2022-04-06T07:12:51.399" v="64" actId="700"/>
+          <ac:spMkLst>
+            <pc:docMk/>
+            <pc:sldMk cId="3253280908" sldId="260"/>
+            <ac:spMk id="3" creationId="{A16C0CC8-2990-4680-8A86-B0ACACFBE472}"/>
+          </ac:spMkLst>
+        </pc:spChg>
+        <pc:spChg chg="del mod ord">
+          <ac:chgData name="Stefan Haslhofer" userId="866afa689d7b321a" providerId="LiveId" clId="{1AB871AF-A375-497F-94EA-B688E1422FEE}" dt="2022-04-06T07:12:51.399" v="64" actId="700"/>
+          <ac:spMkLst>
+            <pc:docMk/>
+            <pc:sldMk cId="3253280908" sldId="260"/>
+            <ac:spMk id="4" creationId="{C1E9ED62-9439-49CA-9E83-9F949F145997}"/>
+          </ac:spMkLst>
+        </pc:spChg>
+        <pc:spChg chg="add mod ord">
+          <ac:chgData name="Stefan Haslhofer" userId="866afa689d7b321a" providerId="LiveId" clId="{1AB871AF-A375-497F-94EA-B688E1422FEE}" dt="2022-04-06T07:23:27.793" v="772" actId="21"/>
+          <ac:spMkLst>
+            <pc:docMk/>
+            <pc:sldMk cId="3253280908" sldId="260"/>
+            <ac:spMk id="5" creationId="{50A0EAF5-7C6B-4EAB-B0CF-16361E90832C}"/>
+          </ac:spMkLst>
+        </pc:spChg>
+        <pc:spChg chg="add mod ord">
+          <ac:chgData name="Stefan Haslhofer" userId="866afa689d7b321a" providerId="LiveId" clId="{1AB871AF-A375-497F-94EA-B688E1422FEE}" dt="2022-04-06T07:23:23.569" v="770" actId="21"/>
+          <ac:spMkLst>
+            <pc:docMk/>
+            <pc:sldMk cId="3253280908" sldId="260"/>
+            <ac:spMk id="6" creationId="{584E0316-5DD8-4DC0-8084-6F823CEB0C42}"/>
+          </ac:spMkLst>
+        </pc:spChg>
+        <pc:spChg chg="add del mod ord">
+          <ac:chgData name="Stefan Haslhofer" userId="866afa689d7b321a" providerId="LiveId" clId="{1AB871AF-A375-497F-94EA-B688E1422FEE}" dt="2022-04-06T07:22:11.822" v="717" actId="700"/>
+          <ac:spMkLst>
+            <pc:docMk/>
+            <pc:sldMk cId="3253280908" sldId="260"/>
+            <ac:spMk id="7" creationId="{409AF4BC-5671-46F7-94B3-1FC1E91B1B0E}"/>
+          </ac:spMkLst>
+        </pc:spChg>
+        <pc:spChg chg="add del mod ord">
+          <ac:chgData name="Stefan Haslhofer" userId="866afa689d7b321a" providerId="LiveId" clId="{1AB871AF-A375-497F-94EA-B688E1422FEE}" dt="2022-04-06T07:22:11.822" v="717" actId="700"/>
+          <ac:spMkLst>
+            <pc:docMk/>
+            <pc:sldMk cId="3253280908" sldId="260"/>
+            <ac:spMk id="8" creationId="{BD0E22C5-6279-4026-8913-AE0932D50874}"/>
+          </ac:spMkLst>
+        </pc:spChg>
+        <pc:spChg chg="add mod ord">
+          <ac:chgData name="Stefan Haslhofer" userId="866afa689d7b321a" providerId="LiveId" clId="{1AB871AF-A375-497F-94EA-B688E1422FEE}" dt="2022-04-06T07:22:11.822" v="717" actId="700"/>
+          <ac:spMkLst>
+            <pc:docMk/>
+            <pc:sldMk cId="3253280908" sldId="260"/>
+            <ac:spMk id="9" creationId="{FC3F61F3-75E8-40A1-9D2D-B6AFBAF49D92}"/>
+          </ac:spMkLst>
+        </pc:spChg>
+      </pc:sldChg>
+      <pc:sldChg chg="addSp delSp modSp add del mod">
+        <pc:chgData name="Stefan Haslhofer" userId="866afa689d7b321a" providerId="LiveId" clId="{1AB871AF-A375-497F-94EA-B688E1422FEE}" dt="2022-04-06T07:24:41.415" v="839" actId="47"/>
+        <pc:sldMkLst>
+          <pc:docMk/>
+          <pc:sldMk cId="558866134" sldId="261"/>
+        </pc:sldMkLst>
+        <pc:picChg chg="del">
+          <ac:chgData name="Stefan Haslhofer" userId="866afa689d7b321a" providerId="LiveId" clId="{1AB871AF-A375-497F-94EA-B688E1422FEE}" dt="2022-04-06T07:13:19.229" v="78" actId="478"/>
+          <ac:picMkLst>
+            <pc:docMk/>
+            <pc:sldMk cId="558866134" sldId="261"/>
+            <ac:picMk id="3" creationId="{28A3BAD1-D945-4BED-897C-5636E5531FE9}"/>
+          </ac:picMkLst>
+        </pc:picChg>
+        <pc:picChg chg="add del mod">
+          <ac:chgData name="Stefan Haslhofer" userId="866afa689d7b321a" providerId="LiveId" clId="{1AB871AF-A375-497F-94EA-B688E1422FEE}" dt="2022-04-06T07:24:24.903" v="833" actId="21"/>
+          <ac:picMkLst>
+            <pc:docMk/>
+            <pc:sldMk cId="558866134" sldId="261"/>
+            <ac:picMk id="4" creationId="{BC333152-38A2-4882-825F-49D380C61ABD}"/>
+          </ac:picMkLst>
+        </pc:picChg>
+      </pc:sldChg>
+      <pc:sldChg chg="addSp delSp modSp new del mod">
+        <pc:chgData name="Stefan Haslhofer" userId="866afa689d7b321a" providerId="LiveId" clId="{1AB871AF-A375-497F-94EA-B688E1422FEE}" dt="2022-04-06T07:23:15.687" v="753" actId="47"/>
+        <pc:sldMkLst>
+          <pc:docMk/>
+          <pc:sldMk cId="641924151" sldId="262"/>
+        </pc:sldMkLst>
+        <pc:spChg chg="mod">
+          <ac:chgData name="Stefan Haslhofer" userId="866afa689d7b321a" providerId="LiveId" clId="{1AB871AF-A375-497F-94EA-B688E1422FEE}" dt="2022-04-06T07:18:06.743" v="537" actId="20577"/>
+          <ac:spMkLst>
+            <pc:docMk/>
+            <pc:sldMk cId="641924151" sldId="262"/>
+            <ac:spMk id="2" creationId="{E8AE42F0-9C47-4282-916C-28A028852428}"/>
+          </ac:spMkLst>
+        </pc:spChg>
+        <pc:spChg chg="add del">
+          <ac:chgData name="Stefan Haslhofer" userId="866afa689d7b321a" providerId="LiveId" clId="{1AB871AF-A375-497F-94EA-B688E1422FEE}" dt="2022-04-06T07:22:53.816" v="730" actId="478"/>
+          <ac:spMkLst>
+            <pc:docMk/>
+            <pc:sldMk cId="641924151" sldId="262"/>
+            <ac:spMk id="3" creationId="{4599BCF8-DEA7-4BF0-B117-F8320AD5F56B}"/>
+          </ac:spMkLst>
+        </pc:spChg>
+        <pc:spChg chg="add del">
+          <ac:chgData name="Stefan Haslhofer" userId="866afa689d7b321a" providerId="LiveId" clId="{1AB871AF-A375-497F-94EA-B688E1422FEE}" dt="2022-04-06T07:22:54.051" v="731" actId="478"/>
+          <ac:spMkLst>
+            <pc:docMk/>
+            <pc:sldMk cId="641924151" sldId="262"/>
+            <ac:spMk id="4" creationId="{39981279-14E3-4314-B151-887FCBFB6BEF}"/>
+          </ac:spMkLst>
+        </pc:spChg>
+        <pc:spChg chg="del">
+          <ac:chgData name="Stefan Haslhofer" userId="866afa689d7b321a" providerId="LiveId" clId="{1AB871AF-A375-497F-94EA-B688E1422FEE}" dt="2022-04-06T07:22:01.438" v="716" actId="478"/>
+          <ac:spMkLst>
+            <pc:docMk/>
+            <pc:sldMk cId="641924151" sldId="262"/>
+            <ac:spMk id="5" creationId="{09988F5D-3C9A-46AC-B975-63C1552C8E8C}"/>
+          </ac:spMkLst>
+        </pc:spChg>
+        <pc:spChg chg="mod">
+          <ac:chgData name="Stefan Haslhofer" userId="866afa689d7b321a" providerId="LiveId" clId="{1AB871AF-A375-497F-94EA-B688E1422FEE}" dt="2022-04-06T07:23:11.251" v="750" actId="21"/>
+          <ac:spMkLst>
+            <pc:docMk/>
+            <pc:sldMk cId="641924151" sldId="262"/>
+            <ac:spMk id="7" creationId="{2B59AB6B-B967-401C-B867-4D740ECA1B69}"/>
+          </ac:spMkLst>
+        </pc:spChg>
+      </pc:sldChg>
+      <pc:sldChg chg="addSp delSp modSp new add del mod">
+        <pc:chgData name="Stefan Haslhofer" userId="866afa689d7b321a" providerId="LiveId" clId="{1AB871AF-A375-497F-94EA-B688E1422FEE}" dt="2022-05-05T17:20:17.056" v="1264" actId="47"/>
+        <pc:sldMkLst>
+          <pc:docMk/>
+          <pc:sldMk cId="3699803687" sldId="263"/>
+        </pc:sldMkLst>
+        <pc:spChg chg="mod">
+          <ac:chgData name="Stefan Haslhofer" userId="866afa689d7b321a" providerId="LiveId" clId="{1AB871AF-A375-497F-94EA-B688E1422FEE}" dt="2022-04-06T07:23:11.083" v="749"/>
+          <ac:spMkLst>
+            <pc:docMk/>
+            <pc:sldMk cId="3699803687" sldId="263"/>
+            <ac:spMk id="2" creationId="{1D2A08BD-3366-468A-9380-AC9AB0841E78}"/>
+          </ac:spMkLst>
+        </pc:spChg>
+        <pc:spChg chg="add del mod">
+          <ac:chgData name="Stefan Haslhofer" userId="866afa689d7b321a" providerId="LiveId" clId="{1AB871AF-A375-497F-94EA-B688E1422FEE}" dt="2022-04-06T07:22:58.760" v="742" actId="20577"/>
+          <ac:spMkLst>
+            <pc:docMk/>
+            <pc:sldMk cId="3699803687" sldId="263"/>
+            <ac:spMk id="5" creationId="{20DF6E3C-4B45-4FF5-99BD-A3743D34B7DD}"/>
+          </ac:spMkLst>
+        </pc:spChg>
+        <pc:spChg chg="mod">
+          <ac:chgData name="Stefan Haslhofer" userId="866afa689d7b321a" providerId="LiveId" clId="{1AB871AF-A375-497F-94EA-B688E1422FEE}" dt="2022-04-06T07:23:11.465" v="751"/>
+          <ac:spMkLst>
+            <pc:docMk/>
+            <pc:sldMk cId="3699803687" sldId="263"/>
+            <ac:spMk id="7" creationId="{98A43756-0C52-4086-BECC-FD02F2163E45}"/>
+          </ac:spMkLst>
+        </pc:spChg>
+      </pc:sldChg>
+      <pc:sldChg chg="modSp new mod">
+        <pc:chgData name="Stefan Haslhofer" userId="866afa689d7b321a" providerId="LiveId" clId="{1AB871AF-A375-497F-94EA-B688E1422FEE}" dt="2022-04-06T07:23:29.268" v="773"/>
+        <pc:sldMkLst>
+          <pc:docMk/>
+          <pc:sldMk cId="896080886" sldId="264"/>
+        </pc:sldMkLst>
+        <pc:spChg chg="mod">
+          <ac:chgData name="Stefan Haslhofer" userId="866afa689d7b321a" providerId="LiveId" clId="{1AB871AF-A375-497F-94EA-B688E1422FEE}" dt="2022-04-06T07:23:29.268" v="773"/>
+          <ac:spMkLst>
+            <pc:docMk/>
+            <pc:sldMk cId="896080886" sldId="264"/>
+            <ac:spMk id="2" creationId="{6F186F57-A75D-4DAC-B407-C3395BDC1101}"/>
+          </ac:spMkLst>
+        </pc:spChg>
+        <pc:spChg chg="mod">
+          <ac:chgData name="Stefan Haslhofer" userId="866afa689d7b321a" providerId="LiveId" clId="{1AB871AF-A375-497F-94EA-B688E1422FEE}" dt="2022-04-06T07:23:19.903" v="769" actId="20577"/>
+          <ac:spMkLst>
+            <pc:docMk/>
+            <pc:sldMk cId="896080886" sldId="264"/>
+            <ac:spMk id="5" creationId="{42F10F0B-6494-4A7F-933C-A0010C4A2066}"/>
+          </ac:spMkLst>
+        </pc:spChg>
+        <pc:spChg chg="mod">
+          <ac:chgData name="Stefan Haslhofer" userId="866afa689d7b321a" providerId="LiveId" clId="{1AB871AF-A375-497F-94EA-B688E1422FEE}" dt="2022-04-06T07:23:24.767" v="771"/>
+          <ac:spMkLst>
+            <pc:docMk/>
+            <pc:sldMk cId="896080886" sldId="264"/>
+            <ac:spMk id="7" creationId="{36C050EC-DA51-4E02-9B7C-9D670567DD90}"/>
+          </ac:spMkLst>
+        </pc:spChg>
+      </pc:sldChg>
+      <pc:sldChg chg="addSp delSp modSp new add del mod">
+        <pc:chgData name="Stefan Haslhofer" userId="866afa689d7b321a" providerId="LiveId" clId="{1AB871AF-A375-497F-94EA-B688E1422FEE}" dt="2022-05-05T17:20:17.024" v="1263" actId="47"/>
+        <pc:sldMkLst>
+          <pc:docMk/>
+          <pc:sldMk cId="2083663033" sldId="265"/>
+        </pc:sldMkLst>
+        <pc:spChg chg="mod">
+          <ac:chgData name="Stefan Haslhofer" userId="866afa689d7b321a" providerId="LiveId" clId="{1AB871AF-A375-497F-94EA-B688E1422FEE}" dt="2022-04-06T07:24:06.407" v="818" actId="20577"/>
+          <ac:spMkLst>
+            <pc:docMk/>
+            <pc:sldMk cId="2083663033" sldId="265"/>
+            <ac:spMk id="2" creationId="{5A002E45-2CE9-45A5-B60E-3A5BFC8D9FD7}"/>
+          </ac:spMkLst>
+        </pc:spChg>
+        <pc:spChg chg="mod">
+          <ac:chgData name="Stefan Haslhofer" userId="866afa689d7b321a" providerId="LiveId" clId="{1AB871AF-A375-497F-94EA-B688E1422FEE}" dt="2022-04-06T07:23:56.572" v="792" actId="20577"/>
+          <ac:spMkLst>
+            <pc:docMk/>
+            <pc:sldMk cId="2083663033" sldId="265"/>
+            <ac:spMk id="5" creationId="{98E96CAF-67D8-4B76-BBD7-EC272B72D999}"/>
+          </ac:spMkLst>
+        </pc:spChg>
+        <pc:spChg chg="del">
+          <ac:chgData name="Stefan Haslhofer" userId="866afa689d7b321a" providerId="LiveId" clId="{1AB871AF-A375-497F-94EA-B688E1422FEE}" dt="2022-04-06T07:24:14.554" v="830"/>
+          <ac:spMkLst>
+            <pc:docMk/>
+            <pc:sldMk cId="2083663033" sldId="265"/>
+            <ac:spMk id="7" creationId="{02CA5BB6-FDDD-42D3-8CDC-3A3758DD8F07}"/>
+          </ac:spMkLst>
+        </pc:spChg>
+        <pc:picChg chg="add mod">
+          <ac:chgData name="Stefan Haslhofer" userId="866afa689d7b321a" providerId="LiveId" clId="{1AB871AF-A375-497F-94EA-B688E1422FEE}" dt="2022-04-06T07:24:20.074" v="832" actId="14100"/>
+          <ac:picMkLst>
+            <pc:docMk/>
+            <pc:sldMk cId="2083663033" sldId="265"/>
+            <ac:picMk id="8" creationId="{0BFE618A-875C-4D51-B147-0CE019923F33}"/>
+          </ac:picMkLst>
+        </pc:picChg>
+      </pc:sldChg>
+      <pc:sldChg chg="addSp delSp modSp new add del mod">
+        <pc:chgData name="Stefan Haslhofer" userId="866afa689d7b321a" providerId="LiveId" clId="{1AB871AF-A375-497F-94EA-B688E1422FEE}" dt="2022-05-05T17:20:16.525" v="1262" actId="47"/>
+        <pc:sldMkLst>
+          <pc:docMk/>
+          <pc:sldMk cId="1163640463" sldId="266"/>
+        </pc:sldMkLst>
+        <pc:spChg chg="mod">
+          <ac:chgData name="Stefan Haslhofer" userId="866afa689d7b321a" providerId="LiveId" clId="{1AB871AF-A375-497F-94EA-B688E1422FEE}" dt="2022-04-06T07:24:09.982" v="828" actId="20577"/>
+          <ac:spMkLst>
+            <pc:docMk/>
+            <pc:sldMk cId="1163640463" sldId="266"/>
+            <ac:spMk id="2" creationId="{F98DF67A-C101-47F4-A53A-AE93097D595A}"/>
+          </ac:spMkLst>
+        </pc:spChg>
+        <pc:spChg chg="mod">
+          <ac:chgData name="Stefan Haslhofer" userId="866afa689d7b321a" providerId="LiveId" clId="{1AB871AF-A375-497F-94EA-B688E1422FEE}" dt="2022-04-06T07:24:00.898" v="808" actId="20577"/>
+          <ac:spMkLst>
+            <pc:docMk/>
+            <pc:sldMk cId="1163640463" sldId="266"/>
+            <ac:spMk id="5" creationId="{093763CC-D01E-4CF1-874A-0FFDF4ECC58A}"/>
+          </ac:spMkLst>
+        </pc:spChg>
+        <pc:spChg chg="del">
+          <ac:chgData name="Stefan Haslhofer" userId="866afa689d7b321a" providerId="LiveId" clId="{1AB871AF-A375-497F-94EA-B688E1422FEE}" dt="2022-04-06T07:24:27.388" v="834"/>
+          <ac:spMkLst>
+            <pc:docMk/>
+            <pc:sldMk cId="1163640463" sldId="266"/>
+            <ac:spMk id="7" creationId="{5C2A1E70-44CD-4C89-84C3-1A13ABB340A8}"/>
+          </ac:spMkLst>
+        </pc:spChg>
+        <pc:picChg chg="add mod">
+          <ac:chgData name="Stefan Haslhofer" userId="866afa689d7b321a" providerId="LiveId" clId="{1AB871AF-A375-497F-94EA-B688E1422FEE}" dt="2022-04-06T07:24:34.781" v="837" actId="1076"/>
+          <ac:picMkLst>
+            <pc:docMk/>
+            <pc:sldMk cId="1163640463" sldId="266"/>
+            <ac:picMk id="8" creationId="{4B2275F4-47AA-48EE-98B8-F9A424A5CD98}"/>
+          </ac:picMkLst>
+        </pc:picChg>
+      </pc:sldChg>
+      <pc:sldChg chg="addSp delSp modSp new add del mod">
+        <pc:chgData name="Stefan Haslhofer" userId="866afa689d7b321a" providerId="LiveId" clId="{1AB871AF-A375-497F-94EA-B688E1422FEE}" dt="2022-05-05T17:20:16.304" v="1261" actId="47"/>
+        <pc:sldMkLst>
+          <pc:docMk/>
+          <pc:sldMk cId="3633210301" sldId="267"/>
+        </pc:sldMkLst>
+        <pc:spChg chg="mod">
+          <ac:chgData name="Stefan Haslhofer" userId="866afa689d7b321a" providerId="LiveId" clId="{1AB871AF-A375-497F-94EA-B688E1422FEE}" dt="2022-04-06T07:25:15.568" v="879" actId="20577"/>
+          <ac:spMkLst>
+            <pc:docMk/>
+            <pc:sldMk cId="3633210301" sldId="267"/>
+            <ac:spMk id="2" creationId="{850CE9D7-A7D6-46CD-A2F7-270788975611}"/>
+          </ac:spMkLst>
+        </pc:spChg>
+        <pc:spChg chg="mod">
+          <ac:chgData name="Stefan Haslhofer" userId="866afa689d7b321a" providerId="LiveId" clId="{1AB871AF-A375-497F-94EA-B688E1422FEE}" dt="2022-04-06T07:46:55.446" v="1205" actId="20577"/>
+          <ac:spMkLst>
+            <pc:docMk/>
+            <pc:sldMk cId="3633210301" sldId="267"/>
+            <ac:spMk id="5" creationId="{D649BF7B-5842-4E4E-B434-46C9DD4173BC}"/>
+          </ac:spMkLst>
+        </pc:spChg>
+        <pc:spChg chg="mod">
+          <ac:chgData name="Stefan Haslhofer" userId="866afa689d7b321a" providerId="LiveId" clId="{1AB871AF-A375-497F-94EA-B688E1422FEE}" dt="2022-04-06T07:42:17.804" v="1081" actId="20577"/>
+          <ac:spMkLst>
+            <pc:docMk/>
+            <pc:sldMk cId="3633210301" sldId="267"/>
+            <ac:spMk id="7" creationId="{06963082-FA41-4637-AD01-8155255ED1FD}"/>
+          </ac:spMkLst>
+        </pc:spChg>
+        <pc:spChg chg="add del">
+          <ac:chgData name="Stefan Haslhofer" userId="866afa689d7b321a" providerId="LiveId" clId="{1AB871AF-A375-497F-94EA-B688E1422FEE}" dt="2022-04-06T07:25:41.694" v="909"/>
+          <ac:spMkLst>
+            <pc:docMk/>
+            <pc:sldMk cId="3633210301" sldId="267"/>
+            <ac:spMk id="8" creationId="{57BE4729-4D22-4256-AD95-FE93968F9A22}"/>
+          </ac:spMkLst>
+        </pc:spChg>
+      </pc:sldChg>
+      <pc:sldChg chg="addSp delSp modSp new add del mod">
+        <pc:chgData name="Stefan Haslhofer" userId="866afa689d7b321a" providerId="LiveId" clId="{1AB871AF-A375-497F-94EA-B688E1422FEE}" dt="2022-05-05T17:20:15.933" v="1260" actId="47"/>
+        <pc:sldMkLst>
+          <pc:docMk/>
+          <pc:sldMk cId="4234597821" sldId="268"/>
+        </pc:sldMkLst>
+        <pc:spChg chg="mod">
+          <ac:chgData name="Stefan Haslhofer" userId="866afa689d7b321a" providerId="LiveId" clId="{1AB871AF-A375-497F-94EA-B688E1422FEE}" dt="2022-04-06T07:47:01.935" v="1221" actId="20577"/>
+          <ac:spMkLst>
+            <pc:docMk/>
+            <pc:sldMk cId="4234597821" sldId="268"/>
+            <ac:spMk id="5" creationId="{0BEC568D-AB4D-494A-BFD4-190102095256}"/>
+          </ac:spMkLst>
+        </pc:spChg>
+        <pc:spChg chg="del">
+          <ac:chgData name="Stefan Haslhofer" userId="866afa689d7b321a" providerId="LiveId" clId="{1AB871AF-A375-497F-94EA-B688E1422FEE}" dt="2022-04-06T07:42:29.407" v="1082" actId="478"/>
+          <ac:spMkLst>
+            <pc:docMk/>
+            <pc:sldMk cId="4234597821" sldId="268"/>
+            <ac:spMk id="7" creationId="{666913F2-18B1-4D9D-917C-CB2AE2F4CBB9}"/>
+          </ac:spMkLst>
+        </pc:spChg>
+        <pc:graphicFrameChg chg="add mod modGraphic">
+          <ac:chgData name="Stefan Haslhofer" userId="866afa689d7b321a" providerId="LiveId" clId="{1AB871AF-A375-497F-94EA-B688E1422FEE}" dt="2022-04-06T07:51:26.685" v="1254" actId="1076"/>
+          <ac:graphicFrameMkLst>
+            <pc:docMk/>
+            <pc:sldMk cId="4234597821" sldId="268"/>
+            <ac:graphicFrameMk id="8" creationId="{DAA1C0C4-CBF7-422A-B1CD-DB46A6F195D9}"/>
+          </ac:graphicFrameMkLst>
+        </pc:graphicFrameChg>
+        <pc:graphicFrameChg chg="add del">
+          <ac:chgData name="Stefan Haslhofer" userId="866afa689d7b321a" providerId="LiveId" clId="{1AB871AF-A375-497F-94EA-B688E1422FEE}" dt="2022-04-06T07:49:54.052" v="1227" actId="478"/>
+          <ac:graphicFrameMkLst>
+            <pc:docMk/>
+            <pc:sldMk cId="4234597821" sldId="268"/>
+            <ac:graphicFrameMk id="9" creationId="{A06C4248-502A-4E52-BFC5-B55070C68069}"/>
+          </ac:graphicFrameMkLst>
+        </pc:graphicFrameChg>
+      </pc:sldChg>
+    </pc:docChg>
+  </pc:docChgLst>
   <pc:docChgLst>
     <pc:chgData name="Stefan Haslhofer" userId="866afa689d7b321a" providerId="LiveId" clId="{DE2743AB-4AC4-4A59-B880-D6A938681EE5}"/>
     <pc:docChg chg="undo custSel addSld delSld modSld sldOrd addSection modSection">
@@ -1199,466 +1707,6 @@
       </pc:sldChg>
     </pc:docChg>
   </pc:docChgLst>
-  <pc:docChgLst>
-    <pc:chgData name="Stefan Haslhofer" userId="866afa689d7b321a" providerId="LiveId" clId="{1AB871AF-A375-497F-94EA-B688E1422FEE}"/>
-    <pc:docChg chg="undo redo custSel addSld delSld modSld">
-      <pc:chgData name="Stefan Haslhofer" userId="866afa689d7b321a" providerId="LiveId" clId="{1AB871AF-A375-497F-94EA-B688E1422FEE}" dt="2022-05-05T17:20:17.056" v="1264" actId="47"/>
-      <pc:docMkLst>
-        <pc:docMk/>
-      </pc:docMkLst>
-      <pc:sldChg chg="modSp mod">
-        <pc:chgData name="Stefan Haslhofer" userId="866afa689d7b321a" providerId="LiveId" clId="{1AB871AF-A375-497F-94EA-B688E1422FEE}" dt="2022-04-06T07:14:59.827" v="294" actId="20577"/>
-        <pc:sldMkLst>
-          <pc:docMk/>
-          <pc:sldMk cId="3301850067" sldId="256"/>
-        </pc:sldMkLst>
-        <pc:spChg chg="mod">
-          <ac:chgData name="Stefan Haslhofer" userId="866afa689d7b321a" providerId="LiveId" clId="{1AB871AF-A375-497F-94EA-B688E1422FEE}" dt="2022-04-06T07:11:23.940" v="8" actId="20577"/>
-          <ac:spMkLst>
-            <pc:docMk/>
-            <pc:sldMk cId="3301850067" sldId="256"/>
-            <ac:spMk id="2" creationId="{85EF7314-B437-4773-8F3C-099D60A21D0D}"/>
-          </ac:spMkLst>
-        </pc:spChg>
-        <pc:spChg chg="mod">
-          <ac:chgData name="Stefan Haslhofer" userId="866afa689d7b321a" providerId="LiveId" clId="{1AB871AF-A375-497F-94EA-B688E1422FEE}" dt="2022-04-06T07:11:40.719" v="35" actId="20577"/>
-          <ac:spMkLst>
-            <pc:docMk/>
-            <pc:sldMk cId="3301850067" sldId="256"/>
-            <ac:spMk id="6" creationId="{5F9D903B-365E-4567-9A77-344038C307B4}"/>
-          </ac:spMkLst>
-        </pc:spChg>
-        <pc:spChg chg="mod">
-          <ac:chgData name="Stefan Haslhofer" userId="866afa689d7b321a" providerId="LiveId" clId="{1AB871AF-A375-497F-94EA-B688E1422FEE}" dt="2022-04-06T07:14:59.827" v="294" actId="20577"/>
-          <ac:spMkLst>
-            <pc:docMk/>
-            <pc:sldMk cId="3301850067" sldId="256"/>
-            <ac:spMk id="7" creationId="{3520FA45-1D67-495D-8A38-EB3523876E24}"/>
-          </ac:spMkLst>
-        </pc:spChg>
-      </pc:sldChg>
-      <pc:sldChg chg="addSp delSp modSp del mod">
-        <pc:chgData name="Stefan Haslhofer" userId="866afa689d7b321a" providerId="LiveId" clId="{1AB871AF-A375-497F-94EA-B688E1422FEE}" dt="2022-04-06T07:24:39.650" v="838" actId="47"/>
-        <pc:sldMkLst>
-          <pc:docMk/>
-          <pc:sldMk cId="4143740507" sldId="257"/>
-        </pc:sldMkLst>
-        <pc:spChg chg="mod">
-          <ac:chgData name="Stefan Haslhofer" userId="866afa689d7b321a" providerId="LiveId" clId="{1AB871AF-A375-497F-94EA-B688E1422FEE}" dt="2022-04-06T07:11:50.430" v="57" actId="20577"/>
-          <ac:spMkLst>
-            <pc:docMk/>
-            <pc:sldMk cId="4143740507" sldId="257"/>
-            <ac:spMk id="6" creationId="{31D007D2-9FC5-4099-B822-236781789921}"/>
-          </ac:spMkLst>
-        </pc:spChg>
-        <pc:spChg chg="mod">
-          <ac:chgData name="Stefan Haslhofer" userId="866afa689d7b321a" providerId="LiveId" clId="{1AB871AF-A375-497F-94EA-B688E1422FEE}" dt="2022-04-06T07:11:52.941" v="58" actId="20577"/>
-          <ac:spMkLst>
-            <pc:docMk/>
-            <pc:sldMk cId="4143740507" sldId="257"/>
-            <ac:spMk id="7" creationId="{FD4D6BB0-7D68-4E68-B0B1-00C596B1D0ED}"/>
-          </ac:spMkLst>
-        </pc:spChg>
-        <pc:picChg chg="add del mod">
-          <ac:chgData name="Stefan Haslhofer" userId="866afa689d7b321a" providerId="LiveId" clId="{1AB871AF-A375-497F-94EA-B688E1422FEE}" dt="2022-04-06T07:24:11.673" v="829" actId="21"/>
-          <ac:picMkLst>
-            <pc:docMk/>
-            <pc:sldMk cId="4143740507" sldId="257"/>
-            <ac:picMk id="3" creationId="{28A3BAD1-D945-4BED-897C-5636E5531FE9}"/>
-          </ac:picMkLst>
-        </pc:picChg>
-      </pc:sldChg>
-      <pc:sldChg chg="del">
-        <pc:chgData name="Stefan Haslhofer" userId="866afa689d7b321a" providerId="LiveId" clId="{1AB871AF-A375-497F-94EA-B688E1422FEE}" dt="2022-04-06T07:13:43.911" v="88" actId="2696"/>
-        <pc:sldMkLst>
-          <pc:docMk/>
-          <pc:sldMk cId="275205610" sldId="258"/>
-        </pc:sldMkLst>
-      </pc:sldChg>
-      <pc:sldChg chg="modSp del mod">
-        <pc:chgData name="Stefan Haslhofer" userId="866afa689d7b321a" providerId="LiveId" clId="{1AB871AF-A375-497F-94EA-B688E1422FEE}" dt="2022-04-06T07:42:02.921" v="1076" actId="47"/>
-        <pc:sldMkLst>
-          <pc:docMk/>
-          <pc:sldMk cId="3085839050" sldId="259"/>
-        </pc:sldMkLst>
-        <pc:spChg chg="mod">
-          <ac:chgData name="Stefan Haslhofer" userId="866afa689d7b321a" providerId="LiveId" clId="{1AB871AF-A375-497F-94EA-B688E1422FEE}" dt="2022-04-06T07:13:37.735" v="86" actId="20577"/>
-          <ac:spMkLst>
-            <pc:docMk/>
-            <pc:sldMk cId="3085839050" sldId="259"/>
-            <ac:spMk id="6" creationId="{31D007D2-9FC5-4099-B822-236781789921}"/>
-          </ac:spMkLst>
-        </pc:spChg>
-        <pc:spChg chg="mod">
-          <ac:chgData name="Stefan Haslhofer" userId="866afa689d7b321a" providerId="LiveId" clId="{1AB871AF-A375-497F-94EA-B688E1422FEE}" dt="2022-04-06T07:13:40.273" v="87" actId="20577"/>
-          <ac:spMkLst>
-            <pc:docMk/>
-            <pc:sldMk cId="3085839050" sldId="259"/>
-            <ac:spMk id="7" creationId="{FD4D6BB0-7D68-4E68-B0B1-00C596B1D0ED}"/>
-          </ac:spMkLst>
-        </pc:spChg>
-      </pc:sldChg>
-      <pc:sldChg chg="addSp delSp modSp new del mod modClrScheme chgLayout">
-        <pc:chgData name="Stefan Haslhofer" userId="866afa689d7b321a" providerId="LiveId" clId="{1AB871AF-A375-497F-94EA-B688E1422FEE}" dt="2022-04-06T07:23:30.595" v="774" actId="47"/>
-        <pc:sldMkLst>
-          <pc:docMk/>
-          <pc:sldMk cId="3253280908" sldId="260"/>
-        </pc:sldMkLst>
-        <pc:spChg chg="del mod ord">
-          <ac:chgData name="Stefan Haslhofer" userId="866afa689d7b321a" providerId="LiveId" clId="{1AB871AF-A375-497F-94EA-B688E1422FEE}" dt="2022-04-06T07:12:51.399" v="64" actId="700"/>
-          <ac:spMkLst>
-            <pc:docMk/>
-            <pc:sldMk cId="3253280908" sldId="260"/>
-            <ac:spMk id="2" creationId="{475F457F-A516-4BA2-A45D-3DBCBB2F51C3}"/>
-          </ac:spMkLst>
-        </pc:spChg>
-        <pc:spChg chg="del mod ord">
-          <ac:chgData name="Stefan Haslhofer" userId="866afa689d7b321a" providerId="LiveId" clId="{1AB871AF-A375-497F-94EA-B688E1422FEE}" dt="2022-04-06T07:12:51.399" v="64" actId="700"/>
-          <ac:spMkLst>
-            <pc:docMk/>
-            <pc:sldMk cId="3253280908" sldId="260"/>
-            <ac:spMk id="3" creationId="{A16C0CC8-2990-4680-8A86-B0ACACFBE472}"/>
-          </ac:spMkLst>
-        </pc:spChg>
-        <pc:spChg chg="del mod ord">
-          <ac:chgData name="Stefan Haslhofer" userId="866afa689d7b321a" providerId="LiveId" clId="{1AB871AF-A375-497F-94EA-B688E1422FEE}" dt="2022-04-06T07:12:51.399" v="64" actId="700"/>
-          <ac:spMkLst>
-            <pc:docMk/>
-            <pc:sldMk cId="3253280908" sldId="260"/>
-            <ac:spMk id="4" creationId="{C1E9ED62-9439-49CA-9E83-9F949F145997}"/>
-          </ac:spMkLst>
-        </pc:spChg>
-        <pc:spChg chg="add mod ord">
-          <ac:chgData name="Stefan Haslhofer" userId="866afa689d7b321a" providerId="LiveId" clId="{1AB871AF-A375-497F-94EA-B688E1422FEE}" dt="2022-04-06T07:23:27.793" v="772" actId="21"/>
-          <ac:spMkLst>
-            <pc:docMk/>
-            <pc:sldMk cId="3253280908" sldId="260"/>
-            <ac:spMk id="5" creationId="{50A0EAF5-7C6B-4EAB-B0CF-16361E90832C}"/>
-          </ac:spMkLst>
-        </pc:spChg>
-        <pc:spChg chg="add mod ord">
-          <ac:chgData name="Stefan Haslhofer" userId="866afa689d7b321a" providerId="LiveId" clId="{1AB871AF-A375-497F-94EA-B688E1422FEE}" dt="2022-04-06T07:23:23.569" v="770" actId="21"/>
-          <ac:spMkLst>
-            <pc:docMk/>
-            <pc:sldMk cId="3253280908" sldId="260"/>
-            <ac:spMk id="6" creationId="{584E0316-5DD8-4DC0-8084-6F823CEB0C42}"/>
-          </ac:spMkLst>
-        </pc:spChg>
-        <pc:spChg chg="add del mod ord">
-          <ac:chgData name="Stefan Haslhofer" userId="866afa689d7b321a" providerId="LiveId" clId="{1AB871AF-A375-497F-94EA-B688E1422FEE}" dt="2022-04-06T07:22:11.822" v="717" actId="700"/>
-          <ac:spMkLst>
-            <pc:docMk/>
-            <pc:sldMk cId="3253280908" sldId="260"/>
-            <ac:spMk id="7" creationId="{409AF4BC-5671-46F7-94B3-1FC1E91B1B0E}"/>
-          </ac:spMkLst>
-        </pc:spChg>
-        <pc:spChg chg="add del mod ord">
-          <ac:chgData name="Stefan Haslhofer" userId="866afa689d7b321a" providerId="LiveId" clId="{1AB871AF-A375-497F-94EA-B688E1422FEE}" dt="2022-04-06T07:22:11.822" v="717" actId="700"/>
-          <ac:spMkLst>
-            <pc:docMk/>
-            <pc:sldMk cId="3253280908" sldId="260"/>
-            <ac:spMk id="8" creationId="{BD0E22C5-6279-4026-8913-AE0932D50874}"/>
-          </ac:spMkLst>
-        </pc:spChg>
-        <pc:spChg chg="add mod ord">
-          <ac:chgData name="Stefan Haslhofer" userId="866afa689d7b321a" providerId="LiveId" clId="{1AB871AF-A375-497F-94EA-B688E1422FEE}" dt="2022-04-06T07:22:11.822" v="717" actId="700"/>
-          <ac:spMkLst>
-            <pc:docMk/>
-            <pc:sldMk cId="3253280908" sldId="260"/>
-            <ac:spMk id="9" creationId="{FC3F61F3-75E8-40A1-9D2D-B6AFBAF49D92}"/>
-          </ac:spMkLst>
-        </pc:spChg>
-      </pc:sldChg>
-      <pc:sldChg chg="addSp delSp modSp add del mod">
-        <pc:chgData name="Stefan Haslhofer" userId="866afa689d7b321a" providerId="LiveId" clId="{1AB871AF-A375-497F-94EA-B688E1422FEE}" dt="2022-04-06T07:24:41.415" v="839" actId="47"/>
-        <pc:sldMkLst>
-          <pc:docMk/>
-          <pc:sldMk cId="558866134" sldId="261"/>
-        </pc:sldMkLst>
-        <pc:picChg chg="del">
-          <ac:chgData name="Stefan Haslhofer" userId="866afa689d7b321a" providerId="LiveId" clId="{1AB871AF-A375-497F-94EA-B688E1422FEE}" dt="2022-04-06T07:13:19.229" v="78" actId="478"/>
-          <ac:picMkLst>
-            <pc:docMk/>
-            <pc:sldMk cId="558866134" sldId="261"/>
-            <ac:picMk id="3" creationId="{28A3BAD1-D945-4BED-897C-5636E5531FE9}"/>
-          </ac:picMkLst>
-        </pc:picChg>
-        <pc:picChg chg="add del mod">
-          <ac:chgData name="Stefan Haslhofer" userId="866afa689d7b321a" providerId="LiveId" clId="{1AB871AF-A375-497F-94EA-B688E1422FEE}" dt="2022-04-06T07:24:24.903" v="833" actId="21"/>
-          <ac:picMkLst>
-            <pc:docMk/>
-            <pc:sldMk cId="558866134" sldId="261"/>
-            <ac:picMk id="4" creationId="{BC333152-38A2-4882-825F-49D380C61ABD}"/>
-          </ac:picMkLst>
-        </pc:picChg>
-      </pc:sldChg>
-      <pc:sldChg chg="addSp delSp modSp new del mod">
-        <pc:chgData name="Stefan Haslhofer" userId="866afa689d7b321a" providerId="LiveId" clId="{1AB871AF-A375-497F-94EA-B688E1422FEE}" dt="2022-04-06T07:23:15.687" v="753" actId="47"/>
-        <pc:sldMkLst>
-          <pc:docMk/>
-          <pc:sldMk cId="641924151" sldId="262"/>
-        </pc:sldMkLst>
-        <pc:spChg chg="mod">
-          <ac:chgData name="Stefan Haslhofer" userId="866afa689d7b321a" providerId="LiveId" clId="{1AB871AF-A375-497F-94EA-B688E1422FEE}" dt="2022-04-06T07:18:06.743" v="537" actId="20577"/>
-          <ac:spMkLst>
-            <pc:docMk/>
-            <pc:sldMk cId="641924151" sldId="262"/>
-            <ac:spMk id="2" creationId="{E8AE42F0-9C47-4282-916C-28A028852428}"/>
-          </ac:spMkLst>
-        </pc:spChg>
-        <pc:spChg chg="add del">
-          <ac:chgData name="Stefan Haslhofer" userId="866afa689d7b321a" providerId="LiveId" clId="{1AB871AF-A375-497F-94EA-B688E1422FEE}" dt="2022-04-06T07:22:53.816" v="730" actId="478"/>
-          <ac:spMkLst>
-            <pc:docMk/>
-            <pc:sldMk cId="641924151" sldId="262"/>
-            <ac:spMk id="3" creationId="{4599BCF8-DEA7-4BF0-B117-F8320AD5F56B}"/>
-          </ac:spMkLst>
-        </pc:spChg>
-        <pc:spChg chg="add del">
-          <ac:chgData name="Stefan Haslhofer" userId="866afa689d7b321a" providerId="LiveId" clId="{1AB871AF-A375-497F-94EA-B688E1422FEE}" dt="2022-04-06T07:22:54.051" v="731" actId="478"/>
-          <ac:spMkLst>
-            <pc:docMk/>
-            <pc:sldMk cId="641924151" sldId="262"/>
-            <ac:spMk id="4" creationId="{39981279-14E3-4314-B151-887FCBFB6BEF}"/>
-          </ac:spMkLst>
-        </pc:spChg>
-        <pc:spChg chg="del">
-          <ac:chgData name="Stefan Haslhofer" userId="866afa689d7b321a" providerId="LiveId" clId="{1AB871AF-A375-497F-94EA-B688E1422FEE}" dt="2022-04-06T07:22:01.438" v="716" actId="478"/>
-          <ac:spMkLst>
-            <pc:docMk/>
-            <pc:sldMk cId="641924151" sldId="262"/>
-            <ac:spMk id="5" creationId="{09988F5D-3C9A-46AC-B975-63C1552C8E8C}"/>
-          </ac:spMkLst>
-        </pc:spChg>
-        <pc:spChg chg="mod">
-          <ac:chgData name="Stefan Haslhofer" userId="866afa689d7b321a" providerId="LiveId" clId="{1AB871AF-A375-497F-94EA-B688E1422FEE}" dt="2022-04-06T07:23:11.251" v="750" actId="21"/>
-          <ac:spMkLst>
-            <pc:docMk/>
-            <pc:sldMk cId="641924151" sldId="262"/>
-            <ac:spMk id="7" creationId="{2B59AB6B-B967-401C-B867-4D740ECA1B69}"/>
-          </ac:spMkLst>
-        </pc:spChg>
-      </pc:sldChg>
-      <pc:sldChg chg="addSp delSp modSp new add del mod">
-        <pc:chgData name="Stefan Haslhofer" userId="866afa689d7b321a" providerId="LiveId" clId="{1AB871AF-A375-497F-94EA-B688E1422FEE}" dt="2022-05-05T17:20:17.056" v="1264" actId="47"/>
-        <pc:sldMkLst>
-          <pc:docMk/>
-          <pc:sldMk cId="3699803687" sldId="263"/>
-        </pc:sldMkLst>
-        <pc:spChg chg="mod">
-          <ac:chgData name="Stefan Haslhofer" userId="866afa689d7b321a" providerId="LiveId" clId="{1AB871AF-A375-497F-94EA-B688E1422FEE}" dt="2022-04-06T07:23:11.083" v="749"/>
-          <ac:spMkLst>
-            <pc:docMk/>
-            <pc:sldMk cId="3699803687" sldId="263"/>
-            <ac:spMk id="2" creationId="{1D2A08BD-3366-468A-9380-AC9AB0841E78}"/>
-          </ac:spMkLst>
-        </pc:spChg>
-        <pc:spChg chg="add del mod">
-          <ac:chgData name="Stefan Haslhofer" userId="866afa689d7b321a" providerId="LiveId" clId="{1AB871AF-A375-497F-94EA-B688E1422FEE}" dt="2022-04-06T07:22:58.760" v="742" actId="20577"/>
-          <ac:spMkLst>
-            <pc:docMk/>
-            <pc:sldMk cId="3699803687" sldId="263"/>
-            <ac:spMk id="5" creationId="{20DF6E3C-4B45-4FF5-99BD-A3743D34B7DD}"/>
-          </ac:spMkLst>
-        </pc:spChg>
-        <pc:spChg chg="mod">
-          <ac:chgData name="Stefan Haslhofer" userId="866afa689d7b321a" providerId="LiveId" clId="{1AB871AF-A375-497F-94EA-B688E1422FEE}" dt="2022-04-06T07:23:11.465" v="751"/>
-          <ac:spMkLst>
-            <pc:docMk/>
-            <pc:sldMk cId="3699803687" sldId="263"/>
-            <ac:spMk id="7" creationId="{98A43756-0C52-4086-BECC-FD02F2163E45}"/>
-          </ac:spMkLst>
-        </pc:spChg>
-      </pc:sldChg>
-      <pc:sldChg chg="modSp new mod">
-        <pc:chgData name="Stefan Haslhofer" userId="866afa689d7b321a" providerId="LiveId" clId="{1AB871AF-A375-497F-94EA-B688E1422FEE}" dt="2022-04-06T07:23:29.268" v="773"/>
-        <pc:sldMkLst>
-          <pc:docMk/>
-          <pc:sldMk cId="896080886" sldId="264"/>
-        </pc:sldMkLst>
-        <pc:spChg chg="mod">
-          <ac:chgData name="Stefan Haslhofer" userId="866afa689d7b321a" providerId="LiveId" clId="{1AB871AF-A375-497F-94EA-B688E1422FEE}" dt="2022-04-06T07:23:29.268" v="773"/>
-          <ac:spMkLst>
-            <pc:docMk/>
-            <pc:sldMk cId="896080886" sldId="264"/>
-            <ac:spMk id="2" creationId="{6F186F57-A75D-4DAC-B407-C3395BDC1101}"/>
-          </ac:spMkLst>
-        </pc:spChg>
-        <pc:spChg chg="mod">
-          <ac:chgData name="Stefan Haslhofer" userId="866afa689d7b321a" providerId="LiveId" clId="{1AB871AF-A375-497F-94EA-B688E1422FEE}" dt="2022-04-06T07:23:19.903" v="769" actId="20577"/>
-          <ac:spMkLst>
-            <pc:docMk/>
-            <pc:sldMk cId="896080886" sldId="264"/>
-            <ac:spMk id="5" creationId="{42F10F0B-6494-4A7F-933C-A0010C4A2066}"/>
-          </ac:spMkLst>
-        </pc:spChg>
-        <pc:spChg chg="mod">
-          <ac:chgData name="Stefan Haslhofer" userId="866afa689d7b321a" providerId="LiveId" clId="{1AB871AF-A375-497F-94EA-B688E1422FEE}" dt="2022-04-06T07:23:24.767" v="771"/>
-          <ac:spMkLst>
-            <pc:docMk/>
-            <pc:sldMk cId="896080886" sldId="264"/>
-            <ac:spMk id="7" creationId="{36C050EC-DA51-4E02-9B7C-9D670567DD90}"/>
-          </ac:spMkLst>
-        </pc:spChg>
-      </pc:sldChg>
-      <pc:sldChg chg="addSp delSp modSp new add del mod">
-        <pc:chgData name="Stefan Haslhofer" userId="866afa689d7b321a" providerId="LiveId" clId="{1AB871AF-A375-497F-94EA-B688E1422FEE}" dt="2022-05-05T17:20:17.024" v="1263" actId="47"/>
-        <pc:sldMkLst>
-          <pc:docMk/>
-          <pc:sldMk cId="2083663033" sldId="265"/>
-        </pc:sldMkLst>
-        <pc:spChg chg="mod">
-          <ac:chgData name="Stefan Haslhofer" userId="866afa689d7b321a" providerId="LiveId" clId="{1AB871AF-A375-497F-94EA-B688E1422FEE}" dt="2022-04-06T07:24:06.407" v="818" actId="20577"/>
-          <ac:spMkLst>
-            <pc:docMk/>
-            <pc:sldMk cId="2083663033" sldId="265"/>
-            <ac:spMk id="2" creationId="{5A002E45-2CE9-45A5-B60E-3A5BFC8D9FD7}"/>
-          </ac:spMkLst>
-        </pc:spChg>
-        <pc:spChg chg="mod">
-          <ac:chgData name="Stefan Haslhofer" userId="866afa689d7b321a" providerId="LiveId" clId="{1AB871AF-A375-497F-94EA-B688E1422FEE}" dt="2022-04-06T07:23:56.572" v="792" actId="20577"/>
-          <ac:spMkLst>
-            <pc:docMk/>
-            <pc:sldMk cId="2083663033" sldId="265"/>
-            <ac:spMk id="5" creationId="{98E96CAF-67D8-4B76-BBD7-EC272B72D999}"/>
-          </ac:spMkLst>
-        </pc:spChg>
-        <pc:spChg chg="del">
-          <ac:chgData name="Stefan Haslhofer" userId="866afa689d7b321a" providerId="LiveId" clId="{1AB871AF-A375-497F-94EA-B688E1422FEE}" dt="2022-04-06T07:24:14.554" v="830"/>
-          <ac:spMkLst>
-            <pc:docMk/>
-            <pc:sldMk cId="2083663033" sldId="265"/>
-            <ac:spMk id="7" creationId="{02CA5BB6-FDDD-42D3-8CDC-3A3758DD8F07}"/>
-          </ac:spMkLst>
-        </pc:spChg>
-        <pc:picChg chg="add mod">
-          <ac:chgData name="Stefan Haslhofer" userId="866afa689d7b321a" providerId="LiveId" clId="{1AB871AF-A375-497F-94EA-B688E1422FEE}" dt="2022-04-06T07:24:20.074" v="832" actId="14100"/>
-          <ac:picMkLst>
-            <pc:docMk/>
-            <pc:sldMk cId="2083663033" sldId="265"/>
-            <ac:picMk id="8" creationId="{0BFE618A-875C-4D51-B147-0CE019923F33}"/>
-          </ac:picMkLst>
-        </pc:picChg>
-      </pc:sldChg>
-      <pc:sldChg chg="addSp delSp modSp new add del mod">
-        <pc:chgData name="Stefan Haslhofer" userId="866afa689d7b321a" providerId="LiveId" clId="{1AB871AF-A375-497F-94EA-B688E1422FEE}" dt="2022-05-05T17:20:16.525" v="1262" actId="47"/>
-        <pc:sldMkLst>
-          <pc:docMk/>
-          <pc:sldMk cId="1163640463" sldId="266"/>
-        </pc:sldMkLst>
-        <pc:spChg chg="mod">
-          <ac:chgData name="Stefan Haslhofer" userId="866afa689d7b321a" providerId="LiveId" clId="{1AB871AF-A375-497F-94EA-B688E1422FEE}" dt="2022-04-06T07:24:09.982" v="828" actId="20577"/>
-          <ac:spMkLst>
-            <pc:docMk/>
-            <pc:sldMk cId="1163640463" sldId="266"/>
-            <ac:spMk id="2" creationId="{F98DF67A-C101-47F4-A53A-AE93097D595A}"/>
-          </ac:spMkLst>
-        </pc:spChg>
-        <pc:spChg chg="mod">
-          <ac:chgData name="Stefan Haslhofer" userId="866afa689d7b321a" providerId="LiveId" clId="{1AB871AF-A375-497F-94EA-B688E1422FEE}" dt="2022-04-06T07:24:00.898" v="808" actId="20577"/>
-          <ac:spMkLst>
-            <pc:docMk/>
-            <pc:sldMk cId="1163640463" sldId="266"/>
-            <ac:spMk id="5" creationId="{093763CC-D01E-4CF1-874A-0FFDF4ECC58A}"/>
-          </ac:spMkLst>
-        </pc:spChg>
-        <pc:spChg chg="del">
-          <ac:chgData name="Stefan Haslhofer" userId="866afa689d7b321a" providerId="LiveId" clId="{1AB871AF-A375-497F-94EA-B688E1422FEE}" dt="2022-04-06T07:24:27.388" v="834"/>
-          <ac:spMkLst>
-            <pc:docMk/>
-            <pc:sldMk cId="1163640463" sldId="266"/>
-            <ac:spMk id="7" creationId="{5C2A1E70-44CD-4C89-84C3-1A13ABB340A8}"/>
-          </ac:spMkLst>
-        </pc:spChg>
-        <pc:picChg chg="add mod">
-          <ac:chgData name="Stefan Haslhofer" userId="866afa689d7b321a" providerId="LiveId" clId="{1AB871AF-A375-497F-94EA-B688E1422FEE}" dt="2022-04-06T07:24:34.781" v="837" actId="1076"/>
-          <ac:picMkLst>
-            <pc:docMk/>
-            <pc:sldMk cId="1163640463" sldId="266"/>
-            <ac:picMk id="8" creationId="{4B2275F4-47AA-48EE-98B8-F9A424A5CD98}"/>
-          </ac:picMkLst>
-        </pc:picChg>
-      </pc:sldChg>
-      <pc:sldChg chg="addSp delSp modSp new add del mod">
-        <pc:chgData name="Stefan Haslhofer" userId="866afa689d7b321a" providerId="LiveId" clId="{1AB871AF-A375-497F-94EA-B688E1422FEE}" dt="2022-05-05T17:20:16.304" v="1261" actId="47"/>
-        <pc:sldMkLst>
-          <pc:docMk/>
-          <pc:sldMk cId="3633210301" sldId="267"/>
-        </pc:sldMkLst>
-        <pc:spChg chg="mod">
-          <ac:chgData name="Stefan Haslhofer" userId="866afa689d7b321a" providerId="LiveId" clId="{1AB871AF-A375-497F-94EA-B688E1422FEE}" dt="2022-04-06T07:25:15.568" v="879" actId="20577"/>
-          <ac:spMkLst>
-            <pc:docMk/>
-            <pc:sldMk cId="3633210301" sldId="267"/>
-            <ac:spMk id="2" creationId="{850CE9D7-A7D6-46CD-A2F7-270788975611}"/>
-          </ac:spMkLst>
-        </pc:spChg>
-        <pc:spChg chg="mod">
-          <ac:chgData name="Stefan Haslhofer" userId="866afa689d7b321a" providerId="LiveId" clId="{1AB871AF-A375-497F-94EA-B688E1422FEE}" dt="2022-04-06T07:46:55.446" v="1205" actId="20577"/>
-          <ac:spMkLst>
-            <pc:docMk/>
-            <pc:sldMk cId="3633210301" sldId="267"/>
-            <ac:spMk id="5" creationId="{D649BF7B-5842-4E4E-B434-46C9DD4173BC}"/>
-          </ac:spMkLst>
-        </pc:spChg>
-        <pc:spChg chg="mod">
-          <ac:chgData name="Stefan Haslhofer" userId="866afa689d7b321a" providerId="LiveId" clId="{1AB871AF-A375-497F-94EA-B688E1422FEE}" dt="2022-04-06T07:42:17.804" v="1081" actId="20577"/>
-          <ac:spMkLst>
-            <pc:docMk/>
-            <pc:sldMk cId="3633210301" sldId="267"/>
-            <ac:spMk id="7" creationId="{06963082-FA41-4637-AD01-8155255ED1FD}"/>
-          </ac:spMkLst>
-        </pc:spChg>
-        <pc:spChg chg="add del">
-          <ac:chgData name="Stefan Haslhofer" userId="866afa689d7b321a" providerId="LiveId" clId="{1AB871AF-A375-497F-94EA-B688E1422FEE}" dt="2022-04-06T07:25:41.694" v="909"/>
-          <ac:spMkLst>
-            <pc:docMk/>
-            <pc:sldMk cId="3633210301" sldId="267"/>
-            <ac:spMk id="8" creationId="{57BE4729-4D22-4256-AD95-FE93968F9A22}"/>
-          </ac:spMkLst>
-        </pc:spChg>
-      </pc:sldChg>
-      <pc:sldChg chg="addSp delSp modSp new add del mod">
-        <pc:chgData name="Stefan Haslhofer" userId="866afa689d7b321a" providerId="LiveId" clId="{1AB871AF-A375-497F-94EA-B688E1422FEE}" dt="2022-05-05T17:20:15.933" v="1260" actId="47"/>
-        <pc:sldMkLst>
-          <pc:docMk/>
-          <pc:sldMk cId="4234597821" sldId="268"/>
-        </pc:sldMkLst>
-        <pc:spChg chg="mod">
-          <ac:chgData name="Stefan Haslhofer" userId="866afa689d7b321a" providerId="LiveId" clId="{1AB871AF-A375-497F-94EA-B688E1422FEE}" dt="2022-04-06T07:47:01.935" v="1221" actId="20577"/>
-          <ac:spMkLst>
-            <pc:docMk/>
-            <pc:sldMk cId="4234597821" sldId="268"/>
-            <ac:spMk id="5" creationId="{0BEC568D-AB4D-494A-BFD4-190102095256}"/>
-          </ac:spMkLst>
-        </pc:spChg>
-        <pc:spChg chg="del">
-          <ac:chgData name="Stefan Haslhofer" userId="866afa689d7b321a" providerId="LiveId" clId="{1AB871AF-A375-497F-94EA-B688E1422FEE}" dt="2022-04-06T07:42:29.407" v="1082" actId="478"/>
-          <ac:spMkLst>
-            <pc:docMk/>
-            <pc:sldMk cId="4234597821" sldId="268"/>
-            <ac:spMk id="7" creationId="{666913F2-18B1-4D9D-917C-CB2AE2F4CBB9}"/>
-          </ac:spMkLst>
-        </pc:spChg>
-        <pc:graphicFrameChg chg="add mod modGraphic">
-          <ac:chgData name="Stefan Haslhofer" userId="866afa689d7b321a" providerId="LiveId" clId="{1AB871AF-A375-497F-94EA-B688E1422FEE}" dt="2022-04-06T07:51:26.685" v="1254" actId="1076"/>
-          <ac:graphicFrameMkLst>
-            <pc:docMk/>
-            <pc:sldMk cId="4234597821" sldId="268"/>
-            <ac:graphicFrameMk id="8" creationId="{DAA1C0C4-CBF7-422A-B1CD-DB46A6F195D9}"/>
-          </ac:graphicFrameMkLst>
-        </pc:graphicFrameChg>
-        <pc:graphicFrameChg chg="add del">
-          <ac:chgData name="Stefan Haslhofer" userId="866afa689d7b321a" providerId="LiveId" clId="{1AB871AF-A375-497F-94EA-B688E1422FEE}" dt="2022-04-06T07:49:54.052" v="1227" actId="478"/>
-          <ac:graphicFrameMkLst>
-            <pc:docMk/>
-            <pc:sldMk cId="4234597821" sldId="268"/>
-            <ac:graphicFrameMk id="9" creationId="{A06C4248-502A-4E52-BFC5-B55070C68069}"/>
-          </ac:graphicFrameMkLst>
-        </pc:graphicFrameChg>
-      </pc:sldChg>
-    </pc:docChg>
-  </pc:docChgLst>
 </pc:chgInfo>
 </file>
 
@@ -1744,7 +1792,7 @@
           <a:p>
             <a:fld id="{05E02316-A3A9-40CE-8399-988D8D269502}" type="datetimeFigureOut">
               <a:rPr lang="de-AT" smtClean="0"/>
-              <a:t>16.05.2022</a:t>
+              <a:t>17.05.2022</a:t>
             </a:fld>
             <a:endParaRPr lang="de-AT"/>
           </a:p>
@@ -1810,7 +1858,7 @@
           <a:p>
             <a:fld id="{5C731D18-B53C-4622-9947-A3FBDDB0C9B1}" type="slidenum">
               <a:rPr lang="de-AT" smtClean="0"/>
-              <a:t>‹#›</a:t>
+              <a:t>‹Nr.›</a:t>
             </a:fld>
             <a:endParaRPr lang="de-AT"/>
           </a:p>
@@ -1909,7 +1957,7 @@
           <a:p>
             <a:fld id="{F5E89DEF-C035-41A2-9AFE-A6026D4C04BE}" type="datetimeFigureOut">
               <a:rPr lang="de-AT" smtClean="0"/>
-              <a:t>16.05.2022</a:t>
+              <a:t>17.05.2022</a:t>
             </a:fld>
             <a:endParaRPr lang="de-AT"/>
           </a:p>
@@ -2068,7 +2116,7 @@
           <a:p>
             <a:fld id="{BEF2A079-E7F8-4A78-8EEA-DD00A8D5DE37}" type="slidenum">
               <a:rPr lang="de-AT" smtClean="0"/>
-              <a:t>‹#›</a:t>
+              <a:t>‹Nr.›</a:t>
             </a:fld>
             <a:endParaRPr lang="de-AT"/>
           </a:p>
@@ -2522,7 +2570,7 @@
             <a:fld id="{68F3185B-C653-42AE-8B74-FF214C291574}" type="slidenum">
               <a:rPr lang="en-US" smtClean="0"/>
               <a:pPr/>
-              <a:t>‹#›</a:t>
+              <a:t>‹Nr.›</a:t>
             </a:fld>
             <a:endParaRPr lang="en-US"/>
           </a:p>
@@ -2838,7 +2886,7 @@
             <a:fld id="{68F3185B-C653-42AE-8B74-FF214C291574}" type="slidenum">
               <a:rPr lang="en-US" smtClean="0"/>
               <a:pPr/>
-              <a:t>‹#›</a:t>
+              <a:t>‹Nr.›</a:t>
             </a:fld>
             <a:endParaRPr lang="en-US"/>
           </a:p>
@@ -3206,7 +3254,7 @@
             <a:fld id="{68F3185B-C653-42AE-8B74-FF214C291574}" type="slidenum">
               <a:rPr lang="en-US" smtClean="0"/>
               <a:pPr/>
-              <a:t>‹#›</a:t>
+              <a:t>‹Nr.›</a:t>
             </a:fld>
             <a:endParaRPr lang="en-US"/>
           </a:p>
@@ -3557,7 +3605,7 @@
             <a:fld id="{68F3185B-C653-42AE-8B74-FF214C291574}" type="slidenum">
               <a:rPr lang="en-US" smtClean="0"/>
               <a:pPr/>
-              <a:t>‹#›</a:t>
+              <a:t>‹Nr.›</a:t>
             </a:fld>
             <a:endParaRPr lang="en-US"/>
           </a:p>
@@ -4033,7 +4081,7 @@
             <a:fld id="{68F3185B-C653-42AE-8B74-FF214C291574}" type="slidenum">
               <a:rPr lang="en-US" smtClean="0"/>
               <a:pPr/>
-              <a:t>‹#›</a:t>
+              <a:t>‹Nr.›</a:t>
             </a:fld>
             <a:endParaRPr lang="en-US"/>
           </a:p>
@@ -4310,7 +4358,7 @@
             <a:fld id="{68F3185B-C653-42AE-8B74-FF214C291574}" type="slidenum">
               <a:rPr lang="en-US" smtClean="0"/>
               <a:pPr/>
-              <a:t>‹#›</a:t>
+              <a:t>‹Nr.›</a:t>
             </a:fld>
             <a:endParaRPr lang="en-US"/>
           </a:p>
@@ -6134,7 +6182,7 @@
             <a:fld id="{68F3185B-C653-42AE-8B74-FF214C291574}" type="slidenum">
               <a:rPr lang="en-US" smtClean="0"/>
               <a:pPr/>
-              <a:t>‹#›</a:t>
+              <a:t>‹Nr.›</a:t>
             </a:fld>
             <a:endParaRPr lang="en-US"/>
           </a:p>
@@ -6416,7 +6464,7 @@
             <a:fld id="{DFB297D7-21D1-0549-A74D-BD032133048A}" type="slidenum">
               <a:rPr lang="en-US" smtClean="0"/>
               <a:pPr/>
-              <a:t>‹#›</a:t>
+              <a:t>‹Nr.›</a:t>
             </a:fld>
             <a:endParaRPr lang="en-US" dirty="0"/>
           </a:p>
@@ -6762,7 +6810,7 @@
             <a:fld id="{2FCA2C60-3929-1D49-B29C-C60A97789EE3}" type="slidenum">
               <a:rPr lang="en-US" smtClean="0"/>
               <a:pPr/>
-              <a:t>‹#›</a:t>
+              <a:t>‹Nr.›</a:t>
             </a:fld>
             <a:endParaRPr lang="en-US" dirty="0"/>
           </a:p>
@@ -6929,7 +6977,7 @@
             <a:fld id="{68F3185B-C653-42AE-8B74-FF214C291574}" type="slidenum">
               <a:rPr lang="en-US" smtClean="0"/>
               <a:pPr/>
-              <a:t>‹#›</a:t>
+              <a:t>‹Nr.›</a:t>
             </a:fld>
             <a:endParaRPr lang="en-US"/>
           </a:p>
@@ -7361,7 +7409,7 @@
             <a:fld id="{977D763E-6462-E748-A364-8301CFB7D350}" type="slidenum">
               <a:rPr lang="en-US" smtClean="0"/>
               <a:pPr/>
-              <a:t>‹#›</a:t>
+              <a:t>‹Nr.›</a:t>
             </a:fld>
             <a:endParaRPr lang="en-US" dirty="0"/>
           </a:p>
@@ -8586,7 +8634,19 @@
               <a:rPr lang="en-US" dirty="0"/>
               <a:t>Carry on until max instruction length</a:t>
             </a:r>
-            <a:endParaRPr lang="en-AT" dirty="0"/>
+          </a:p>
+          <a:p>
+            <a:r>
+              <a:rPr lang="en-GB" dirty="0"/>
+              <a:t>If “a; b; ret;” usable </a:t>
+            </a:r>
+            <a:r>
+              <a:rPr lang="en-GB" dirty="0">
+                <a:sym typeface="Wingdings" panose="05000000000000000000" pitchFamily="2" charset="2"/>
+              </a:rPr>
+              <a:t> “b; ret;” is too</a:t>
+            </a:r>
+            <a:endParaRPr lang="en-US" dirty="0"/>
           </a:p>
         </p:txBody>
       </p:sp>
@@ -8643,22 +8703,7 @@
           <a:p>
             <a:r>
               <a:rPr lang="en-US" dirty="0"/>
-              <a:t>Return-to-</a:t>
-            </a:r>
-            <a:r>
-              <a:rPr lang="en-US" dirty="0" err="1"/>
-              <a:t>libc</a:t>
-            </a:r>
-            <a:r>
-              <a:rPr lang="en-US" dirty="0"/>
-              <a:t> attack -  </a:t>
-            </a:r>
-            <a:br>
-              <a:rPr lang="en-US" dirty="0"/>
-            </a:br>
-            <a:r>
-              <a:rPr lang="en-US" dirty="0"/>
-              <a:t>Vulnerable Code setup</a:t>
+              <a:t>Let´s have some fun</a:t>
             </a:r>
             <a:endParaRPr lang="en-AT" dirty="0"/>
           </a:p>
@@ -8766,31 +8811,36 @@
           </a:p>
         </p:txBody>
       </p:sp>
-      <p:sp>
-        <p:nvSpPr>
-          <p:cNvPr id="7" name="Content Placeholder 6">
-            <a:extLst>
-              <a:ext uri="{FF2B5EF4-FFF2-40B4-BE49-F238E27FC236}">
-                <a16:creationId xmlns:a16="http://schemas.microsoft.com/office/drawing/2014/main" id="{0359FA81-3593-F492-1CC9-88CE3C005378}"/>
-              </a:ext>
-            </a:extLst>
-          </p:cNvPr>
-          <p:cNvSpPr>
-            <a:spLocks noGrp="1"/>
-          </p:cNvSpPr>
-          <p:nvPr>
-            <p:ph idx="1"/>
-          </p:nvPr>
-        </p:nvSpPr>
-        <p:spPr/>
-        <p:txBody>
-          <a:bodyPr/>
-          <a:lstStyle/>
-          <a:p>
-            <a:endParaRPr lang="en-AT" dirty="0"/>
-          </a:p>
-        </p:txBody>
-      </p:sp>
+      <p:pic>
+        <p:nvPicPr>
+          <p:cNvPr id="17" name="Grafik 16">
+            <a:extLst>
+              <a:ext uri="{FF2B5EF4-FFF2-40B4-BE49-F238E27FC236}">
+                <a16:creationId xmlns:a16="http://schemas.microsoft.com/office/drawing/2014/main" id="{6946F8A9-46B0-5D19-1B9A-23FC2BF8439F}"/>
+              </a:ext>
+            </a:extLst>
+          </p:cNvPr>
+          <p:cNvPicPr>
+            <a:picLocks noChangeAspect="1"/>
+          </p:cNvPicPr>
+          <p:nvPr/>
+        </p:nvPicPr>
+        <p:blipFill>
+          <a:blip r:embed="rId2"/>
+          <a:stretch>
+            <a:fillRect/>
+          </a:stretch>
+        </p:blipFill>
+        <p:spPr>
+          <a:xfrm>
+            <a:off x="2804675" y="2132962"/>
+            <a:ext cx="3534649" cy="2592076"/>
+          </a:xfrm>
+          <a:prstGeom prst="rect">
+            <a:avLst/>
+          </a:prstGeom>
+        </p:spPr>
+      </p:pic>
     </p:spTree>
     <p:extLst>
       <p:ext uri="{BB962C8B-B14F-4D97-AF65-F5344CB8AC3E}">
@@ -8823,10 +8873,10 @@
       </p:grpSpPr>
       <p:sp>
         <p:nvSpPr>
-          <p:cNvPr id="2" name="Title 1">
-            <a:extLst>
-              <a:ext uri="{FF2B5EF4-FFF2-40B4-BE49-F238E27FC236}">
-                <a16:creationId xmlns:a16="http://schemas.microsoft.com/office/drawing/2014/main" id="{6F186F57-A75D-4DAC-B407-C3395BDC1101}"/>
+          <p:cNvPr id="2" name="Titel 1">
+            <a:extLst>
+              <a:ext uri="{FF2B5EF4-FFF2-40B4-BE49-F238E27FC236}">
+                <a16:creationId xmlns:a16="http://schemas.microsoft.com/office/drawing/2014/main" id="{33C0C305-AA60-567E-2A12-EE4B3D8AED3C}"/>
               </a:ext>
             </a:extLst>
           </p:cNvPr>
@@ -8844,7 +8894,7 @@
           <a:p>
             <a:r>
               <a:rPr lang="en-US" dirty="0"/>
-              <a:t>Sources</a:t>
+              <a:t>BUFFER OVERFLOW</a:t>
             </a:r>
             <a:endParaRPr lang="en-AT" dirty="0"/>
           </a:p>
@@ -8852,10 +8902,10 @@
       </p:sp>
       <p:sp>
         <p:nvSpPr>
-          <p:cNvPr id="3" name="Picture Placeholder 2">
-            <a:extLst>
-              <a:ext uri="{FF2B5EF4-FFF2-40B4-BE49-F238E27FC236}">
-                <a16:creationId xmlns:a16="http://schemas.microsoft.com/office/drawing/2014/main" id="{2FB4BB38-EE65-4ED9-AF2B-E89368E86EDD}"/>
+          <p:cNvPr id="3" name="Bildplatzhalter 2">
+            <a:extLst>
+              <a:ext uri="{FF2B5EF4-FFF2-40B4-BE49-F238E27FC236}">
+                <a16:creationId xmlns:a16="http://schemas.microsoft.com/office/drawing/2014/main" id="{592AD94C-7BB0-489F-2373-397FA2F229A4}"/>
               </a:ext>
             </a:extLst>
           </p:cNvPr>
@@ -8870,10 +8920,10 @@
       </p:sp>
       <p:sp>
         <p:nvSpPr>
-          <p:cNvPr id="4" name="Text Placeholder 3">
-            <a:extLst>
-              <a:ext uri="{FF2B5EF4-FFF2-40B4-BE49-F238E27FC236}">
-                <a16:creationId xmlns:a16="http://schemas.microsoft.com/office/drawing/2014/main" id="{6D9806A5-449B-43D9-B3E7-CD07B931AC17}"/>
+          <p:cNvPr id="4" name="Textplatzhalter 3">
+            <a:extLst>
+              <a:ext uri="{FF2B5EF4-FFF2-40B4-BE49-F238E27FC236}">
+                <a16:creationId xmlns:a16="http://schemas.microsoft.com/office/drawing/2014/main" id="{BC056CF4-B5E2-6EC2-7D75-269DBD08E72E}"/>
               </a:ext>
             </a:extLst>
           </p:cNvPr>
@@ -8895,10 +8945,10 @@
       </p:sp>
       <p:sp>
         <p:nvSpPr>
-          <p:cNvPr id="5" name="Footer Placeholder 4">
-            <a:extLst>
-              <a:ext uri="{FF2B5EF4-FFF2-40B4-BE49-F238E27FC236}">
-                <a16:creationId xmlns:a16="http://schemas.microsoft.com/office/drawing/2014/main" id="{42F10F0B-6494-4A7F-933C-A0010C4A2066}"/>
+          <p:cNvPr id="5" name="Fußzeilenplatzhalter 4">
+            <a:extLst>
+              <a:ext uri="{FF2B5EF4-FFF2-40B4-BE49-F238E27FC236}">
+                <a16:creationId xmlns:a16="http://schemas.microsoft.com/office/drawing/2014/main" id="{72AF1679-3473-3FCB-82F5-9226F980D00A}"/>
               </a:ext>
             </a:extLst>
           </p:cNvPr>
@@ -8915,18 +8965,19 @@
           <a:lstStyle/>
           <a:p>
             <a:r>
-              <a:rPr lang="de-AT" noProof="0" dirty="0"/>
-              <a:t>Stefan Haslhofer</a:t>
-            </a:r>
-          </a:p>
-        </p:txBody>
-      </p:sp>
-      <p:sp>
-        <p:nvSpPr>
-          <p:cNvPr id="6" name="Slide Number Placeholder 5">
-            <a:extLst>
-              <a:ext uri="{FF2B5EF4-FFF2-40B4-BE49-F238E27FC236}">
-                <a16:creationId xmlns:a16="http://schemas.microsoft.com/office/drawing/2014/main" id="{EADE1444-8155-4A29-8F7A-31D0FECD4B97}"/>
+              <a:rPr lang="de-AT" noProof="0"/>
+              <a:t>Platz für Autor und LVA-Nummer</a:t>
+            </a:r>
+            <a:endParaRPr lang="de-AT" noProof="0" dirty="0"/>
+          </a:p>
+        </p:txBody>
+      </p:sp>
+      <p:sp>
+        <p:nvSpPr>
+          <p:cNvPr id="6" name="Foliennummernplatzhalter 5">
+            <a:extLst>
+              <a:ext uri="{FF2B5EF4-FFF2-40B4-BE49-F238E27FC236}">
+                <a16:creationId xmlns:a16="http://schemas.microsoft.com/office/drawing/2014/main" id="{20839AD6-55E8-8FEC-A9BB-F270B2EB78BF}"/>
               </a:ext>
             </a:extLst>
           </p:cNvPr>
@@ -8951,45 +9002,1662 @@
           </a:p>
         </p:txBody>
       </p:sp>
-      <p:sp>
-        <p:nvSpPr>
-          <p:cNvPr id="7" name="Content Placeholder 6">
-            <a:extLst>
-              <a:ext uri="{FF2B5EF4-FFF2-40B4-BE49-F238E27FC236}">
-                <a16:creationId xmlns:a16="http://schemas.microsoft.com/office/drawing/2014/main" id="{36C050EC-DA51-4E02-9B7C-9D670567DD90}"/>
-              </a:ext>
-            </a:extLst>
-          </p:cNvPr>
-          <p:cNvSpPr>
-            <a:spLocks noGrp="1"/>
-          </p:cNvSpPr>
-          <p:nvPr>
-            <p:ph idx="1"/>
-          </p:nvPr>
-        </p:nvSpPr>
-        <p:spPr/>
-        <p:txBody>
-          <a:bodyPr/>
-          <a:lstStyle/>
-          <a:p>
-            <a:r>
-              <a:rPr lang="en-US" dirty="0"/>
-              <a:t>Icons: </a:t>
-            </a:r>
-            <a:r>
-              <a:rPr lang="en-US" dirty="0">
-                <a:hlinkClick r:id="rId2"/>
-              </a:rPr>
-              <a:t>https://www.flaticon.com/</a:t>
-            </a:r>
-            <a:endParaRPr lang="en-US" dirty="0"/>
-          </a:p>
-        </p:txBody>
-      </p:sp>
+      <p:pic>
+        <p:nvPicPr>
+          <p:cNvPr id="13" name="Grafik 12">
+            <a:extLst>
+              <a:ext uri="{FF2B5EF4-FFF2-40B4-BE49-F238E27FC236}">
+                <a16:creationId xmlns:a16="http://schemas.microsoft.com/office/drawing/2014/main" id="{EFA86386-EBA6-5E60-3ACE-61DFDD62C45F}"/>
+              </a:ext>
+            </a:extLst>
+          </p:cNvPr>
+          <p:cNvPicPr>
+            <a:picLocks noChangeAspect="1"/>
+          </p:cNvPicPr>
+          <p:nvPr/>
+        </p:nvPicPr>
+        <p:blipFill>
+          <a:blip r:embed="rId2"/>
+          <a:stretch>
+            <a:fillRect/>
+          </a:stretch>
+        </p:blipFill>
+        <p:spPr>
+          <a:xfrm>
+            <a:off x="1814512" y="2138362"/>
+            <a:ext cx="5514975" cy="2581275"/>
+          </a:xfrm>
+          <a:prstGeom prst="rect">
+            <a:avLst/>
+          </a:prstGeom>
+        </p:spPr>
+      </p:pic>
     </p:spTree>
     <p:extLst>
       <p:ext uri="{BB962C8B-B14F-4D97-AF65-F5344CB8AC3E}">
-        <p14:creationId xmlns:p14="http://schemas.microsoft.com/office/powerpoint/2010/main" val="2214262208"/>
+        <p14:creationId xmlns:p14="http://schemas.microsoft.com/office/powerpoint/2010/main" val="3248996749"/>
+      </p:ext>
+    </p:extLst>
+  </p:cSld>
+  <p:clrMapOvr>
+    <a:masterClrMapping/>
+  </p:clrMapOvr>
+</p:sld>
+</file>
+
+<file path=ppt/slides/slide15.xml><?xml version="1.0" encoding="utf-8"?>
+<p:sld xmlns:a="http://schemas.openxmlformats.org/drawingml/2006/main" xmlns:r="http://schemas.openxmlformats.org/officeDocument/2006/relationships" xmlns:p="http://schemas.openxmlformats.org/presentationml/2006/main">
+  <p:cSld>
+    <p:spTree>
+      <p:nvGrpSpPr>
+        <p:cNvPr id="1" name=""/>
+        <p:cNvGrpSpPr/>
+        <p:nvPr/>
+      </p:nvGrpSpPr>
+      <p:grpSpPr>
+        <a:xfrm>
+          <a:off x="0" y="0"/>
+          <a:ext cx="0" cy="0"/>
+          <a:chOff x="0" y="0"/>
+          <a:chExt cx="0" cy="0"/>
+        </a:xfrm>
+      </p:grpSpPr>
+      <p:sp>
+        <p:nvSpPr>
+          <p:cNvPr id="2" name="Titel 1">
+            <a:extLst>
+              <a:ext uri="{FF2B5EF4-FFF2-40B4-BE49-F238E27FC236}">
+                <a16:creationId xmlns:a16="http://schemas.microsoft.com/office/drawing/2014/main" id="{C3160490-99F2-A634-836B-1B846C32E4FE}"/>
+              </a:ext>
+            </a:extLst>
+          </p:cNvPr>
+          <p:cNvSpPr>
+            <a:spLocks noGrp="1"/>
+          </p:cNvSpPr>
+          <p:nvPr>
+            <p:ph type="title"/>
+          </p:nvPr>
+        </p:nvSpPr>
+        <p:spPr/>
+        <p:txBody>
+          <a:bodyPr/>
+          <a:lstStyle/>
+          <a:p>
+            <a:r>
+              <a:rPr lang="en-US" dirty="0"/>
+              <a:t>BUFFER OVERFLOW</a:t>
+            </a:r>
+            <a:endParaRPr lang="en-AT" dirty="0"/>
+          </a:p>
+        </p:txBody>
+      </p:sp>
+      <p:sp>
+        <p:nvSpPr>
+          <p:cNvPr id="3" name="Bildplatzhalter 2">
+            <a:extLst>
+              <a:ext uri="{FF2B5EF4-FFF2-40B4-BE49-F238E27FC236}">
+                <a16:creationId xmlns:a16="http://schemas.microsoft.com/office/drawing/2014/main" id="{61253B1A-7FD0-D32F-E55A-835EBB0544F9}"/>
+              </a:ext>
+            </a:extLst>
+          </p:cNvPr>
+          <p:cNvSpPr>
+            <a:spLocks noGrp="1"/>
+          </p:cNvSpPr>
+          <p:nvPr>
+            <p:ph type="pic" sz="quarter" idx="13"/>
+          </p:nvPr>
+        </p:nvSpPr>
+        <p:spPr/>
+      </p:sp>
+      <p:sp>
+        <p:nvSpPr>
+          <p:cNvPr id="4" name="Textplatzhalter 3">
+            <a:extLst>
+              <a:ext uri="{FF2B5EF4-FFF2-40B4-BE49-F238E27FC236}">
+                <a16:creationId xmlns:a16="http://schemas.microsoft.com/office/drawing/2014/main" id="{8B925E8C-099E-277C-2F82-9EC624ED9352}"/>
+              </a:ext>
+            </a:extLst>
+          </p:cNvPr>
+          <p:cNvSpPr>
+            <a:spLocks noGrp="1"/>
+          </p:cNvSpPr>
+          <p:nvPr>
+            <p:ph type="body" sz="quarter" idx="25"/>
+          </p:nvPr>
+        </p:nvSpPr>
+        <p:spPr/>
+        <p:txBody>
+          <a:bodyPr/>
+          <a:lstStyle/>
+          <a:p>
+            <a:endParaRPr lang="en-AT"/>
+          </a:p>
+        </p:txBody>
+      </p:sp>
+      <p:sp>
+        <p:nvSpPr>
+          <p:cNvPr id="5" name="Fußzeilenplatzhalter 4">
+            <a:extLst>
+              <a:ext uri="{FF2B5EF4-FFF2-40B4-BE49-F238E27FC236}">
+                <a16:creationId xmlns:a16="http://schemas.microsoft.com/office/drawing/2014/main" id="{9FEA6466-A892-F717-D265-C352F1F7245F}"/>
+              </a:ext>
+            </a:extLst>
+          </p:cNvPr>
+          <p:cNvSpPr>
+            <a:spLocks noGrp="1"/>
+          </p:cNvSpPr>
+          <p:nvPr>
+            <p:ph type="ftr" sz="quarter" idx="27"/>
+          </p:nvPr>
+        </p:nvSpPr>
+        <p:spPr/>
+        <p:txBody>
+          <a:bodyPr/>
+          <a:lstStyle/>
+          <a:p>
+            <a:r>
+              <a:rPr lang="de-AT" noProof="0"/>
+              <a:t>Platz für Autor und LVA-Nummer</a:t>
+            </a:r>
+            <a:endParaRPr lang="de-AT" noProof="0" dirty="0"/>
+          </a:p>
+        </p:txBody>
+      </p:sp>
+      <p:sp>
+        <p:nvSpPr>
+          <p:cNvPr id="6" name="Foliennummernplatzhalter 5">
+            <a:extLst>
+              <a:ext uri="{FF2B5EF4-FFF2-40B4-BE49-F238E27FC236}">
+                <a16:creationId xmlns:a16="http://schemas.microsoft.com/office/drawing/2014/main" id="{91E8B575-01DC-205D-F846-2ACE226DE845}"/>
+              </a:ext>
+            </a:extLst>
+          </p:cNvPr>
+          <p:cNvSpPr>
+            <a:spLocks noGrp="1"/>
+          </p:cNvSpPr>
+          <p:nvPr>
+            <p:ph type="sldNum" sz="quarter" idx="28"/>
+          </p:nvPr>
+        </p:nvSpPr>
+        <p:spPr/>
+        <p:txBody>
+          <a:bodyPr/>
+          <a:lstStyle/>
+          <a:p>
+            <a:fld id="{DFB297D7-21D1-0549-A74D-BD032133048A}" type="slidenum">
+              <a:rPr lang="en-US" smtClean="0"/>
+              <a:pPr/>
+              <a:t>15</a:t>
+            </a:fld>
+            <a:endParaRPr lang="en-US" dirty="0"/>
+          </a:p>
+        </p:txBody>
+      </p:sp>
+      <p:pic>
+        <p:nvPicPr>
+          <p:cNvPr id="11" name="Grafik 10">
+            <a:extLst>
+              <a:ext uri="{FF2B5EF4-FFF2-40B4-BE49-F238E27FC236}">
+                <a16:creationId xmlns:a16="http://schemas.microsoft.com/office/drawing/2014/main" id="{C3C31A1A-2D33-1480-C72D-33496A5AAA66}"/>
+              </a:ext>
+            </a:extLst>
+          </p:cNvPr>
+          <p:cNvPicPr>
+            <a:picLocks noChangeAspect="1"/>
+          </p:cNvPicPr>
+          <p:nvPr/>
+        </p:nvPicPr>
+        <p:blipFill>
+          <a:blip r:embed="rId2"/>
+          <a:stretch>
+            <a:fillRect/>
+          </a:stretch>
+        </p:blipFill>
+        <p:spPr>
+          <a:xfrm>
+            <a:off x="1319212" y="2814637"/>
+            <a:ext cx="6505575" cy="1228725"/>
+          </a:xfrm>
+          <a:prstGeom prst="rect">
+            <a:avLst/>
+          </a:prstGeom>
+        </p:spPr>
+      </p:pic>
+      <p:sp>
+        <p:nvSpPr>
+          <p:cNvPr id="12" name="Textfeld 11">
+            <a:extLst>
+              <a:ext uri="{FF2B5EF4-FFF2-40B4-BE49-F238E27FC236}">
+                <a16:creationId xmlns:a16="http://schemas.microsoft.com/office/drawing/2014/main" id="{2CB4529D-819B-DE63-8B31-E8981903ED9D}"/>
+              </a:ext>
+            </a:extLst>
+          </p:cNvPr>
+          <p:cNvSpPr txBox="1"/>
+          <p:nvPr/>
+        </p:nvSpPr>
+        <p:spPr>
+          <a:xfrm>
+            <a:off x="976166" y="2295008"/>
+            <a:ext cx="1582484" cy="369332"/>
+          </a:xfrm>
+          <a:prstGeom prst="rect">
+            <a:avLst/>
+          </a:prstGeom>
+          <a:noFill/>
+        </p:spPr>
+        <p:txBody>
+          <a:bodyPr wrap="none" rtlCol="0">
+            <a:spAutoFit/>
+          </a:bodyPr>
+          <a:lstStyle/>
+          <a:p>
+            <a:r>
+              <a:rPr lang="en-GB" dirty="0"/>
+              <a:t>Input: HELLO</a:t>
+            </a:r>
+            <a:endParaRPr lang="en-AT" dirty="0"/>
+          </a:p>
+        </p:txBody>
+      </p:sp>
+    </p:spTree>
+    <p:extLst>
+      <p:ext uri="{BB962C8B-B14F-4D97-AF65-F5344CB8AC3E}">
+        <p14:creationId xmlns:p14="http://schemas.microsoft.com/office/powerpoint/2010/main" val="1850294190"/>
+      </p:ext>
+    </p:extLst>
+  </p:cSld>
+  <p:clrMapOvr>
+    <a:masterClrMapping/>
+  </p:clrMapOvr>
+</p:sld>
+</file>
+
+<file path=ppt/slides/slide16.xml><?xml version="1.0" encoding="utf-8"?>
+<p:sld xmlns:a="http://schemas.openxmlformats.org/drawingml/2006/main" xmlns:r="http://schemas.openxmlformats.org/officeDocument/2006/relationships" xmlns:p="http://schemas.openxmlformats.org/presentationml/2006/main">
+  <p:cSld>
+    <p:spTree>
+      <p:nvGrpSpPr>
+        <p:cNvPr id="1" name=""/>
+        <p:cNvGrpSpPr/>
+        <p:nvPr/>
+      </p:nvGrpSpPr>
+      <p:grpSpPr>
+        <a:xfrm>
+          <a:off x="0" y="0"/>
+          <a:ext cx="0" cy="0"/>
+          <a:chOff x="0" y="0"/>
+          <a:chExt cx="0" cy="0"/>
+        </a:xfrm>
+      </p:grpSpPr>
+      <p:sp>
+        <p:nvSpPr>
+          <p:cNvPr id="2" name="Titel 1">
+            <a:extLst>
+              <a:ext uri="{FF2B5EF4-FFF2-40B4-BE49-F238E27FC236}">
+                <a16:creationId xmlns:a16="http://schemas.microsoft.com/office/drawing/2014/main" id="{33C0C305-AA60-567E-2A12-EE4B3D8AED3C}"/>
+              </a:ext>
+            </a:extLst>
+          </p:cNvPr>
+          <p:cNvSpPr>
+            <a:spLocks noGrp="1"/>
+          </p:cNvSpPr>
+          <p:nvPr>
+            <p:ph type="title"/>
+          </p:nvPr>
+        </p:nvSpPr>
+        <p:spPr/>
+        <p:txBody>
+          <a:bodyPr/>
+          <a:lstStyle/>
+          <a:p>
+            <a:r>
+              <a:rPr lang="en-US" dirty="0"/>
+              <a:t>BUFFER OVERFLOW</a:t>
+            </a:r>
+            <a:endParaRPr lang="en-AT" dirty="0"/>
+          </a:p>
+        </p:txBody>
+      </p:sp>
+      <p:sp>
+        <p:nvSpPr>
+          <p:cNvPr id="3" name="Bildplatzhalter 2">
+            <a:extLst>
+              <a:ext uri="{FF2B5EF4-FFF2-40B4-BE49-F238E27FC236}">
+                <a16:creationId xmlns:a16="http://schemas.microsoft.com/office/drawing/2014/main" id="{592AD94C-7BB0-489F-2373-397FA2F229A4}"/>
+              </a:ext>
+            </a:extLst>
+          </p:cNvPr>
+          <p:cNvSpPr>
+            <a:spLocks noGrp="1"/>
+          </p:cNvSpPr>
+          <p:nvPr>
+            <p:ph type="pic" sz="quarter" idx="13"/>
+          </p:nvPr>
+        </p:nvSpPr>
+        <p:spPr/>
+      </p:sp>
+      <p:sp>
+        <p:nvSpPr>
+          <p:cNvPr id="4" name="Textplatzhalter 3">
+            <a:extLst>
+              <a:ext uri="{FF2B5EF4-FFF2-40B4-BE49-F238E27FC236}">
+                <a16:creationId xmlns:a16="http://schemas.microsoft.com/office/drawing/2014/main" id="{BC056CF4-B5E2-6EC2-7D75-269DBD08E72E}"/>
+              </a:ext>
+            </a:extLst>
+          </p:cNvPr>
+          <p:cNvSpPr>
+            <a:spLocks noGrp="1"/>
+          </p:cNvSpPr>
+          <p:nvPr>
+            <p:ph type="body" sz="quarter" idx="25"/>
+          </p:nvPr>
+        </p:nvSpPr>
+        <p:spPr/>
+        <p:txBody>
+          <a:bodyPr/>
+          <a:lstStyle/>
+          <a:p>
+            <a:endParaRPr lang="en-AT"/>
+          </a:p>
+        </p:txBody>
+      </p:sp>
+      <p:sp>
+        <p:nvSpPr>
+          <p:cNvPr id="5" name="Fußzeilenplatzhalter 4">
+            <a:extLst>
+              <a:ext uri="{FF2B5EF4-FFF2-40B4-BE49-F238E27FC236}">
+                <a16:creationId xmlns:a16="http://schemas.microsoft.com/office/drawing/2014/main" id="{72AF1679-3473-3FCB-82F5-9226F980D00A}"/>
+              </a:ext>
+            </a:extLst>
+          </p:cNvPr>
+          <p:cNvSpPr>
+            <a:spLocks noGrp="1"/>
+          </p:cNvSpPr>
+          <p:nvPr>
+            <p:ph type="ftr" sz="quarter" idx="27"/>
+          </p:nvPr>
+        </p:nvSpPr>
+        <p:spPr/>
+        <p:txBody>
+          <a:bodyPr/>
+          <a:lstStyle/>
+          <a:p>
+            <a:r>
+              <a:rPr lang="de-AT" noProof="0"/>
+              <a:t>Platz für Autor und LVA-Nummer</a:t>
+            </a:r>
+            <a:endParaRPr lang="de-AT" noProof="0" dirty="0"/>
+          </a:p>
+        </p:txBody>
+      </p:sp>
+      <p:sp>
+        <p:nvSpPr>
+          <p:cNvPr id="6" name="Foliennummernplatzhalter 5">
+            <a:extLst>
+              <a:ext uri="{FF2B5EF4-FFF2-40B4-BE49-F238E27FC236}">
+                <a16:creationId xmlns:a16="http://schemas.microsoft.com/office/drawing/2014/main" id="{20839AD6-55E8-8FEC-A9BB-F270B2EB78BF}"/>
+              </a:ext>
+            </a:extLst>
+          </p:cNvPr>
+          <p:cNvSpPr>
+            <a:spLocks noGrp="1"/>
+          </p:cNvSpPr>
+          <p:nvPr>
+            <p:ph type="sldNum" sz="quarter" idx="28"/>
+          </p:nvPr>
+        </p:nvSpPr>
+        <p:spPr/>
+        <p:txBody>
+          <a:bodyPr/>
+          <a:lstStyle/>
+          <a:p>
+            <a:fld id="{DFB297D7-21D1-0549-A74D-BD032133048A}" type="slidenum">
+              <a:rPr lang="en-US" smtClean="0"/>
+              <a:pPr/>
+              <a:t>16</a:t>
+            </a:fld>
+            <a:endParaRPr lang="en-US" dirty="0"/>
+          </a:p>
+        </p:txBody>
+      </p:sp>
+      <p:pic>
+        <p:nvPicPr>
+          <p:cNvPr id="8" name="Grafik 7">
+            <a:extLst>
+              <a:ext uri="{FF2B5EF4-FFF2-40B4-BE49-F238E27FC236}">
+                <a16:creationId xmlns:a16="http://schemas.microsoft.com/office/drawing/2014/main" id="{791F670E-B801-B822-CE02-309F16A5C30A}"/>
+              </a:ext>
+            </a:extLst>
+          </p:cNvPr>
+          <p:cNvPicPr>
+            <a:picLocks noChangeAspect="1"/>
+          </p:cNvPicPr>
+          <p:nvPr/>
+        </p:nvPicPr>
+        <p:blipFill>
+          <a:blip r:embed="rId2"/>
+          <a:stretch>
+            <a:fillRect/>
+          </a:stretch>
+        </p:blipFill>
+        <p:spPr>
+          <a:xfrm>
+            <a:off x="1338262" y="2814637"/>
+            <a:ext cx="6467475" cy="1228725"/>
+          </a:xfrm>
+          <a:prstGeom prst="rect">
+            <a:avLst/>
+          </a:prstGeom>
+        </p:spPr>
+      </p:pic>
+      <p:sp>
+        <p:nvSpPr>
+          <p:cNvPr id="10" name="Textfeld 9">
+            <a:extLst>
+              <a:ext uri="{FF2B5EF4-FFF2-40B4-BE49-F238E27FC236}">
+                <a16:creationId xmlns:a16="http://schemas.microsoft.com/office/drawing/2014/main" id="{DD17F0F1-5EAC-A07B-D751-CB4B6991FDCB}"/>
+              </a:ext>
+            </a:extLst>
+          </p:cNvPr>
+          <p:cNvSpPr txBox="1"/>
+          <p:nvPr/>
+        </p:nvSpPr>
+        <p:spPr>
+          <a:xfrm>
+            <a:off x="976166" y="2295008"/>
+            <a:ext cx="5275868" cy="369332"/>
+          </a:xfrm>
+          <a:prstGeom prst="rect">
+            <a:avLst/>
+          </a:prstGeom>
+          <a:noFill/>
+        </p:spPr>
+        <p:txBody>
+          <a:bodyPr wrap="none" rtlCol="0">
+            <a:spAutoFit/>
+          </a:bodyPr>
+          <a:lstStyle/>
+          <a:p>
+            <a:r>
+              <a:rPr lang="en-GB" dirty="0"/>
+              <a:t>Input: AAAABBBBCCCCDDDDEEEEFFFFGGGG</a:t>
+            </a:r>
+            <a:endParaRPr lang="en-AT" dirty="0"/>
+          </a:p>
+        </p:txBody>
+      </p:sp>
+    </p:spTree>
+    <p:extLst>
+      <p:ext uri="{BB962C8B-B14F-4D97-AF65-F5344CB8AC3E}">
+        <p14:creationId xmlns:p14="http://schemas.microsoft.com/office/powerpoint/2010/main" val="4056927906"/>
+      </p:ext>
+    </p:extLst>
+  </p:cSld>
+  <p:clrMapOvr>
+    <a:masterClrMapping/>
+  </p:clrMapOvr>
+</p:sld>
+</file>
+
+<file path=ppt/slides/slide17.xml><?xml version="1.0" encoding="utf-8"?>
+<p:sld xmlns:a="http://schemas.openxmlformats.org/drawingml/2006/main" xmlns:r="http://schemas.openxmlformats.org/officeDocument/2006/relationships" xmlns:p="http://schemas.openxmlformats.org/presentationml/2006/main">
+  <p:cSld>
+    <p:spTree>
+      <p:nvGrpSpPr>
+        <p:cNvPr id="1" name=""/>
+        <p:cNvGrpSpPr/>
+        <p:nvPr/>
+      </p:nvGrpSpPr>
+      <p:grpSpPr>
+        <a:xfrm>
+          <a:off x="0" y="0"/>
+          <a:ext cx="0" cy="0"/>
+          <a:chOff x="0" y="0"/>
+          <a:chExt cx="0" cy="0"/>
+        </a:xfrm>
+      </p:grpSpPr>
+      <p:sp>
+        <p:nvSpPr>
+          <p:cNvPr id="2" name="Titel 1">
+            <a:extLst>
+              <a:ext uri="{FF2B5EF4-FFF2-40B4-BE49-F238E27FC236}">
+                <a16:creationId xmlns:a16="http://schemas.microsoft.com/office/drawing/2014/main" id="{33C0C305-AA60-567E-2A12-EE4B3D8AED3C}"/>
+              </a:ext>
+            </a:extLst>
+          </p:cNvPr>
+          <p:cNvSpPr>
+            <a:spLocks noGrp="1"/>
+          </p:cNvSpPr>
+          <p:nvPr>
+            <p:ph type="title"/>
+          </p:nvPr>
+        </p:nvSpPr>
+        <p:spPr/>
+        <p:txBody>
+          <a:bodyPr/>
+          <a:lstStyle/>
+          <a:p>
+            <a:r>
+              <a:rPr lang="en-GB" dirty="0"/>
+              <a:t>WHAT happened?</a:t>
+            </a:r>
+            <a:endParaRPr lang="en-AT" dirty="0"/>
+          </a:p>
+        </p:txBody>
+      </p:sp>
+      <p:sp>
+        <p:nvSpPr>
+          <p:cNvPr id="3" name="Bildplatzhalter 2">
+            <a:extLst>
+              <a:ext uri="{FF2B5EF4-FFF2-40B4-BE49-F238E27FC236}">
+                <a16:creationId xmlns:a16="http://schemas.microsoft.com/office/drawing/2014/main" id="{592AD94C-7BB0-489F-2373-397FA2F229A4}"/>
+              </a:ext>
+            </a:extLst>
+          </p:cNvPr>
+          <p:cNvSpPr>
+            <a:spLocks noGrp="1"/>
+          </p:cNvSpPr>
+          <p:nvPr>
+            <p:ph type="pic" sz="quarter" idx="13"/>
+          </p:nvPr>
+        </p:nvSpPr>
+        <p:spPr/>
+      </p:sp>
+      <p:sp>
+        <p:nvSpPr>
+          <p:cNvPr id="4" name="Textplatzhalter 3">
+            <a:extLst>
+              <a:ext uri="{FF2B5EF4-FFF2-40B4-BE49-F238E27FC236}">
+                <a16:creationId xmlns:a16="http://schemas.microsoft.com/office/drawing/2014/main" id="{BC056CF4-B5E2-6EC2-7D75-269DBD08E72E}"/>
+              </a:ext>
+            </a:extLst>
+          </p:cNvPr>
+          <p:cNvSpPr>
+            <a:spLocks noGrp="1"/>
+          </p:cNvSpPr>
+          <p:nvPr>
+            <p:ph type="body" sz="quarter" idx="25"/>
+          </p:nvPr>
+        </p:nvSpPr>
+        <p:spPr/>
+        <p:txBody>
+          <a:bodyPr/>
+          <a:lstStyle/>
+          <a:p>
+            <a:endParaRPr lang="en-AT"/>
+          </a:p>
+        </p:txBody>
+      </p:sp>
+      <p:sp>
+        <p:nvSpPr>
+          <p:cNvPr id="5" name="Fußzeilenplatzhalter 4">
+            <a:extLst>
+              <a:ext uri="{FF2B5EF4-FFF2-40B4-BE49-F238E27FC236}">
+                <a16:creationId xmlns:a16="http://schemas.microsoft.com/office/drawing/2014/main" id="{72AF1679-3473-3FCB-82F5-9226F980D00A}"/>
+              </a:ext>
+            </a:extLst>
+          </p:cNvPr>
+          <p:cNvSpPr>
+            <a:spLocks noGrp="1"/>
+          </p:cNvSpPr>
+          <p:nvPr>
+            <p:ph type="ftr" sz="quarter" idx="27"/>
+          </p:nvPr>
+        </p:nvSpPr>
+        <p:spPr/>
+        <p:txBody>
+          <a:bodyPr/>
+          <a:lstStyle/>
+          <a:p>
+            <a:r>
+              <a:rPr lang="de-AT" noProof="0"/>
+              <a:t>Platz für Autor und LVA-Nummer</a:t>
+            </a:r>
+            <a:endParaRPr lang="de-AT" noProof="0" dirty="0"/>
+          </a:p>
+        </p:txBody>
+      </p:sp>
+      <p:sp>
+        <p:nvSpPr>
+          <p:cNvPr id="6" name="Foliennummernplatzhalter 5">
+            <a:extLst>
+              <a:ext uri="{FF2B5EF4-FFF2-40B4-BE49-F238E27FC236}">
+                <a16:creationId xmlns:a16="http://schemas.microsoft.com/office/drawing/2014/main" id="{20839AD6-55E8-8FEC-A9BB-F270B2EB78BF}"/>
+              </a:ext>
+            </a:extLst>
+          </p:cNvPr>
+          <p:cNvSpPr>
+            <a:spLocks noGrp="1"/>
+          </p:cNvSpPr>
+          <p:nvPr>
+            <p:ph type="sldNum" sz="quarter" idx="28"/>
+          </p:nvPr>
+        </p:nvSpPr>
+        <p:spPr/>
+        <p:txBody>
+          <a:bodyPr/>
+          <a:lstStyle/>
+          <a:p>
+            <a:fld id="{DFB297D7-21D1-0549-A74D-BD032133048A}" type="slidenum">
+              <a:rPr lang="en-US" smtClean="0"/>
+              <a:pPr/>
+              <a:t>17</a:t>
+            </a:fld>
+            <a:endParaRPr lang="en-US" dirty="0"/>
+          </a:p>
+        </p:txBody>
+      </p:sp>
+      <p:sp>
+        <p:nvSpPr>
+          <p:cNvPr id="7" name="Inhaltsplatzhalter 6">
+            <a:extLst>
+              <a:ext uri="{FF2B5EF4-FFF2-40B4-BE49-F238E27FC236}">
+                <a16:creationId xmlns:a16="http://schemas.microsoft.com/office/drawing/2014/main" id="{443CA4A1-FFC6-25ED-A3FE-CAA585D4B24B}"/>
+              </a:ext>
+            </a:extLst>
+          </p:cNvPr>
+          <p:cNvSpPr>
+            <a:spLocks noGrp="1"/>
+          </p:cNvSpPr>
+          <p:nvPr>
+            <p:ph idx="1"/>
+          </p:nvPr>
+        </p:nvSpPr>
+        <p:spPr/>
+        <p:txBody>
+          <a:bodyPr/>
+          <a:lstStyle/>
+          <a:p>
+            <a:r>
+              <a:rPr lang="en-GB" dirty="0"/>
+              <a:t>Buffer had space for 12 bytes</a:t>
+            </a:r>
+          </a:p>
+          <a:p>
+            <a:r>
+              <a:rPr lang="en-GB" dirty="0">
+                <a:solidFill>
+                  <a:schemeClr val="accent4"/>
+                </a:solidFill>
+              </a:rPr>
+              <a:t>AAAABBBBCCCC</a:t>
+            </a:r>
+            <a:r>
+              <a:rPr lang="en-GB" dirty="0">
+                <a:solidFill>
+                  <a:schemeClr val="accent6"/>
+                </a:solidFill>
+              </a:rPr>
+              <a:t>DDDD</a:t>
+            </a:r>
+            <a:r>
+              <a:rPr lang="en-GB" dirty="0">
+                <a:solidFill>
+                  <a:srgbClr val="FF0000"/>
+                </a:solidFill>
+              </a:rPr>
+              <a:t>EEEEFFFFGGGG</a:t>
+            </a:r>
+            <a:r>
+              <a:rPr lang="en-GB" dirty="0"/>
+              <a:t> </a:t>
+            </a:r>
+            <a:br>
+              <a:rPr lang="en-GB" dirty="0"/>
+            </a:br>
+            <a:r>
+              <a:rPr lang="en-GB" dirty="0">
+                <a:sym typeface="Wingdings" panose="05000000000000000000" pitchFamily="2" charset="2"/>
+              </a:rPr>
+              <a:t> “AAAABBBBCCCC” in buffer</a:t>
+            </a:r>
+            <a:br>
+              <a:rPr lang="en-GB" dirty="0"/>
+            </a:br>
+            <a:r>
+              <a:rPr lang="en-GB" dirty="0">
+                <a:sym typeface="Wingdings" panose="05000000000000000000" pitchFamily="2" charset="2"/>
+              </a:rPr>
+              <a:t></a:t>
+            </a:r>
+            <a:r>
+              <a:rPr lang="en-GB" dirty="0"/>
+              <a:t> “EEEEFFFFGGGG” had written over return address</a:t>
+            </a:r>
+          </a:p>
+          <a:p>
+            <a:r>
+              <a:rPr lang="en-GB" dirty="0"/>
+              <a:t> What happened with “DDDD”?</a:t>
+            </a:r>
+          </a:p>
+          <a:p>
+            <a:pPr lvl="1"/>
+            <a:endParaRPr lang="en-GB" dirty="0"/>
+          </a:p>
+        </p:txBody>
+      </p:sp>
+      <p:pic>
+        <p:nvPicPr>
+          <p:cNvPr id="9" name="Grafik 8">
+            <a:extLst>
+              <a:ext uri="{FF2B5EF4-FFF2-40B4-BE49-F238E27FC236}">
+                <a16:creationId xmlns:a16="http://schemas.microsoft.com/office/drawing/2014/main" id="{D2DDC561-7C9F-8506-589F-AA0392253D3C}"/>
+              </a:ext>
+            </a:extLst>
+          </p:cNvPr>
+          <p:cNvPicPr>
+            <a:picLocks noChangeAspect="1"/>
+          </p:cNvPicPr>
+          <p:nvPr/>
+        </p:nvPicPr>
+        <p:blipFill>
+          <a:blip r:embed="rId2"/>
+          <a:stretch>
+            <a:fillRect/>
+          </a:stretch>
+        </p:blipFill>
+        <p:spPr>
+          <a:xfrm>
+            <a:off x="5559458" y="1810178"/>
+            <a:ext cx="2528378" cy="380083"/>
+          </a:xfrm>
+          <a:prstGeom prst="rect">
+            <a:avLst/>
+          </a:prstGeom>
+        </p:spPr>
+      </p:pic>
+      <p:pic>
+        <p:nvPicPr>
+          <p:cNvPr id="11" name="Grafik 10">
+            <a:extLst>
+              <a:ext uri="{FF2B5EF4-FFF2-40B4-BE49-F238E27FC236}">
+                <a16:creationId xmlns:a16="http://schemas.microsoft.com/office/drawing/2014/main" id="{66C6F8B1-88EF-4605-48BE-D4AB9AC34DF3}"/>
+              </a:ext>
+            </a:extLst>
+          </p:cNvPr>
+          <p:cNvPicPr>
+            <a:picLocks noChangeAspect="1"/>
+          </p:cNvPicPr>
+          <p:nvPr/>
+        </p:nvPicPr>
+        <p:blipFill>
+          <a:blip r:embed="rId3"/>
+          <a:stretch>
+            <a:fillRect/>
+          </a:stretch>
+        </p:blipFill>
+        <p:spPr>
+          <a:xfrm>
+            <a:off x="3967788" y="3996450"/>
+            <a:ext cx="2305050" cy="342900"/>
+          </a:xfrm>
+          <a:prstGeom prst="rect">
+            <a:avLst/>
+          </a:prstGeom>
+        </p:spPr>
+      </p:pic>
+      <p:pic>
+        <p:nvPicPr>
+          <p:cNvPr id="13" name="Grafik 12">
+            <a:extLst>
+              <a:ext uri="{FF2B5EF4-FFF2-40B4-BE49-F238E27FC236}">
+                <a16:creationId xmlns:a16="http://schemas.microsoft.com/office/drawing/2014/main" id="{19802358-4358-D1FE-A897-622EFC269D73}"/>
+              </a:ext>
+            </a:extLst>
+          </p:cNvPr>
+          <p:cNvPicPr>
+            <a:picLocks noChangeAspect="1"/>
+          </p:cNvPicPr>
+          <p:nvPr/>
+        </p:nvPicPr>
+        <p:blipFill>
+          <a:blip r:embed="rId4"/>
+          <a:stretch>
+            <a:fillRect/>
+          </a:stretch>
+        </p:blipFill>
+        <p:spPr>
+          <a:xfrm>
+            <a:off x="998374" y="4044058"/>
+            <a:ext cx="2353003" cy="247685"/>
+          </a:xfrm>
+          <a:prstGeom prst="rect">
+            <a:avLst/>
+          </a:prstGeom>
+        </p:spPr>
+      </p:pic>
+      <p:sp>
+        <p:nvSpPr>
+          <p:cNvPr id="14" name="Textfeld 13">
+            <a:extLst>
+              <a:ext uri="{FF2B5EF4-FFF2-40B4-BE49-F238E27FC236}">
+                <a16:creationId xmlns:a16="http://schemas.microsoft.com/office/drawing/2014/main" id="{991A646F-EA44-A1B7-BF79-E0AE35819233}"/>
+              </a:ext>
+            </a:extLst>
+          </p:cNvPr>
+          <p:cNvSpPr txBox="1"/>
+          <p:nvPr/>
+        </p:nvSpPr>
+        <p:spPr>
+          <a:xfrm>
+            <a:off x="1744910" y="4579382"/>
+            <a:ext cx="4104650" cy="369332"/>
+          </a:xfrm>
+          <a:prstGeom prst="rect">
+            <a:avLst/>
+          </a:prstGeom>
+          <a:noFill/>
+        </p:spPr>
+        <p:txBody>
+          <a:bodyPr wrap="none" rtlCol="0">
+            <a:spAutoFit/>
+          </a:bodyPr>
+          <a:lstStyle/>
+          <a:p>
+            <a:r>
+              <a:rPr lang="en-GB" dirty="0"/>
+              <a:t>We successfully changed the variable!</a:t>
+            </a:r>
+            <a:endParaRPr lang="en-AT" dirty="0"/>
+          </a:p>
+        </p:txBody>
+      </p:sp>
+    </p:spTree>
+    <p:extLst>
+      <p:ext uri="{BB962C8B-B14F-4D97-AF65-F5344CB8AC3E}">
+        <p14:creationId xmlns:p14="http://schemas.microsoft.com/office/powerpoint/2010/main" val="3860371169"/>
+      </p:ext>
+    </p:extLst>
+  </p:cSld>
+  <p:clrMapOvr>
+    <a:masterClrMapping/>
+  </p:clrMapOvr>
+  <p:timing>
+    <p:tnLst>
+      <p:par>
+        <p:cTn id="1" dur="indefinite" restart="never" nodeType="tmRoot">
+          <p:childTnLst>
+            <p:seq concurrent="1" nextAc="seek">
+              <p:cTn id="2" dur="indefinite" nodeType="mainSeq">
+                <p:childTnLst>
+                  <p:par>
+                    <p:cTn id="3" fill="hold">
+                      <p:stCondLst>
+                        <p:cond delay="indefinite"/>
+                      </p:stCondLst>
+                      <p:childTnLst>
+                        <p:par>
+                          <p:cTn id="4" fill="hold">
+                            <p:stCondLst>
+                              <p:cond delay="0"/>
+                            </p:stCondLst>
+                            <p:childTnLst>
+                              <p:par>
+                                <p:cTn id="5" presetID="2" presetClass="entr" presetSubtype="2" fill="hold" nodeType="clickEffect">
+                                  <p:stCondLst>
+                                    <p:cond delay="0"/>
+                                  </p:stCondLst>
+                                  <p:childTnLst>
+                                    <p:set>
+                                      <p:cBhvr>
+                                        <p:cTn id="6" dur="1" fill="hold">
+                                          <p:stCondLst>
+                                            <p:cond delay="0"/>
+                                          </p:stCondLst>
+                                        </p:cTn>
+                                        <p:tgtEl>
+                                          <p:spTgt spid="13"/>
+                                        </p:tgtEl>
+                                        <p:attrNameLst>
+                                          <p:attrName>style.visibility</p:attrName>
+                                        </p:attrNameLst>
+                                      </p:cBhvr>
+                                      <p:to>
+                                        <p:strVal val="visible"/>
+                                      </p:to>
+                                    </p:set>
+                                    <p:anim calcmode="lin" valueType="num">
+                                      <p:cBhvr additive="base">
+                                        <p:cTn id="7" dur="500" fill="hold"/>
+                                        <p:tgtEl>
+                                          <p:spTgt spid="13"/>
+                                        </p:tgtEl>
+                                        <p:attrNameLst>
+                                          <p:attrName>ppt_x</p:attrName>
+                                        </p:attrNameLst>
+                                      </p:cBhvr>
+                                      <p:tavLst>
+                                        <p:tav tm="0">
+                                          <p:val>
+                                            <p:strVal val="1+#ppt_w/2"/>
+                                          </p:val>
+                                        </p:tav>
+                                        <p:tav tm="100000">
+                                          <p:val>
+                                            <p:strVal val="#ppt_x"/>
+                                          </p:val>
+                                        </p:tav>
+                                      </p:tavLst>
+                                    </p:anim>
+                                    <p:anim calcmode="lin" valueType="num">
+                                      <p:cBhvr additive="base">
+                                        <p:cTn id="8" dur="500" fill="hold"/>
+                                        <p:tgtEl>
+                                          <p:spTgt spid="13"/>
+                                        </p:tgtEl>
+                                        <p:attrNameLst>
+                                          <p:attrName>ppt_y</p:attrName>
+                                        </p:attrNameLst>
+                                      </p:cBhvr>
+                                      <p:tavLst>
+                                        <p:tav tm="0">
+                                          <p:val>
+                                            <p:strVal val="#ppt_y"/>
+                                          </p:val>
+                                        </p:tav>
+                                        <p:tav tm="100000">
+                                          <p:val>
+                                            <p:strVal val="#ppt_y"/>
+                                          </p:val>
+                                        </p:tav>
+                                      </p:tavLst>
+                                    </p:anim>
+                                  </p:childTnLst>
+                                </p:cTn>
+                              </p:par>
+                            </p:childTnLst>
+                          </p:cTn>
+                        </p:par>
+                      </p:childTnLst>
+                    </p:cTn>
+                  </p:par>
+                  <p:par>
+                    <p:cTn id="9" fill="hold">
+                      <p:stCondLst>
+                        <p:cond delay="indefinite"/>
+                      </p:stCondLst>
+                      <p:childTnLst>
+                        <p:par>
+                          <p:cTn id="10" fill="hold">
+                            <p:stCondLst>
+                              <p:cond delay="0"/>
+                            </p:stCondLst>
+                            <p:childTnLst>
+                              <p:par>
+                                <p:cTn id="11" presetID="2" presetClass="entr" presetSubtype="2" fill="hold" nodeType="clickEffect">
+                                  <p:stCondLst>
+                                    <p:cond delay="0"/>
+                                  </p:stCondLst>
+                                  <p:childTnLst>
+                                    <p:set>
+                                      <p:cBhvr>
+                                        <p:cTn id="12" dur="1" fill="hold">
+                                          <p:stCondLst>
+                                            <p:cond delay="0"/>
+                                          </p:stCondLst>
+                                        </p:cTn>
+                                        <p:tgtEl>
+                                          <p:spTgt spid="11"/>
+                                        </p:tgtEl>
+                                        <p:attrNameLst>
+                                          <p:attrName>style.visibility</p:attrName>
+                                        </p:attrNameLst>
+                                      </p:cBhvr>
+                                      <p:to>
+                                        <p:strVal val="visible"/>
+                                      </p:to>
+                                    </p:set>
+                                    <p:anim calcmode="lin" valueType="num">
+                                      <p:cBhvr additive="base">
+                                        <p:cTn id="13" dur="500" fill="hold"/>
+                                        <p:tgtEl>
+                                          <p:spTgt spid="11"/>
+                                        </p:tgtEl>
+                                        <p:attrNameLst>
+                                          <p:attrName>ppt_x</p:attrName>
+                                        </p:attrNameLst>
+                                      </p:cBhvr>
+                                      <p:tavLst>
+                                        <p:tav tm="0">
+                                          <p:val>
+                                            <p:strVal val="1+#ppt_w/2"/>
+                                          </p:val>
+                                        </p:tav>
+                                        <p:tav tm="100000">
+                                          <p:val>
+                                            <p:strVal val="#ppt_x"/>
+                                          </p:val>
+                                        </p:tav>
+                                      </p:tavLst>
+                                    </p:anim>
+                                    <p:anim calcmode="lin" valueType="num">
+                                      <p:cBhvr additive="base">
+                                        <p:cTn id="14" dur="500" fill="hold"/>
+                                        <p:tgtEl>
+                                          <p:spTgt spid="11"/>
+                                        </p:tgtEl>
+                                        <p:attrNameLst>
+                                          <p:attrName>ppt_y</p:attrName>
+                                        </p:attrNameLst>
+                                      </p:cBhvr>
+                                      <p:tavLst>
+                                        <p:tav tm="0">
+                                          <p:val>
+                                            <p:strVal val="#ppt_y"/>
+                                          </p:val>
+                                        </p:tav>
+                                        <p:tav tm="100000">
+                                          <p:val>
+                                            <p:strVal val="#ppt_y"/>
+                                          </p:val>
+                                        </p:tav>
+                                      </p:tavLst>
+                                    </p:anim>
+                                  </p:childTnLst>
+                                </p:cTn>
+                              </p:par>
+                            </p:childTnLst>
+                          </p:cTn>
+                        </p:par>
+                      </p:childTnLst>
+                    </p:cTn>
+                  </p:par>
+                  <p:par>
+                    <p:cTn id="15" fill="hold">
+                      <p:stCondLst>
+                        <p:cond delay="indefinite"/>
+                      </p:stCondLst>
+                      <p:childTnLst>
+                        <p:par>
+                          <p:cTn id="16" fill="hold">
+                            <p:stCondLst>
+                              <p:cond delay="0"/>
+                            </p:stCondLst>
+                            <p:childTnLst>
+                              <p:par>
+                                <p:cTn id="17" presetID="1" presetClass="entr" presetSubtype="0" fill="hold" grpId="0" nodeType="clickEffect">
+                                  <p:stCondLst>
+                                    <p:cond delay="0"/>
+                                  </p:stCondLst>
+                                  <p:childTnLst>
+                                    <p:set>
+                                      <p:cBhvr>
+                                        <p:cTn id="18" dur="1" fill="hold">
+                                          <p:stCondLst>
+                                            <p:cond delay="0"/>
+                                          </p:stCondLst>
+                                        </p:cTn>
+                                        <p:tgtEl>
+                                          <p:spTgt spid="14"/>
+                                        </p:tgtEl>
+                                        <p:attrNameLst>
+                                          <p:attrName>style.visibility</p:attrName>
+                                        </p:attrNameLst>
+                                      </p:cBhvr>
+                                      <p:to>
+                                        <p:strVal val="visible"/>
+                                      </p:to>
+                                    </p:set>
+                                  </p:childTnLst>
+                                </p:cTn>
+                              </p:par>
+                            </p:childTnLst>
+                          </p:cTn>
+                        </p:par>
+                      </p:childTnLst>
+                    </p:cTn>
+                  </p:par>
+                </p:childTnLst>
+              </p:cTn>
+              <p:prevCondLst>
+                <p:cond evt="onPrev" delay="0">
+                  <p:tgtEl>
+                    <p:sldTgt/>
+                  </p:tgtEl>
+                </p:cond>
+              </p:prevCondLst>
+              <p:nextCondLst>
+                <p:cond evt="onNext" delay="0">
+                  <p:tgtEl>
+                    <p:sldTgt/>
+                  </p:tgtEl>
+                </p:cond>
+              </p:nextCondLst>
+            </p:seq>
+          </p:childTnLst>
+        </p:cTn>
+      </p:par>
+    </p:tnLst>
+    <p:bldLst>
+      <p:bldP spid="14" grpId="0"/>
+    </p:bldLst>
+  </p:timing>
+</p:sld>
+</file>
+
+<file path=ppt/slides/slide18.xml><?xml version="1.0" encoding="utf-8"?>
+<p:sld xmlns:a="http://schemas.openxmlformats.org/drawingml/2006/main" xmlns:r="http://schemas.openxmlformats.org/officeDocument/2006/relationships" xmlns:p="http://schemas.openxmlformats.org/presentationml/2006/main">
+  <p:cSld>
+    <p:spTree>
+      <p:nvGrpSpPr>
+        <p:cNvPr id="1" name=""/>
+        <p:cNvGrpSpPr/>
+        <p:nvPr/>
+      </p:nvGrpSpPr>
+      <p:grpSpPr>
+        <a:xfrm>
+          <a:off x="0" y="0"/>
+          <a:ext cx="0" cy="0"/>
+          <a:chOff x="0" y="0"/>
+          <a:chExt cx="0" cy="0"/>
+        </a:xfrm>
+      </p:grpSpPr>
+      <p:sp>
+        <p:nvSpPr>
+          <p:cNvPr id="2" name="Titel 1">
+            <a:extLst>
+              <a:ext uri="{FF2B5EF4-FFF2-40B4-BE49-F238E27FC236}">
+                <a16:creationId xmlns:a16="http://schemas.microsoft.com/office/drawing/2014/main" id="{24CFA7AF-F91F-107D-E953-558DF29463F7}"/>
+              </a:ext>
+            </a:extLst>
+          </p:cNvPr>
+          <p:cNvSpPr>
+            <a:spLocks noGrp="1"/>
+          </p:cNvSpPr>
+          <p:nvPr>
+            <p:ph type="title"/>
+          </p:nvPr>
+        </p:nvSpPr>
+        <p:spPr/>
+        <p:txBody>
+          <a:bodyPr/>
+          <a:lstStyle/>
+          <a:p>
+            <a:r>
+              <a:rPr lang="en-GB" dirty="0"/>
+              <a:t>RETURN-TO-</a:t>
+            </a:r>
+            <a:r>
+              <a:rPr lang="en-GB" dirty="0" err="1"/>
+              <a:t>libc</a:t>
+            </a:r>
+            <a:endParaRPr lang="en-AT" dirty="0"/>
+          </a:p>
+        </p:txBody>
+      </p:sp>
+      <p:sp>
+        <p:nvSpPr>
+          <p:cNvPr id="3" name="Bildplatzhalter 2">
+            <a:extLst>
+              <a:ext uri="{FF2B5EF4-FFF2-40B4-BE49-F238E27FC236}">
+                <a16:creationId xmlns:a16="http://schemas.microsoft.com/office/drawing/2014/main" id="{19FC2A1B-0321-6344-27C4-C60FB8DBE90D}"/>
+              </a:ext>
+            </a:extLst>
+          </p:cNvPr>
+          <p:cNvSpPr>
+            <a:spLocks noGrp="1"/>
+          </p:cNvSpPr>
+          <p:nvPr>
+            <p:ph type="pic" sz="quarter" idx="13"/>
+          </p:nvPr>
+        </p:nvSpPr>
+        <p:spPr/>
+      </p:sp>
+      <p:sp>
+        <p:nvSpPr>
+          <p:cNvPr id="4" name="Textplatzhalter 3">
+            <a:extLst>
+              <a:ext uri="{FF2B5EF4-FFF2-40B4-BE49-F238E27FC236}">
+                <a16:creationId xmlns:a16="http://schemas.microsoft.com/office/drawing/2014/main" id="{5F910258-7C93-A6E0-FF02-31BEAAECE2F5}"/>
+              </a:ext>
+            </a:extLst>
+          </p:cNvPr>
+          <p:cNvSpPr>
+            <a:spLocks noGrp="1"/>
+          </p:cNvSpPr>
+          <p:nvPr>
+            <p:ph type="body" sz="quarter" idx="25"/>
+          </p:nvPr>
+        </p:nvSpPr>
+        <p:spPr/>
+        <p:txBody>
+          <a:bodyPr/>
+          <a:lstStyle/>
+          <a:p>
+            <a:endParaRPr lang="en-AT"/>
+          </a:p>
+        </p:txBody>
+      </p:sp>
+      <p:sp>
+        <p:nvSpPr>
+          <p:cNvPr id="5" name="Fußzeilenplatzhalter 4">
+            <a:extLst>
+              <a:ext uri="{FF2B5EF4-FFF2-40B4-BE49-F238E27FC236}">
+                <a16:creationId xmlns:a16="http://schemas.microsoft.com/office/drawing/2014/main" id="{BF7FE3AC-A3D2-9987-5A32-72EE1CA56EEB}"/>
+              </a:ext>
+            </a:extLst>
+          </p:cNvPr>
+          <p:cNvSpPr>
+            <a:spLocks noGrp="1"/>
+          </p:cNvSpPr>
+          <p:nvPr>
+            <p:ph type="ftr" sz="quarter" idx="27"/>
+          </p:nvPr>
+        </p:nvSpPr>
+        <p:spPr/>
+        <p:txBody>
+          <a:bodyPr/>
+          <a:lstStyle/>
+          <a:p>
+            <a:r>
+              <a:rPr lang="de-AT" noProof="0"/>
+              <a:t>Platz für Autor und LVA-Nummer</a:t>
+            </a:r>
+            <a:endParaRPr lang="de-AT" noProof="0" dirty="0"/>
+          </a:p>
+        </p:txBody>
+      </p:sp>
+      <p:sp>
+        <p:nvSpPr>
+          <p:cNvPr id="6" name="Foliennummernplatzhalter 5">
+            <a:extLst>
+              <a:ext uri="{FF2B5EF4-FFF2-40B4-BE49-F238E27FC236}">
+                <a16:creationId xmlns:a16="http://schemas.microsoft.com/office/drawing/2014/main" id="{A8A7C7C0-7491-FC8C-1C2F-DFEDB8F0C39A}"/>
+              </a:ext>
+            </a:extLst>
+          </p:cNvPr>
+          <p:cNvSpPr>
+            <a:spLocks noGrp="1"/>
+          </p:cNvSpPr>
+          <p:nvPr>
+            <p:ph type="sldNum" sz="quarter" idx="28"/>
+          </p:nvPr>
+        </p:nvSpPr>
+        <p:spPr/>
+        <p:txBody>
+          <a:bodyPr/>
+          <a:lstStyle/>
+          <a:p>
+            <a:fld id="{DFB297D7-21D1-0549-A74D-BD032133048A}" type="slidenum">
+              <a:rPr lang="en-US" smtClean="0"/>
+              <a:pPr/>
+              <a:t>18</a:t>
+            </a:fld>
+            <a:endParaRPr lang="en-US" dirty="0"/>
+          </a:p>
+        </p:txBody>
+      </p:sp>
+      <p:sp>
+        <p:nvSpPr>
+          <p:cNvPr id="7" name="Inhaltsplatzhalter 6">
+            <a:extLst>
+              <a:ext uri="{FF2B5EF4-FFF2-40B4-BE49-F238E27FC236}">
+                <a16:creationId xmlns:a16="http://schemas.microsoft.com/office/drawing/2014/main" id="{AC5705D2-A6B7-CB97-3CC2-9304BD09889A}"/>
+              </a:ext>
+            </a:extLst>
+          </p:cNvPr>
+          <p:cNvSpPr>
+            <a:spLocks noGrp="1"/>
+          </p:cNvSpPr>
+          <p:nvPr>
+            <p:ph idx="1"/>
+          </p:nvPr>
+        </p:nvSpPr>
+        <p:spPr/>
+        <p:txBody>
+          <a:bodyPr/>
+          <a:lstStyle/>
+          <a:p>
+            <a:r>
+              <a:rPr lang="en-GB" dirty="0">
+                <a:solidFill>
+                  <a:srgbClr val="FF0000"/>
+                </a:solidFill>
+              </a:rPr>
+              <a:t>EEEEFFFFGGGG</a:t>
+            </a:r>
+            <a:r>
+              <a:rPr lang="en-GB" dirty="0"/>
+              <a:t> was written over return address</a:t>
+            </a:r>
+          </a:p>
+          <a:p>
+            <a:r>
+              <a:rPr lang="en-GB" dirty="0"/>
+              <a:t>What if we Input </a:t>
+            </a:r>
+            <a:r>
+              <a:rPr lang="en-GB" dirty="0">
+                <a:solidFill>
+                  <a:schemeClr val="accent4"/>
+                </a:solidFill>
+              </a:rPr>
+              <a:t>AAAABBBBCCCC</a:t>
+            </a:r>
+            <a:r>
+              <a:rPr lang="en-GB" dirty="0">
+                <a:solidFill>
+                  <a:schemeClr val="accent6"/>
+                </a:solidFill>
+              </a:rPr>
+              <a:t>DDDD</a:t>
+            </a:r>
+            <a:r>
+              <a:rPr lang="en-GB" dirty="0">
+                <a:solidFill>
+                  <a:srgbClr val="FF0000"/>
+                </a:solidFill>
+              </a:rPr>
+              <a:t>&lt;address of </a:t>
+            </a:r>
+            <a:r>
+              <a:rPr lang="en-GB" dirty="0" err="1">
+                <a:solidFill>
+                  <a:srgbClr val="FF0000"/>
+                </a:solidFill>
+              </a:rPr>
+              <a:t>libc</a:t>
+            </a:r>
+            <a:r>
+              <a:rPr lang="en-GB" dirty="0">
+                <a:solidFill>
+                  <a:srgbClr val="FF0000"/>
+                </a:solidFill>
+              </a:rPr>
+              <a:t>-function&gt;</a:t>
+            </a:r>
+            <a:r>
+              <a:rPr lang="en-GB" dirty="0"/>
+              <a:t>?</a:t>
+            </a:r>
+          </a:p>
+          <a:p>
+            <a:r>
+              <a:rPr lang="en-GB" dirty="0"/>
+              <a:t>Gain control over execution flow</a:t>
+            </a:r>
+          </a:p>
+          <a:p>
+            <a:r>
+              <a:rPr lang="en-GB" dirty="0"/>
+              <a:t>Even start a shell with system()</a:t>
+            </a:r>
+          </a:p>
+          <a:p>
+            <a:endParaRPr lang="en-AT" dirty="0"/>
+          </a:p>
+        </p:txBody>
+      </p:sp>
+    </p:spTree>
+    <p:extLst>
+      <p:ext uri="{BB962C8B-B14F-4D97-AF65-F5344CB8AC3E}">
+        <p14:creationId xmlns:p14="http://schemas.microsoft.com/office/powerpoint/2010/main" val="2781031076"/>
+      </p:ext>
+    </p:extLst>
+  </p:cSld>
+  <p:clrMapOvr>
+    <a:masterClrMapping/>
+  </p:clrMapOvr>
+</p:sld>
+</file>
+
+<file path=ppt/slides/slide19.xml><?xml version="1.0" encoding="utf-8"?>
+<p:sld xmlns:a="http://schemas.openxmlformats.org/drawingml/2006/main" xmlns:r="http://schemas.openxmlformats.org/officeDocument/2006/relationships" xmlns:p="http://schemas.openxmlformats.org/presentationml/2006/main">
+  <p:cSld>
+    <p:spTree>
+      <p:nvGrpSpPr>
+        <p:cNvPr id="1" name=""/>
+        <p:cNvGrpSpPr/>
+        <p:nvPr/>
+      </p:nvGrpSpPr>
+      <p:grpSpPr>
+        <a:xfrm>
+          <a:off x="0" y="0"/>
+          <a:ext cx="0" cy="0"/>
+          <a:chOff x="0" y="0"/>
+          <a:chExt cx="0" cy="0"/>
+        </a:xfrm>
+      </p:grpSpPr>
+      <p:sp>
+        <p:nvSpPr>
+          <p:cNvPr id="2" name="Titel 1">
+            <a:extLst>
+              <a:ext uri="{FF2B5EF4-FFF2-40B4-BE49-F238E27FC236}">
+                <a16:creationId xmlns:a16="http://schemas.microsoft.com/office/drawing/2014/main" id="{33C0C305-AA60-567E-2A12-EE4B3D8AED3C}"/>
+              </a:ext>
+            </a:extLst>
+          </p:cNvPr>
+          <p:cNvSpPr>
+            <a:spLocks noGrp="1"/>
+          </p:cNvSpPr>
+          <p:nvPr>
+            <p:ph type="title"/>
+          </p:nvPr>
+        </p:nvSpPr>
+        <p:spPr/>
+        <p:txBody>
+          <a:bodyPr/>
+          <a:lstStyle/>
+          <a:p>
+            <a:r>
+              <a:rPr lang="en-GB" dirty="0"/>
+              <a:t>Prevent buffer overflow –</a:t>
+            </a:r>
+            <a:br>
+              <a:rPr lang="en-GB" dirty="0"/>
+            </a:br>
+            <a:r>
+              <a:rPr lang="en-GB" dirty="0"/>
+              <a:t>secure code</a:t>
+            </a:r>
+            <a:endParaRPr lang="en-AT" dirty="0"/>
+          </a:p>
+        </p:txBody>
+      </p:sp>
+      <p:sp>
+        <p:nvSpPr>
+          <p:cNvPr id="4" name="Textplatzhalter 3">
+            <a:extLst>
+              <a:ext uri="{FF2B5EF4-FFF2-40B4-BE49-F238E27FC236}">
+                <a16:creationId xmlns:a16="http://schemas.microsoft.com/office/drawing/2014/main" id="{BC056CF4-B5E2-6EC2-7D75-269DBD08E72E}"/>
+              </a:ext>
+            </a:extLst>
+          </p:cNvPr>
+          <p:cNvSpPr>
+            <a:spLocks noGrp="1"/>
+          </p:cNvSpPr>
+          <p:nvPr>
+            <p:ph type="body" sz="quarter" idx="25"/>
+          </p:nvPr>
+        </p:nvSpPr>
+        <p:spPr/>
+        <p:txBody>
+          <a:bodyPr/>
+          <a:lstStyle/>
+          <a:p>
+            <a:endParaRPr lang="en-AT"/>
+          </a:p>
+        </p:txBody>
+      </p:sp>
+      <p:sp>
+        <p:nvSpPr>
+          <p:cNvPr id="5" name="Fußzeilenplatzhalter 4">
+            <a:extLst>
+              <a:ext uri="{FF2B5EF4-FFF2-40B4-BE49-F238E27FC236}">
+                <a16:creationId xmlns:a16="http://schemas.microsoft.com/office/drawing/2014/main" id="{72AF1679-3473-3FCB-82F5-9226F980D00A}"/>
+              </a:ext>
+            </a:extLst>
+          </p:cNvPr>
+          <p:cNvSpPr>
+            <a:spLocks noGrp="1"/>
+          </p:cNvSpPr>
+          <p:nvPr>
+            <p:ph type="ftr" sz="quarter" idx="27"/>
+          </p:nvPr>
+        </p:nvSpPr>
+        <p:spPr/>
+        <p:txBody>
+          <a:bodyPr/>
+          <a:lstStyle/>
+          <a:p>
+            <a:r>
+              <a:rPr lang="de-AT" noProof="0"/>
+              <a:t>Platz für Autor und LVA-Nummer</a:t>
+            </a:r>
+            <a:endParaRPr lang="de-AT" noProof="0" dirty="0"/>
+          </a:p>
+        </p:txBody>
+      </p:sp>
+      <p:sp>
+        <p:nvSpPr>
+          <p:cNvPr id="6" name="Foliennummernplatzhalter 5">
+            <a:extLst>
+              <a:ext uri="{FF2B5EF4-FFF2-40B4-BE49-F238E27FC236}">
+                <a16:creationId xmlns:a16="http://schemas.microsoft.com/office/drawing/2014/main" id="{20839AD6-55E8-8FEC-A9BB-F270B2EB78BF}"/>
+              </a:ext>
+            </a:extLst>
+          </p:cNvPr>
+          <p:cNvSpPr>
+            <a:spLocks noGrp="1"/>
+          </p:cNvSpPr>
+          <p:nvPr>
+            <p:ph type="sldNum" sz="quarter" idx="28"/>
+          </p:nvPr>
+        </p:nvSpPr>
+        <p:spPr/>
+        <p:txBody>
+          <a:bodyPr/>
+          <a:lstStyle/>
+          <a:p>
+            <a:fld id="{DFB297D7-21D1-0549-A74D-BD032133048A}" type="slidenum">
+              <a:rPr lang="en-US" smtClean="0"/>
+              <a:pPr/>
+              <a:t>19</a:t>
+            </a:fld>
+            <a:endParaRPr lang="en-US" dirty="0"/>
+          </a:p>
+        </p:txBody>
+      </p:sp>
+      <p:sp>
+        <p:nvSpPr>
+          <p:cNvPr id="7" name="Inhaltsplatzhalter 6">
+            <a:extLst>
+              <a:ext uri="{FF2B5EF4-FFF2-40B4-BE49-F238E27FC236}">
+                <a16:creationId xmlns:a16="http://schemas.microsoft.com/office/drawing/2014/main" id="{443CA4A1-FFC6-25ED-A3FE-CAA585D4B24B}"/>
+              </a:ext>
+            </a:extLst>
+          </p:cNvPr>
+          <p:cNvSpPr>
+            <a:spLocks noGrp="1"/>
+          </p:cNvSpPr>
+          <p:nvPr>
+            <p:ph idx="1"/>
+          </p:nvPr>
+        </p:nvSpPr>
+        <p:spPr/>
+        <p:txBody>
+          <a:bodyPr/>
+          <a:lstStyle/>
+          <a:p>
+            <a:r>
+              <a:rPr lang="en-GB" dirty="0"/>
+              <a:t>Languages like java perform boundary checks</a:t>
+            </a:r>
+          </a:p>
+          <a:p>
+            <a:r>
+              <a:rPr lang="en-GB" dirty="0"/>
+              <a:t>When me must use C or C++:</a:t>
+            </a:r>
+          </a:p>
+          <a:p>
+            <a:pPr lvl="1"/>
+            <a:r>
+              <a:rPr lang="en-GB" dirty="0"/>
+              <a:t>Don´t use unsafe functions</a:t>
+            </a:r>
+          </a:p>
+          <a:p>
+            <a:pPr lvl="1"/>
+            <a:r>
+              <a:rPr lang="en-GB" dirty="0"/>
+              <a:t>Instead of </a:t>
+            </a:r>
+            <a:r>
+              <a:rPr lang="en-GB" dirty="0" err="1"/>
+              <a:t>strcpy</a:t>
+            </a:r>
+            <a:r>
+              <a:rPr lang="en-GB" dirty="0"/>
+              <a:t> -&gt; </a:t>
+            </a:r>
+            <a:r>
+              <a:rPr lang="en-GB" dirty="0" err="1"/>
+              <a:t>strcpy_s</a:t>
+            </a:r>
+            <a:endParaRPr lang="en-AT" dirty="0"/>
+          </a:p>
+        </p:txBody>
+      </p:sp>
+      <p:pic>
+        <p:nvPicPr>
+          <p:cNvPr id="11" name="Grafik 10" descr="Ein Bild, das LEGO, Spielzeug enthält.&#10;&#10;Automatisch generierte Beschreibung">
+            <a:extLst>
+              <a:ext uri="{FF2B5EF4-FFF2-40B4-BE49-F238E27FC236}">
+                <a16:creationId xmlns:a16="http://schemas.microsoft.com/office/drawing/2014/main" id="{A1B1438F-6B3C-69F3-7890-9141E27B3F30}"/>
+              </a:ext>
+            </a:extLst>
+          </p:cNvPr>
+          <p:cNvPicPr>
+            <a:picLocks noChangeAspect="1"/>
+          </p:cNvPicPr>
+          <p:nvPr/>
+        </p:nvPicPr>
+        <p:blipFill>
+          <a:blip r:embed="rId2" cstate="print">
+            <a:extLst>
+              <a:ext uri="{28A0092B-C50C-407E-A947-70E740481C1C}">
+                <a14:useLocalDpi xmlns:a14="http://schemas.microsoft.com/office/drawing/2010/main" val="0"/>
+              </a:ext>
+            </a:extLst>
+          </a:blip>
+          <a:stretch>
+            <a:fillRect/>
+          </a:stretch>
+        </p:blipFill>
+        <p:spPr>
+          <a:xfrm>
+            <a:off x="5561366" y="3429000"/>
+            <a:ext cx="1798284" cy="1798284"/>
+          </a:xfrm>
+          <a:prstGeom prst="rect">
+            <a:avLst/>
+          </a:prstGeom>
+        </p:spPr>
+      </p:pic>
+      <p:sp>
+        <p:nvSpPr>
+          <p:cNvPr id="13" name="Bildplatzhalter 12">
+            <a:extLst>
+              <a:ext uri="{FF2B5EF4-FFF2-40B4-BE49-F238E27FC236}">
+                <a16:creationId xmlns:a16="http://schemas.microsoft.com/office/drawing/2014/main" id="{544B1F96-6D32-E610-F975-67235876AF6F}"/>
+              </a:ext>
+            </a:extLst>
+          </p:cNvPr>
+          <p:cNvSpPr>
+            <a:spLocks noGrp="1"/>
+          </p:cNvSpPr>
+          <p:nvPr>
+            <p:ph type="pic" sz="quarter" idx="13"/>
+          </p:nvPr>
+        </p:nvSpPr>
+        <p:spPr/>
+      </p:sp>
+    </p:spTree>
+    <p:extLst>
+      <p:ext uri="{BB962C8B-B14F-4D97-AF65-F5344CB8AC3E}">
+        <p14:creationId xmlns:p14="http://schemas.microsoft.com/office/powerpoint/2010/main" val="649209523"/>
       </p:ext>
     </p:extLst>
   </p:cSld>
@@ -9187,7 +10855,7 @@
           <p:nvPr/>
         </p:nvPicPr>
         <p:blipFill>
-          <a:blip r:embed="rId2">
+          <a:blip r:embed="rId2" cstate="print">
             <a:extLst>
               <a:ext uri="{28A0092B-C50C-407E-A947-70E740481C1C}">
                 <a14:useLocalDpi xmlns:a14="http://schemas.microsoft.com/office/drawing/2010/main" val="0"/>
@@ -9272,6 +10940,3305 @@
   <p:clrMapOvr>
     <a:masterClrMapping/>
   </p:clrMapOvr>
+</p:sld>
+</file>
+
+<file path=ppt/slides/slide20.xml><?xml version="1.0" encoding="utf-8"?>
+<p:sld xmlns:a="http://schemas.openxmlformats.org/drawingml/2006/main" xmlns:r="http://schemas.openxmlformats.org/officeDocument/2006/relationships" xmlns:p="http://schemas.openxmlformats.org/presentationml/2006/main">
+  <p:cSld>
+    <p:spTree>
+      <p:nvGrpSpPr>
+        <p:cNvPr id="1" name=""/>
+        <p:cNvGrpSpPr/>
+        <p:nvPr/>
+      </p:nvGrpSpPr>
+      <p:grpSpPr>
+        <a:xfrm>
+          <a:off x="0" y="0"/>
+          <a:ext cx="0" cy="0"/>
+          <a:chOff x="0" y="0"/>
+          <a:chExt cx="0" cy="0"/>
+        </a:xfrm>
+      </p:grpSpPr>
+      <p:sp>
+        <p:nvSpPr>
+          <p:cNvPr id="2" name="Titel 1">
+            <a:extLst>
+              <a:ext uri="{FF2B5EF4-FFF2-40B4-BE49-F238E27FC236}">
+                <a16:creationId xmlns:a16="http://schemas.microsoft.com/office/drawing/2014/main" id="{33C0C305-AA60-567E-2A12-EE4B3D8AED3C}"/>
+              </a:ext>
+            </a:extLst>
+          </p:cNvPr>
+          <p:cNvSpPr>
+            <a:spLocks noGrp="1"/>
+          </p:cNvSpPr>
+          <p:nvPr>
+            <p:ph type="title"/>
+          </p:nvPr>
+        </p:nvSpPr>
+        <p:spPr/>
+        <p:txBody>
+          <a:bodyPr/>
+          <a:lstStyle/>
+          <a:p>
+            <a:r>
+              <a:rPr lang="en-GB" dirty="0"/>
+              <a:t>Prevent buffer overflow –</a:t>
+            </a:r>
+            <a:br>
+              <a:rPr lang="en-GB" dirty="0"/>
+            </a:br>
+            <a:r>
+              <a:rPr lang="en-GB" dirty="0"/>
+              <a:t>code analysis</a:t>
+            </a:r>
+            <a:endParaRPr lang="en-AT" dirty="0"/>
+          </a:p>
+        </p:txBody>
+      </p:sp>
+      <p:sp>
+        <p:nvSpPr>
+          <p:cNvPr id="3" name="Bildplatzhalter 2">
+            <a:extLst>
+              <a:ext uri="{FF2B5EF4-FFF2-40B4-BE49-F238E27FC236}">
+                <a16:creationId xmlns:a16="http://schemas.microsoft.com/office/drawing/2014/main" id="{592AD94C-7BB0-489F-2373-397FA2F229A4}"/>
+              </a:ext>
+            </a:extLst>
+          </p:cNvPr>
+          <p:cNvSpPr>
+            <a:spLocks noGrp="1"/>
+          </p:cNvSpPr>
+          <p:nvPr>
+            <p:ph type="pic" sz="quarter" idx="13"/>
+          </p:nvPr>
+        </p:nvSpPr>
+        <p:spPr/>
+      </p:sp>
+      <p:sp>
+        <p:nvSpPr>
+          <p:cNvPr id="4" name="Textplatzhalter 3">
+            <a:extLst>
+              <a:ext uri="{FF2B5EF4-FFF2-40B4-BE49-F238E27FC236}">
+                <a16:creationId xmlns:a16="http://schemas.microsoft.com/office/drawing/2014/main" id="{BC056CF4-B5E2-6EC2-7D75-269DBD08E72E}"/>
+              </a:ext>
+            </a:extLst>
+          </p:cNvPr>
+          <p:cNvSpPr>
+            <a:spLocks noGrp="1"/>
+          </p:cNvSpPr>
+          <p:nvPr>
+            <p:ph type="body" sz="quarter" idx="25"/>
+          </p:nvPr>
+        </p:nvSpPr>
+        <p:spPr/>
+        <p:txBody>
+          <a:bodyPr/>
+          <a:lstStyle/>
+          <a:p>
+            <a:endParaRPr lang="en-AT"/>
+          </a:p>
+        </p:txBody>
+      </p:sp>
+      <p:sp>
+        <p:nvSpPr>
+          <p:cNvPr id="5" name="Fußzeilenplatzhalter 4">
+            <a:extLst>
+              <a:ext uri="{FF2B5EF4-FFF2-40B4-BE49-F238E27FC236}">
+                <a16:creationId xmlns:a16="http://schemas.microsoft.com/office/drawing/2014/main" id="{72AF1679-3473-3FCB-82F5-9226F980D00A}"/>
+              </a:ext>
+            </a:extLst>
+          </p:cNvPr>
+          <p:cNvSpPr>
+            <a:spLocks noGrp="1"/>
+          </p:cNvSpPr>
+          <p:nvPr>
+            <p:ph type="ftr" sz="quarter" idx="27"/>
+          </p:nvPr>
+        </p:nvSpPr>
+        <p:spPr/>
+        <p:txBody>
+          <a:bodyPr/>
+          <a:lstStyle/>
+          <a:p>
+            <a:r>
+              <a:rPr lang="de-AT" noProof="0"/>
+              <a:t>Platz für Autor und LVA-Nummer</a:t>
+            </a:r>
+            <a:endParaRPr lang="de-AT" noProof="0" dirty="0"/>
+          </a:p>
+        </p:txBody>
+      </p:sp>
+      <p:sp>
+        <p:nvSpPr>
+          <p:cNvPr id="6" name="Foliennummernplatzhalter 5">
+            <a:extLst>
+              <a:ext uri="{FF2B5EF4-FFF2-40B4-BE49-F238E27FC236}">
+                <a16:creationId xmlns:a16="http://schemas.microsoft.com/office/drawing/2014/main" id="{20839AD6-55E8-8FEC-A9BB-F270B2EB78BF}"/>
+              </a:ext>
+            </a:extLst>
+          </p:cNvPr>
+          <p:cNvSpPr>
+            <a:spLocks noGrp="1"/>
+          </p:cNvSpPr>
+          <p:nvPr>
+            <p:ph type="sldNum" sz="quarter" idx="28"/>
+          </p:nvPr>
+        </p:nvSpPr>
+        <p:spPr/>
+        <p:txBody>
+          <a:bodyPr/>
+          <a:lstStyle/>
+          <a:p>
+            <a:fld id="{DFB297D7-21D1-0549-A74D-BD032133048A}" type="slidenum">
+              <a:rPr lang="en-US" smtClean="0"/>
+              <a:pPr/>
+              <a:t>20</a:t>
+            </a:fld>
+            <a:endParaRPr lang="en-US" dirty="0"/>
+          </a:p>
+        </p:txBody>
+      </p:sp>
+      <p:sp>
+        <p:nvSpPr>
+          <p:cNvPr id="7" name="Inhaltsplatzhalter 6">
+            <a:extLst>
+              <a:ext uri="{FF2B5EF4-FFF2-40B4-BE49-F238E27FC236}">
+                <a16:creationId xmlns:a16="http://schemas.microsoft.com/office/drawing/2014/main" id="{443CA4A1-FFC6-25ED-A3FE-CAA585D4B24B}"/>
+              </a:ext>
+            </a:extLst>
+          </p:cNvPr>
+          <p:cNvSpPr>
+            <a:spLocks noGrp="1"/>
+          </p:cNvSpPr>
+          <p:nvPr>
+            <p:ph idx="1"/>
+          </p:nvPr>
+        </p:nvSpPr>
+        <p:spPr/>
+        <p:txBody>
+          <a:bodyPr/>
+          <a:lstStyle/>
+          <a:p>
+            <a:r>
+              <a:rPr lang="en-GB" dirty="0"/>
+              <a:t>Automated analysis</a:t>
+            </a:r>
+          </a:p>
+          <a:p>
+            <a:pPr lvl="1"/>
+            <a:r>
+              <a:rPr lang="en-GB" dirty="0"/>
+              <a:t>IDE highlighting</a:t>
+            </a:r>
+          </a:p>
+          <a:p>
+            <a:pPr lvl="1"/>
+            <a:r>
+              <a:rPr lang="en-GB" dirty="0"/>
+              <a:t>Disassemble binary code (static)</a:t>
+            </a:r>
+          </a:p>
+          <a:p>
+            <a:pPr lvl="1"/>
+            <a:r>
+              <a:rPr lang="en-GB" dirty="0"/>
+              <a:t>Dynamic approach:</a:t>
+            </a:r>
+          </a:p>
+          <a:p>
+            <a:pPr lvl="2"/>
+            <a:r>
+              <a:rPr lang="en-GB" dirty="0"/>
+              <a:t>Algorithms try to attack themselves</a:t>
+            </a:r>
+          </a:p>
+          <a:p>
+            <a:pPr lvl="2"/>
+            <a:r>
+              <a:rPr lang="en-GB" dirty="0"/>
+              <a:t>At run-time</a:t>
+            </a:r>
+          </a:p>
+          <a:p>
+            <a:pPr lvl="2"/>
+            <a:endParaRPr lang="en-GB" dirty="0"/>
+          </a:p>
+          <a:p>
+            <a:pPr lvl="1"/>
+            <a:endParaRPr lang="en-GB" dirty="0"/>
+          </a:p>
+        </p:txBody>
+      </p:sp>
+      <p:pic>
+        <p:nvPicPr>
+          <p:cNvPr id="9" name="Grafik 8" descr="Ein Bild, das LEGO, Spielzeug enthält.&#10;&#10;Automatisch generierte Beschreibung">
+            <a:extLst>
+              <a:ext uri="{FF2B5EF4-FFF2-40B4-BE49-F238E27FC236}">
+                <a16:creationId xmlns:a16="http://schemas.microsoft.com/office/drawing/2014/main" id="{C49C873F-EF1E-C045-F557-B5EC72DF1CAC}"/>
+              </a:ext>
+            </a:extLst>
+          </p:cNvPr>
+          <p:cNvPicPr>
+            <a:picLocks noChangeAspect="1"/>
+          </p:cNvPicPr>
+          <p:nvPr/>
+        </p:nvPicPr>
+        <p:blipFill>
+          <a:blip r:embed="rId2" cstate="print">
+            <a:extLst>
+              <a:ext uri="{28A0092B-C50C-407E-A947-70E740481C1C}">
+                <a14:useLocalDpi xmlns:a14="http://schemas.microsoft.com/office/drawing/2010/main" val="0"/>
+              </a:ext>
+            </a:extLst>
+          </a:blip>
+          <a:stretch>
+            <a:fillRect/>
+          </a:stretch>
+        </p:blipFill>
+        <p:spPr>
+          <a:xfrm>
+            <a:off x="5561366" y="3429000"/>
+            <a:ext cx="1798284" cy="1798284"/>
+          </a:xfrm>
+          <a:prstGeom prst="rect">
+            <a:avLst/>
+          </a:prstGeom>
+        </p:spPr>
+      </p:pic>
+    </p:spTree>
+    <p:extLst>
+      <p:ext uri="{BB962C8B-B14F-4D97-AF65-F5344CB8AC3E}">
+        <p14:creationId xmlns:p14="http://schemas.microsoft.com/office/powerpoint/2010/main" val="716930714"/>
+      </p:ext>
+    </p:extLst>
+  </p:cSld>
+  <p:clrMapOvr>
+    <a:masterClrMapping/>
+  </p:clrMapOvr>
+</p:sld>
+</file>
+
+<file path=ppt/slides/slide21.xml><?xml version="1.0" encoding="utf-8"?>
+<p:sld xmlns:a="http://schemas.openxmlformats.org/drawingml/2006/main" xmlns:r="http://schemas.openxmlformats.org/officeDocument/2006/relationships" xmlns:p="http://schemas.openxmlformats.org/presentationml/2006/main">
+  <p:cSld>
+    <p:spTree>
+      <p:nvGrpSpPr>
+        <p:cNvPr id="1" name=""/>
+        <p:cNvGrpSpPr/>
+        <p:nvPr/>
+      </p:nvGrpSpPr>
+      <p:grpSpPr>
+        <a:xfrm>
+          <a:off x="0" y="0"/>
+          <a:ext cx="0" cy="0"/>
+          <a:chOff x="0" y="0"/>
+          <a:chExt cx="0" cy="0"/>
+        </a:xfrm>
+      </p:grpSpPr>
+      <p:sp>
+        <p:nvSpPr>
+          <p:cNvPr id="2" name="Titel 1">
+            <a:extLst>
+              <a:ext uri="{FF2B5EF4-FFF2-40B4-BE49-F238E27FC236}">
+                <a16:creationId xmlns:a16="http://schemas.microsoft.com/office/drawing/2014/main" id="{33C0C305-AA60-567E-2A12-EE4B3D8AED3C}"/>
+              </a:ext>
+            </a:extLst>
+          </p:cNvPr>
+          <p:cNvSpPr>
+            <a:spLocks noGrp="1"/>
+          </p:cNvSpPr>
+          <p:nvPr>
+            <p:ph type="title"/>
+          </p:nvPr>
+        </p:nvSpPr>
+        <p:spPr/>
+        <p:txBody>
+          <a:bodyPr/>
+          <a:lstStyle/>
+          <a:p>
+            <a:r>
+              <a:rPr lang="en-GB" dirty="0"/>
+              <a:t>Prevent ROP –</a:t>
+            </a:r>
+            <a:br>
+              <a:rPr lang="en-GB" dirty="0"/>
+            </a:br>
+            <a:r>
+              <a:rPr lang="en-GB" dirty="0"/>
+              <a:t>w </a:t>
+            </a:r>
+            <a:r>
+              <a:rPr lang="en-GB" dirty="0" err="1"/>
+              <a:t>xor</a:t>
+            </a:r>
+            <a:r>
+              <a:rPr lang="en-GB" dirty="0"/>
+              <a:t> x</a:t>
+            </a:r>
+            <a:endParaRPr lang="en-AT" dirty="0"/>
+          </a:p>
+        </p:txBody>
+      </p:sp>
+      <p:sp>
+        <p:nvSpPr>
+          <p:cNvPr id="3" name="Bildplatzhalter 2">
+            <a:extLst>
+              <a:ext uri="{FF2B5EF4-FFF2-40B4-BE49-F238E27FC236}">
+                <a16:creationId xmlns:a16="http://schemas.microsoft.com/office/drawing/2014/main" id="{592AD94C-7BB0-489F-2373-397FA2F229A4}"/>
+              </a:ext>
+            </a:extLst>
+          </p:cNvPr>
+          <p:cNvSpPr>
+            <a:spLocks noGrp="1"/>
+          </p:cNvSpPr>
+          <p:nvPr>
+            <p:ph type="pic" sz="quarter" idx="13"/>
+          </p:nvPr>
+        </p:nvSpPr>
+        <p:spPr/>
+      </p:sp>
+      <p:sp>
+        <p:nvSpPr>
+          <p:cNvPr id="4" name="Textplatzhalter 3">
+            <a:extLst>
+              <a:ext uri="{FF2B5EF4-FFF2-40B4-BE49-F238E27FC236}">
+                <a16:creationId xmlns:a16="http://schemas.microsoft.com/office/drawing/2014/main" id="{BC056CF4-B5E2-6EC2-7D75-269DBD08E72E}"/>
+              </a:ext>
+            </a:extLst>
+          </p:cNvPr>
+          <p:cNvSpPr>
+            <a:spLocks noGrp="1"/>
+          </p:cNvSpPr>
+          <p:nvPr>
+            <p:ph type="body" sz="quarter" idx="25"/>
+          </p:nvPr>
+        </p:nvSpPr>
+        <p:spPr/>
+        <p:txBody>
+          <a:bodyPr/>
+          <a:lstStyle/>
+          <a:p>
+            <a:endParaRPr lang="en-AT"/>
+          </a:p>
+        </p:txBody>
+      </p:sp>
+      <p:sp>
+        <p:nvSpPr>
+          <p:cNvPr id="5" name="Fußzeilenplatzhalter 4">
+            <a:extLst>
+              <a:ext uri="{FF2B5EF4-FFF2-40B4-BE49-F238E27FC236}">
+                <a16:creationId xmlns:a16="http://schemas.microsoft.com/office/drawing/2014/main" id="{72AF1679-3473-3FCB-82F5-9226F980D00A}"/>
+              </a:ext>
+            </a:extLst>
+          </p:cNvPr>
+          <p:cNvSpPr>
+            <a:spLocks noGrp="1"/>
+          </p:cNvSpPr>
+          <p:nvPr>
+            <p:ph type="ftr" sz="quarter" idx="27"/>
+          </p:nvPr>
+        </p:nvSpPr>
+        <p:spPr/>
+        <p:txBody>
+          <a:bodyPr/>
+          <a:lstStyle/>
+          <a:p>
+            <a:r>
+              <a:rPr lang="de-AT" noProof="0"/>
+              <a:t>Platz für Autor und LVA-Nummer</a:t>
+            </a:r>
+            <a:endParaRPr lang="de-AT" noProof="0" dirty="0"/>
+          </a:p>
+        </p:txBody>
+      </p:sp>
+      <p:sp>
+        <p:nvSpPr>
+          <p:cNvPr id="6" name="Foliennummernplatzhalter 5">
+            <a:extLst>
+              <a:ext uri="{FF2B5EF4-FFF2-40B4-BE49-F238E27FC236}">
+                <a16:creationId xmlns:a16="http://schemas.microsoft.com/office/drawing/2014/main" id="{20839AD6-55E8-8FEC-A9BB-F270B2EB78BF}"/>
+              </a:ext>
+            </a:extLst>
+          </p:cNvPr>
+          <p:cNvSpPr>
+            <a:spLocks noGrp="1"/>
+          </p:cNvSpPr>
+          <p:nvPr>
+            <p:ph type="sldNum" sz="quarter" idx="28"/>
+          </p:nvPr>
+        </p:nvSpPr>
+        <p:spPr/>
+        <p:txBody>
+          <a:bodyPr/>
+          <a:lstStyle/>
+          <a:p>
+            <a:fld id="{DFB297D7-21D1-0549-A74D-BD032133048A}" type="slidenum">
+              <a:rPr lang="en-US" smtClean="0"/>
+              <a:pPr/>
+              <a:t>21</a:t>
+            </a:fld>
+            <a:endParaRPr lang="en-US" dirty="0"/>
+          </a:p>
+        </p:txBody>
+      </p:sp>
+      <p:sp>
+        <p:nvSpPr>
+          <p:cNvPr id="7" name="Inhaltsplatzhalter 6">
+            <a:extLst>
+              <a:ext uri="{FF2B5EF4-FFF2-40B4-BE49-F238E27FC236}">
+                <a16:creationId xmlns:a16="http://schemas.microsoft.com/office/drawing/2014/main" id="{443CA4A1-FFC6-25ED-A3FE-CAA585D4B24B}"/>
+              </a:ext>
+            </a:extLst>
+          </p:cNvPr>
+          <p:cNvSpPr>
+            <a:spLocks noGrp="1"/>
+          </p:cNvSpPr>
+          <p:nvPr>
+            <p:ph idx="1"/>
+          </p:nvPr>
+        </p:nvSpPr>
+        <p:spPr/>
+        <p:txBody>
+          <a:bodyPr/>
+          <a:lstStyle/>
+          <a:p>
+            <a:r>
+              <a:rPr lang="en-GB" dirty="0"/>
+              <a:t>Early </a:t>
+            </a:r>
+            <a:r>
+              <a:rPr lang="en-GB" dirty="0" err="1"/>
+              <a:t>defense</a:t>
+            </a:r>
+            <a:endParaRPr lang="en-GB" dirty="0"/>
+          </a:p>
+          <a:p>
+            <a:r>
+              <a:rPr lang="en-GB" dirty="0"/>
+              <a:t>Memory cell either writable (W) or executable (X)</a:t>
+            </a:r>
+          </a:p>
+          <a:p>
+            <a:r>
+              <a:rPr lang="en-GB" dirty="0"/>
+              <a:t>Attacker cannot use is own code</a:t>
+            </a:r>
+          </a:p>
+          <a:p>
+            <a:r>
+              <a:rPr lang="en-GB" dirty="0"/>
+              <a:t>What about present code?</a:t>
+            </a:r>
+          </a:p>
+        </p:txBody>
+      </p:sp>
+      <p:pic>
+        <p:nvPicPr>
+          <p:cNvPr id="9" name="Grafik 8" descr="Ein Bild, das LEGO, Spielzeug enthält.&#10;&#10;Automatisch generierte Beschreibung">
+            <a:extLst>
+              <a:ext uri="{FF2B5EF4-FFF2-40B4-BE49-F238E27FC236}">
+                <a16:creationId xmlns:a16="http://schemas.microsoft.com/office/drawing/2014/main" id="{820DC44F-631E-01CA-ACC7-BBEBA21209B9}"/>
+              </a:ext>
+            </a:extLst>
+          </p:cNvPr>
+          <p:cNvPicPr>
+            <a:picLocks noChangeAspect="1"/>
+          </p:cNvPicPr>
+          <p:nvPr/>
+        </p:nvPicPr>
+        <p:blipFill>
+          <a:blip r:embed="rId2" cstate="print">
+            <a:extLst>
+              <a:ext uri="{28A0092B-C50C-407E-A947-70E740481C1C}">
+                <a14:useLocalDpi xmlns:a14="http://schemas.microsoft.com/office/drawing/2010/main" val="0"/>
+              </a:ext>
+            </a:extLst>
+          </a:blip>
+          <a:stretch>
+            <a:fillRect/>
+          </a:stretch>
+        </p:blipFill>
+        <p:spPr>
+          <a:xfrm>
+            <a:off x="5561366" y="3429000"/>
+            <a:ext cx="1798284" cy="1798284"/>
+          </a:xfrm>
+          <a:prstGeom prst="rect">
+            <a:avLst/>
+          </a:prstGeom>
+        </p:spPr>
+      </p:pic>
+    </p:spTree>
+    <p:extLst>
+      <p:ext uri="{BB962C8B-B14F-4D97-AF65-F5344CB8AC3E}">
+        <p14:creationId xmlns:p14="http://schemas.microsoft.com/office/powerpoint/2010/main" val="2351573308"/>
+      </p:ext>
+    </p:extLst>
+  </p:cSld>
+  <p:clrMapOvr>
+    <a:masterClrMapping/>
+  </p:clrMapOvr>
+</p:sld>
+</file>
+
+<file path=ppt/slides/slide22.xml><?xml version="1.0" encoding="utf-8"?>
+<p:sld xmlns:a="http://schemas.openxmlformats.org/drawingml/2006/main" xmlns:r="http://schemas.openxmlformats.org/officeDocument/2006/relationships" xmlns:p="http://schemas.openxmlformats.org/presentationml/2006/main">
+  <p:cSld>
+    <p:spTree>
+      <p:nvGrpSpPr>
+        <p:cNvPr id="1" name=""/>
+        <p:cNvGrpSpPr/>
+        <p:nvPr/>
+      </p:nvGrpSpPr>
+      <p:grpSpPr>
+        <a:xfrm>
+          <a:off x="0" y="0"/>
+          <a:ext cx="0" cy="0"/>
+          <a:chOff x="0" y="0"/>
+          <a:chExt cx="0" cy="0"/>
+        </a:xfrm>
+      </p:grpSpPr>
+      <p:sp>
+        <p:nvSpPr>
+          <p:cNvPr id="2" name="Titel 1">
+            <a:extLst>
+              <a:ext uri="{FF2B5EF4-FFF2-40B4-BE49-F238E27FC236}">
+                <a16:creationId xmlns:a16="http://schemas.microsoft.com/office/drawing/2014/main" id="{33C0C305-AA60-567E-2A12-EE4B3D8AED3C}"/>
+              </a:ext>
+            </a:extLst>
+          </p:cNvPr>
+          <p:cNvSpPr>
+            <a:spLocks noGrp="1"/>
+          </p:cNvSpPr>
+          <p:nvPr>
+            <p:ph type="title"/>
+          </p:nvPr>
+        </p:nvSpPr>
+        <p:spPr/>
+        <p:txBody>
+          <a:bodyPr/>
+          <a:lstStyle/>
+          <a:p>
+            <a:r>
+              <a:rPr lang="en-GB" dirty="0"/>
+              <a:t>Prevent ROP –</a:t>
+            </a:r>
+            <a:br>
+              <a:rPr lang="en-GB" dirty="0"/>
+            </a:br>
+            <a:r>
+              <a:rPr lang="en-GB" dirty="0"/>
+              <a:t>Address space layout Rand.</a:t>
+            </a:r>
+            <a:endParaRPr lang="en-AT" dirty="0"/>
+          </a:p>
+        </p:txBody>
+      </p:sp>
+      <p:sp>
+        <p:nvSpPr>
+          <p:cNvPr id="4" name="Textplatzhalter 3">
+            <a:extLst>
+              <a:ext uri="{FF2B5EF4-FFF2-40B4-BE49-F238E27FC236}">
+                <a16:creationId xmlns:a16="http://schemas.microsoft.com/office/drawing/2014/main" id="{BC056CF4-B5E2-6EC2-7D75-269DBD08E72E}"/>
+              </a:ext>
+            </a:extLst>
+          </p:cNvPr>
+          <p:cNvSpPr>
+            <a:spLocks noGrp="1"/>
+          </p:cNvSpPr>
+          <p:nvPr>
+            <p:ph type="body" sz="quarter" idx="25"/>
+          </p:nvPr>
+        </p:nvSpPr>
+        <p:spPr/>
+        <p:txBody>
+          <a:bodyPr/>
+          <a:lstStyle/>
+          <a:p>
+            <a:endParaRPr lang="en-AT"/>
+          </a:p>
+        </p:txBody>
+      </p:sp>
+      <p:sp>
+        <p:nvSpPr>
+          <p:cNvPr id="5" name="Fußzeilenplatzhalter 4">
+            <a:extLst>
+              <a:ext uri="{FF2B5EF4-FFF2-40B4-BE49-F238E27FC236}">
+                <a16:creationId xmlns:a16="http://schemas.microsoft.com/office/drawing/2014/main" id="{72AF1679-3473-3FCB-82F5-9226F980D00A}"/>
+              </a:ext>
+            </a:extLst>
+          </p:cNvPr>
+          <p:cNvSpPr>
+            <a:spLocks noGrp="1"/>
+          </p:cNvSpPr>
+          <p:nvPr>
+            <p:ph type="ftr" sz="quarter" idx="27"/>
+          </p:nvPr>
+        </p:nvSpPr>
+        <p:spPr/>
+        <p:txBody>
+          <a:bodyPr/>
+          <a:lstStyle/>
+          <a:p>
+            <a:r>
+              <a:rPr lang="de-AT" noProof="0"/>
+              <a:t>Platz für Autor und LVA-Nummer</a:t>
+            </a:r>
+            <a:endParaRPr lang="de-AT" noProof="0" dirty="0"/>
+          </a:p>
+        </p:txBody>
+      </p:sp>
+      <p:sp>
+        <p:nvSpPr>
+          <p:cNvPr id="6" name="Foliennummernplatzhalter 5">
+            <a:extLst>
+              <a:ext uri="{FF2B5EF4-FFF2-40B4-BE49-F238E27FC236}">
+                <a16:creationId xmlns:a16="http://schemas.microsoft.com/office/drawing/2014/main" id="{20839AD6-55E8-8FEC-A9BB-F270B2EB78BF}"/>
+              </a:ext>
+            </a:extLst>
+          </p:cNvPr>
+          <p:cNvSpPr>
+            <a:spLocks noGrp="1"/>
+          </p:cNvSpPr>
+          <p:nvPr>
+            <p:ph type="sldNum" sz="quarter" idx="28"/>
+          </p:nvPr>
+        </p:nvSpPr>
+        <p:spPr/>
+        <p:txBody>
+          <a:bodyPr/>
+          <a:lstStyle/>
+          <a:p>
+            <a:fld id="{DFB297D7-21D1-0549-A74D-BD032133048A}" type="slidenum">
+              <a:rPr lang="en-US" smtClean="0"/>
+              <a:pPr/>
+              <a:t>22</a:t>
+            </a:fld>
+            <a:endParaRPr lang="en-US" dirty="0"/>
+          </a:p>
+        </p:txBody>
+      </p:sp>
+      <p:sp>
+        <p:nvSpPr>
+          <p:cNvPr id="7" name="Inhaltsplatzhalter 6">
+            <a:extLst>
+              <a:ext uri="{FF2B5EF4-FFF2-40B4-BE49-F238E27FC236}">
+                <a16:creationId xmlns:a16="http://schemas.microsoft.com/office/drawing/2014/main" id="{443CA4A1-FFC6-25ED-A3FE-CAA585D4B24B}"/>
+              </a:ext>
+            </a:extLst>
+          </p:cNvPr>
+          <p:cNvSpPr>
+            <a:spLocks noGrp="1"/>
+          </p:cNvSpPr>
+          <p:nvPr>
+            <p:ph idx="1"/>
+          </p:nvPr>
+        </p:nvSpPr>
+        <p:spPr/>
+        <p:txBody>
+          <a:bodyPr/>
+          <a:lstStyle/>
+          <a:p>
+            <a:r>
+              <a:rPr lang="en-GB" dirty="0"/>
+              <a:t>ASLR randomizes base addresses of:</a:t>
+            </a:r>
+          </a:p>
+          <a:p>
+            <a:pPr lvl="1"/>
+            <a:r>
+              <a:rPr lang="en-GB" dirty="0"/>
+              <a:t>Stack</a:t>
+            </a:r>
+          </a:p>
+          <a:p>
+            <a:pPr lvl="1"/>
+            <a:r>
+              <a:rPr lang="en-GB" dirty="0"/>
+              <a:t>Heap</a:t>
+            </a:r>
+          </a:p>
+          <a:p>
+            <a:pPr lvl="1"/>
+            <a:r>
+              <a:rPr lang="en-GB" dirty="0"/>
+              <a:t>External libraries</a:t>
+            </a:r>
+          </a:p>
+          <a:p>
+            <a:r>
+              <a:rPr lang="en-GB" dirty="0"/>
+              <a:t>ROP needs location of instructions </a:t>
+            </a:r>
+          </a:p>
+          <a:p>
+            <a:pPr lvl="1"/>
+            <a:r>
+              <a:rPr lang="en-GB" dirty="0">
+                <a:sym typeface="Wingdings" panose="05000000000000000000" pitchFamily="2" charset="2"/>
+              </a:rPr>
+              <a:t> at random position</a:t>
+            </a:r>
+          </a:p>
+          <a:p>
+            <a:pPr lvl="1"/>
+            <a:r>
+              <a:rPr lang="en-GB" dirty="0">
+                <a:sym typeface="Wingdings" panose="05000000000000000000" pitchFamily="2" charset="2"/>
+              </a:rPr>
+              <a:t> exploit has to be adapted every time</a:t>
+            </a:r>
+            <a:endParaRPr lang="en-GB" dirty="0"/>
+          </a:p>
+          <a:p>
+            <a:endParaRPr lang="en-GB" dirty="0"/>
+          </a:p>
+        </p:txBody>
+      </p:sp>
+      <p:pic>
+        <p:nvPicPr>
+          <p:cNvPr id="13" name="Grafik 12">
+            <a:extLst>
+              <a:ext uri="{FF2B5EF4-FFF2-40B4-BE49-F238E27FC236}">
+                <a16:creationId xmlns:a16="http://schemas.microsoft.com/office/drawing/2014/main" id="{5B44BEA5-2580-82E3-5253-52BFAEB38E9D}"/>
+              </a:ext>
+            </a:extLst>
+          </p:cNvPr>
+          <p:cNvPicPr>
+            <a:picLocks noChangeAspect="1"/>
+          </p:cNvPicPr>
+          <p:nvPr/>
+        </p:nvPicPr>
+        <p:blipFill>
+          <a:blip r:embed="rId2" cstate="print">
+            <a:extLst>
+              <a:ext uri="{28A0092B-C50C-407E-A947-70E740481C1C}">
+                <a14:useLocalDpi xmlns:a14="http://schemas.microsoft.com/office/drawing/2010/main" val="0"/>
+              </a:ext>
+            </a:extLst>
+          </a:blip>
+          <a:stretch>
+            <a:fillRect/>
+          </a:stretch>
+        </p:blipFill>
+        <p:spPr>
+          <a:xfrm>
+            <a:off x="6243506" y="1991292"/>
+            <a:ext cx="1437708" cy="1437708"/>
+          </a:xfrm>
+          <a:prstGeom prst="rect">
+            <a:avLst/>
+          </a:prstGeom>
+        </p:spPr>
+      </p:pic>
+      <p:sp>
+        <p:nvSpPr>
+          <p:cNvPr id="15" name="Bildplatzhalter 14">
+            <a:extLst>
+              <a:ext uri="{FF2B5EF4-FFF2-40B4-BE49-F238E27FC236}">
+                <a16:creationId xmlns:a16="http://schemas.microsoft.com/office/drawing/2014/main" id="{0F8A5DB2-7E68-9197-9DE2-7B3BD90AACF5}"/>
+              </a:ext>
+            </a:extLst>
+          </p:cNvPr>
+          <p:cNvSpPr>
+            <a:spLocks noGrp="1"/>
+          </p:cNvSpPr>
+          <p:nvPr>
+            <p:ph type="pic" sz="quarter" idx="13"/>
+          </p:nvPr>
+        </p:nvSpPr>
+        <p:spPr/>
+      </p:sp>
+    </p:spTree>
+    <p:extLst>
+      <p:ext uri="{BB962C8B-B14F-4D97-AF65-F5344CB8AC3E}">
+        <p14:creationId xmlns:p14="http://schemas.microsoft.com/office/powerpoint/2010/main" val="2516888752"/>
+      </p:ext>
+    </p:extLst>
+  </p:cSld>
+  <p:clrMapOvr>
+    <a:masterClrMapping/>
+  </p:clrMapOvr>
+  <p:timing>
+    <p:tnLst>
+      <p:par>
+        <p:cTn id="1" dur="indefinite" restart="never" nodeType="tmRoot">
+          <p:childTnLst>
+            <p:seq concurrent="1" nextAc="seek">
+              <p:cTn id="2" dur="indefinite" nodeType="mainSeq">
+                <p:childTnLst>
+                  <p:par>
+                    <p:cTn id="3" fill="hold">
+                      <p:stCondLst>
+                        <p:cond delay="indefinite"/>
+                        <p:cond evt="onBegin" delay="0">
+                          <p:tn val="2"/>
+                        </p:cond>
+                      </p:stCondLst>
+                      <p:childTnLst>
+                        <p:par>
+                          <p:cTn id="4" fill="hold">
+                            <p:stCondLst>
+                              <p:cond delay="0"/>
+                            </p:stCondLst>
+                            <p:childTnLst>
+                              <p:par>
+                                <p:cTn id="5" presetID="26" presetClass="entr" presetSubtype="0" fill="hold" nodeType="withEffect">
+                                  <p:stCondLst>
+                                    <p:cond delay="0"/>
+                                  </p:stCondLst>
+                                  <p:childTnLst>
+                                    <p:set>
+                                      <p:cBhvr>
+                                        <p:cTn id="6" dur="1" fill="hold">
+                                          <p:stCondLst>
+                                            <p:cond delay="0"/>
+                                          </p:stCondLst>
+                                        </p:cTn>
+                                        <p:tgtEl>
+                                          <p:spTgt spid="13"/>
+                                        </p:tgtEl>
+                                        <p:attrNameLst>
+                                          <p:attrName>style.visibility</p:attrName>
+                                        </p:attrNameLst>
+                                      </p:cBhvr>
+                                      <p:to>
+                                        <p:strVal val="visible"/>
+                                      </p:to>
+                                    </p:set>
+                                    <p:animEffect transition="in" filter="wipe(down)">
+                                      <p:cBhvr>
+                                        <p:cTn id="7" dur="580">
+                                          <p:stCondLst>
+                                            <p:cond delay="0"/>
+                                          </p:stCondLst>
+                                        </p:cTn>
+                                        <p:tgtEl>
+                                          <p:spTgt spid="13"/>
+                                        </p:tgtEl>
+                                      </p:cBhvr>
+                                    </p:animEffect>
+                                    <p:anim calcmode="lin" valueType="num">
+                                      <p:cBhvr>
+                                        <p:cTn id="8" dur="1822" tmFilter="0,0; 0.14,0.36; 0.43,0.73; 0.71,0.91; 1.0,1.0">
+                                          <p:stCondLst>
+                                            <p:cond delay="0"/>
+                                          </p:stCondLst>
+                                        </p:cTn>
+                                        <p:tgtEl>
+                                          <p:spTgt spid="13"/>
+                                        </p:tgtEl>
+                                        <p:attrNameLst>
+                                          <p:attrName>ppt_x</p:attrName>
+                                        </p:attrNameLst>
+                                      </p:cBhvr>
+                                      <p:tavLst>
+                                        <p:tav tm="0">
+                                          <p:val>
+                                            <p:strVal val="#ppt_x-0.25"/>
+                                          </p:val>
+                                        </p:tav>
+                                        <p:tav tm="100000">
+                                          <p:val>
+                                            <p:strVal val="#ppt_x"/>
+                                          </p:val>
+                                        </p:tav>
+                                      </p:tavLst>
+                                    </p:anim>
+                                    <p:anim calcmode="lin" valueType="num">
+                                      <p:cBhvr>
+                                        <p:cTn id="9" dur="664" tmFilter="0.0,0.0; 0.25,0.07; 0.50,0.2; 0.75,0.467; 1.0,1.0">
+                                          <p:stCondLst>
+                                            <p:cond delay="0"/>
+                                          </p:stCondLst>
+                                        </p:cTn>
+                                        <p:tgtEl>
+                                          <p:spTgt spid="13"/>
+                                        </p:tgtEl>
+                                        <p:attrNameLst>
+                                          <p:attrName>ppt_y</p:attrName>
+                                        </p:attrNameLst>
+                                      </p:cBhvr>
+                                      <p:tavLst>
+                                        <p:tav tm="0" fmla="#ppt_y-sin(pi*$)/3">
+                                          <p:val>
+                                            <p:fltVal val="0.5"/>
+                                          </p:val>
+                                        </p:tav>
+                                        <p:tav tm="100000">
+                                          <p:val>
+                                            <p:fltVal val="1"/>
+                                          </p:val>
+                                        </p:tav>
+                                      </p:tavLst>
+                                    </p:anim>
+                                    <p:anim calcmode="lin" valueType="num">
+                                      <p:cBhvr>
+                                        <p:cTn id="10" dur="664" tmFilter="0, 0; 0.125,0.2665; 0.25,0.4; 0.375,0.465; 0.5,0.5;  0.625,0.535; 0.75,0.6; 0.875,0.7335; 1,1">
+                                          <p:stCondLst>
+                                            <p:cond delay="664"/>
+                                          </p:stCondLst>
+                                        </p:cTn>
+                                        <p:tgtEl>
+                                          <p:spTgt spid="13"/>
+                                        </p:tgtEl>
+                                        <p:attrNameLst>
+                                          <p:attrName>ppt_y</p:attrName>
+                                        </p:attrNameLst>
+                                      </p:cBhvr>
+                                      <p:tavLst>
+                                        <p:tav tm="0" fmla="#ppt_y-sin(pi*$)/9">
+                                          <p:val>
+                                            <p:fltVal val="0"/>
+                                          </p:val>
+                                        </p:tav>
+                                        <p:tav tm="100000">
+                                          <p:val>
+                                            <p:fltVal val="1"/>
+                                          </p:val>
+                                        </p:tav>
+                                      </p:tavLst>
+                                    </p:anim>
+                                    <p:anim calcmode="lin" valueType="num">
+                                      <p:cBhvr>
+                                        <p:cTn id="11" dur="332" tmFilter="0, 0; 0.125,0.2665; 0.25,0.4; 0.375,0.465; 0.5,0.5;  0.625,0.535; 0.75,0.6; 0.875,0.7335; 1,1">
+                                          <p:stCondLst>
+                                            <p:cond delay="1324"/>
+                                          </p:stCondLst>
+                                        </p:cTn>
+                                        <p:tgtEl>
+                                          <p:spTgt spid="13"/>
+                                        </p:tgtEl>
+                                        <p:attrNameLst>
+                                          <p:attrName>ppt_y</p:attrName>
+                                        </p:attrNameLst>
+                                      </p:cBhvr>
+                                      <p:tavLst>
+                                        <p:tav tm="0" fmla="#ppt_y-sin(pi*$)/27">
+                                          <p:val>
+                                            <p:fltVal val="0"/>
+                                          </p:val>
+                                        </p:tav>
+                                        <p:tav tm="100000">
+                                          <p:val>
+                                            <p:fltVal val="1"/>
+                                          </p:val>
+                                        </p:tav>
+                                      </p:tavLst>
+                                    </p:anim>
+                                    <p:anim calcmode="lin" valueType="num">
+                                      <p:cBhvr>
+                                        <p:cTn id="12" dur="164" tmFilter="0, 0; 0.125,0.2665; 0.25,0.4; 0.375,0.465; 0.5,0.5;  0.625,0.535; 0.75,0.6; 0.875,0.7335; 1,1">
+                                          <p:stCondLst>
+                                            <p:cond delay="1656"/>
+                                          </p:stCondLst>
+                                        </p:cTn>
+                                        <p:tgtEl>
+                                          <p:spTgt spid="13"/>
+                                        </p:tgtEl>
+                                        <p:attrNameLst>
+                                          <p:attrName>ppt_y</p:attrName>
+                                        </p:attrNameLst>
+                                      </p:cBhvr>
+                                      <p:tavLst>
+                                        <p:tav tm="0" fmla="#ppt_y-sin(pi*$)/81">
+                                          <p:val>
+                                            <p:fltVal val="0"/>
+                                          </p:val>
+                                        </p:tav>
+                                        <p:tav tm="100000">
+                                          <p:val>
+                                            <p:fltVal val="1"/>
+                                          </p:val>
+                                        </p:tav>
+                                      </p:tavLst>
+                                    </p:anim>
+                                    <p:animScale>
+                                      <p:cBhvr>
+                                        <p:cTn id="13" dur="26">
+                                          <p:stCondLst>
+                                            <p:cond delay="650"/>
+                                          </p:stCondLst>
+                                        </p:cTn>
+                                        <p:tgtEl>
+                                          <p:spTgt spid="13"/>
+                                        </p:tgtEl>
+                                      </p:cBhvr>
+                                      <p:to x="100000" y="60000"/>
+                                    </p:animScale>
+                                    <p:animScale>
+                                      <p:cBhvr>
+                                        <p:cTn id="14" dur="166" decel="50000">
+                                          <p:stCondLst>
+                                            <p:cond delay="676"/>
+                                          </p:stCondLst>
+                                        </p:cTn>
+                                        <p:tgtEl>
+                                          <p:spTgt spid="13"/>
+                                        </p:tgtEl>
+                                      </p:cBhvr>
+                                      <p:to x="100000" y="100000"/>
+                                    </p:animScale>
+                                    <p:animScale>
+                                      <p:cBhvr>
+                                        <p:cTn id="15" dur="26">
+                                          <p:stCondLst>
+                                            <p:cond delay="1312"/>
+                                          </p:stCondLst>
+                                        </p:cTn>
+                                        <p:tgtEl>
+                                          <p:spTgt spid="13"/>
+                                        </p:tgtEl>
+                                      </p:cBhvr>
+                                      <p:to x="100000" y="80000"/>
+                                    </p:animScale>
+                                    <p:animScale>
+                                      <p:cBhvr>
+                                        <p:cTn id="16" dur="166" decel="50000">
+                                          <p:stCondLst>
+                                            <p:cond delay="1338"/>
+                                          </p:stCondLst>
+                                        </p:cTn>
+                                        <p:tgtEl>
+                                          <p:spTgt spid="13"/>
+                                        </p:tgtEl>
+                                      </p:cBhvr>
+                                      <p:to x="100000" y="100000"/>
+                                    </p:animScale>
+                                    <p:animScale>
+                                      <p:cBhvr>
+                                        <p:cTn id="17" dur="26">
+                                          <p:stCondLst>
+                                            <p:cond delay="1642"/>
+                                          </p:stCondLst>
+                                        </p:cTn>
+                                        <p:tgtEl>
+                                          <p:spTgt spid="13"/>
+                                        </p:tgtEl>
+                                      </p:cBhvr>
+                                      <p:to x="100000" y="90000"/>
+                                    </p:animScale>
+                                    <p:animScale>
+                                      <p:cBhvr>
+                                        <p:cTn id="18" dur="166" decel="50000">
+                                          <p:stCondLst>
+                                            <p:cond delay="1668"/>
+                                          </p:stCondLst>
+                                        </p:cTn>
+                                        <p:tgtEl>
+                                          <p:spTgt spid="13"/>
+                                        </p:tgtEl>
+                                      </p:cBhvr>
+                                      <p:to x="100000" y="100000"/>
+                                    </p:animScale>
+                                    <p:animScale>
+                                      <p:cBhvr>
+                                        <p:cTn id="19" dur="26">
+                                          <p:stCondLst>
+                                            <p:cond delay="1808"/>
+                                          </p:stCondLst>
+                                        </p:cTn>
+                                        <p:tgtEl>
+                                          <p:spTgt spid="13"/>
+                                        </p:tgtEl>
+                                      </p:cBhvr>
+                                      <p:to x="100000" y="95000"/>
+                                    </p:animScale>
+                                    <p:animScale>
+                                      <p:cBhvr>
+                                        <p:cTn id="20" dur="166" decel="50000">
+                                          <p:stCondLst>
+                                            <p:cond delay="1834"/>
+                                          </p:stCondLst>
+                                        </p:cTn>
+                                        <p:tgtEl>
+                                          <p:spTgt spid="13"/>
+                                        </p:tgtEl>
+                                      </p:cBhvr>
+                                      <p:to x="100000" y="100000"/>
+                                    </p:animScale>
+                                  </p:childTnLst>
+                                </p:cTn>
+                              </p:par>
+                            </p:childTnLst>
+                          </p:cTn>
+                        </p:par>
+                      </p:childTnLst>
+                    </p:cTn>
+                  </p:par>
+                </p:childTnLst>
+              </p:cTn>
+              <p:prevCondLst>
+                <p:cond evt="onPrev" delay="0">
+                  <p:tgtEl>
+                    <p:sldTgt/>
+                  </p:tgtEl>
+                </p:cond>
+              </p:prevCondLst>
+              <p:nextCondLst>
+                <p:cond evt="onNext" delay="0">
+                  <p:tgtEl>
+                    <p:sldTgt/>
+                  </p:tgtEl>
+                </p:cond>
+              </p:nextCondLst>
+            </p:seq>
+          </p:childTnLst>
+        </p:cTn>
+      </p:par>
+    </p:tnLst>
+  </p:timing>
+</p:sld>
+</file>
+
+<file path=ppt/slides/slide23.xml><?xml version="1.0" encoding="utf-8"?>
+<p:sld xmlns:a="http://schemas.openxmlformats.org/drawingml/2006/main" xmlns:r="http://schemas.openxmlformats.org/officeDocument/2006/relationships" xmlns:p="http://schemas.openxmlformats.org/presentationml/2006/main">
+  <p:cSld>
+    <p:spTree>
+      <p:nvGrpSpPr>
+        <p:cNvPr id="1" name=""/>
+        <p:cNvGrpSpPr/>
+        <p:nvPr/>
+      </p:nvGrpSpPr>
+      <p:grpSpPr>
+        <a:xfrm>
+          <a:off x="0" y="0"/>
+          <a:ext cx="0" cy="0"/>
+          <a:chOff x="0" y="0"/>
+          <a:chExt cx="0" cy="0"/>
+        </a:xfrm>
+      </p:grpSpPr>
+      <p:sp>
+        <p:nvSpPr>
+          <p:cNvPr id="2" name="Titel 1">
+            <a:extLst>
+              <a:ext uri="{FF2B5EF4-FFF2-40B4-BE49-F238E27FC236}">
+                <a16:creationId xmlns:a16="http://schemas.microsoft.com/office/drawing/2014/main" id="{33C0C305-AA60-567E-2A12-EE4B3D8AED3C}"/>
+              </a:ext>
+            </a:extLst>
+          </p:cNvPr>
+          <p:cNvSpPr>
+            <a:spLocks noGrp="1"/>
+          </p:cNvSpPr>
+          <p:nvPr>
+            <p:ph type="title"/>
+          </p:nvPr>
+        </p:nvSpPr>
+        <p:spPr/>
+        <p:txBody>
+          <a:bodyPr/>
+          <a:lstStyle/>
+          <a:p>
+            <a:r>
+              <a:rPr lang="en-GB" dirty="0"/>
+              <a:t>Prevent ROP –</a:t>
+            </a:r>
+            <a:br>
+              <a:rPr lang="en-GB" dirty="0"/>
+            </a:br>
+            <a:r>
+              <a:rPr lang="en-GB" dirty="0"/>
+              <a:t>Address space layout Rand.</a:t>
+            </a:r>
+            <a:endParaRPr lang="en-AT" dirty="0"/>
+          </a:p>
+        </p:txBody>
+      </p:sp>
+      <p:sp>
+        <p:nvSpPr>
+          <p:cNvPr id="3" name="Bildplatzhalter 2">
+            <a:extLst>
+              <a:ext uri="{FF2B5EF4-FFF2-40B4-BE49-F238E27FC236}">
+                <a16:creationId xmlns:a16="http://schemas.microsoft.com/office/drawing/2014/main" id="{592AD94C-7BB0-489F-2373-397FA2F229A4}"/>
+              </a:ext>
+            </a:extLst>
+          </p:cNvPr>
+          <p:cNvSpPr>
+            <a:spLocks noGrp="1"/>
+          </p:cNvSpPr>
+          <p:nvPr>
+            <p:ph type="pic" sz="quarter" idx="13"/>
+          </p:nvPr>
+        </p:nvSpPr>
+        <p:spPr/>
+      </p:sp>
+      <p:sp>
+        <p:nvSpPr>
+          <p:cNvPr id="4" name="Textplatzhalter 3">
+            <a:extLst>
+              <a:ext uri="{FF2B5EF4-FFF2-40B4-BE49-F238E27FC236}">
+                <a16:creationId xmlns:a16="http://schemas.microsoft.com/office/drawing/2014/main" id="{BC056CF4-B5E2-6EC2-7D75-269DBD08E72E}"/>
+              </a:ext>
+            </a:extLst>
+          </p:cNvPr>
+          <p:cNvSpPr>
+            <a:spLocks noGrp="1"/>
+          </p:cNvSpPr>
+          <p:nvPr>
+            <p:ph type="body" sz="quarter" idx="25"/>
+          </p:nvPr>
+        </p:nvSpPr>
+        <p:spPr/>
+        <p:txBody>
+          <a:bodyPr/>
+          <a:lstStyle/>
+          <a:p>
+            <a:endParaRPr lang="en-AT"/>
+          </a:p>
+        </p:txBody>
+      </p:sp>
+      <p:sp>
+        <p:nvSpPr>
+          <p:cNvPr id="5" name="Fußzeilenplatzhalter 4">
+            <a:extLst>
+              <a:ext uri="{FF2B5EF4-FFF2-40B4-BE49-F238E27FC236}">
+                <a16:creationId xmlns:a16="http://schemas.microsoft.com/office/drawing/2014/main" id="{72AF1679-3473-3FCB-82F5-9226F980D00A}"/>
+              </a:ext>
+            </a:extLst>
+          </p:cNvPr>
+          <p:cNvSpPr>
+            <a:spLocks noGrp="1"/>
+          </p:cNvSpPr>
+          <p:nvPr>
+            <p:ph type="ftr" sz="quarter" idx="27"/>
+          </p:nvPr>
+        </p:nvSpPr>
+        <p:spPr/>
+        <p:txBody>
+          <a:bodyPr/>
+          <a:lstStyle/>
+          <a:p>
+            <a:r>
+              <a:rPr lang="de-AT" noProof="0"/>
+              <a:t>Platz für Autor und LVA-Nummer</a:t>
+            </a:r>
+            <a:endParaRPr lang="de-AT" noProof="0" dirty="0"/>
+          </a:p>
+        </p:txBody>
+      </p:sp>
+      <p:sp>
+        <p:nvSpPr>
+          <p:cNvPr id="6" name="Foliennummernplatzhalter 5">
+            <a:extLst>
+              <a:ext uri="{FF2B5EF4-FFF2-40B4-BE49-F238E27FC236}">
+                <a16:creationId xmlns:a16="http://schemas.microsoft.com/office/drawing/2014/main" id="{20839AD6-55E8-8FEC-A9BB-F270B2EB78BF}"/>
+              </a:ext>
+            </a:extLst>
+          </p:cNvPr>
+          <p:cNvSpPr>
+            <a:spLocks noGrp="1"/>
+          </p:cNvSpPr>
+          <p:nvPr>
+            <p:ph type="sldNum" sz="quarter" idx="28"/>
+          </p:nvPr>
+        </p:nvSpPr>
+        <p:spPr/>
+        <p:txBody>
+          <a:bodyPr/>
+          <a:lstStyle/>
+          <a:p>
+            <a:fld id="{DFB297D7-21D1-0549-A74D-BD032133048A}" type="slidenum">
+              <a:rPr lang="en-US" smtClean="0"/>
+              <a:pPr/>
+              <a:t>23</a:t>
+            </a:fld>
+            <a:endParaRPr lang="en-US" dirty="0"/>
+          </a:p>
+        </p:txBody>
+      </p:sp>
+      <p:sp>
+        <p:nvSpPr>
+          <p:cNvPr id="7" name="Inhaltsplatzhalter 6">
+            <a:extLst>
+              <a:ext uri="{FF2B5EF4-FFF2-40B4-BE49-F238E27FC236}">
+                <a16:creationId xmlns:a16="http://schemas.microsoft.com/office/drawing/2014/main" id="{443CA4A1-FFC6-25ED-A3FE-CAA585D4B24B}"/>
+              </a:ext>
+            </a:extLst>
+          </p:cNvPr>
+          <p:cNvSpPr>
+            <a:spLocks noGrp="1"/>
+          </p:cNvSpPr>
+          <p:nvPr>
+            <p:ph idx="1"/>
+          </p:nvPr>
+        </p:nvSpPr>
+        <p:spPr/>
+        <p:txBody>
+          <a:bodyPr/>
+          <a:lstStyle/>
+          <a:p>
+            <a:r>
+              <a:rPr lang="en-GB" dirty="0"/>
+              <a:t>Brute force to find instructions</a:t>
+            </a:r>
+          </a:p>
+          <a:p>
+            <a:r>
+              <a:rPr lang="en-GB" dirty="0"/>
+              <a:t>Gives valuable time</a:t>
+            </a:r>
+          </a:p>
+          <a:p>
+            <a:r>
+              <a:rPr lang="en-GB" dirty="0"/>
+              <a:t>Different granularity</a:t>
+            </a:r>
+          </a:p>
+          <a:p>
+            <a:pPr lvl="1"/>
+            <a:r>
+              <a:rPr lang="en-GB" dirty="0"/>
+              <a:t>Library-level</a:t>
+            </a:r>
+          </a:p>
+          <a:p>
+            <a:pPr lvl="1"/>
+            <a:r>
+              <a:rPr lang="en-GB" dirty="0"/>
+              <a:t>Function-level</a:t>
+            </a:r>
+          </a:p>
+          <a:p>
+            <a:r>
+              <a:rPr lang="en-GB" dirty="0"/>
+              <a:t>Usage of compiler possible</a:t>
+            </a:r>
+          </a:p>
+        </p:txBody>
+      </p:sp>
+      <p:pic>
+        <p:nvPicPr>
+          <p:cNvPr id="10" name="Grafik 9">
+            <a:extLst>
+              <a:ext uri="{FF2B5EF4-FFF2-40B4-BE49-F238E27FC236}">
+                <a16:creationId xmlns:a16="http://schemas.microsoft.com/office/drawing/2014/main" id="{004B9C93-A704-3AAB-CA85-179A243E376C}"/>
+              </a:ext>
+            </a:extLst>
+          </p:cNvPr>
+          <p:cNvPicPr>
+            <a:picLocks noChangeAspect="1"/>
+          </p:cNvPicPr>
+          <p:nvPr/>
+        </p:nvPicPr>
+        <p:blipFill>
+          <a:blip r:embed="rId2" cstate="print">
+            <a:extLst>
+              <a:ext uri="{28A0092B-C50C-407E-A947-70E740481C1C}">
+                <a14:useLocalDpi xmlns:a14="http://schemas.microsoft.com/office/drawing/2010/main" val="0"/>
+              </a:ext>
+            </a:extLst>
+          </a:blip>
+          <a:stretch>
+            <a:fillRect/>
+          </a:stretch>
+        </p:blipFill>
+        <p:spPr>
+          <a:xfrm>
+            <a:off x="6243506" y="1991292"/>
+            <a:ext cx="1437708" cy="1437708"/>
+          </a:xfrm>
+          <a:prstGeom prst="rect">
+            <a:avLst/>
+          </a:prstGeom>
+        </p:spPr>
+      </p:pic>
+    </p:spTree>
+    <p:extLst>
+      <p:ext uri="{BB962C8B-B14F-4D97-AF65-F5344CB8AC3E}">
+        <p14:creationId xmlns:p14="http://schemas.microsoft.com/office/powerpoint/2010/main" val="2978602432"/>
+      </p:ext>
+    </p:extLst>
+  </p:cSld>
+  <p:clrMapOvr>
+    <a:masterClrMapping/>
+  </p:clrMapOvr>
+</p:sld>
+</file>
+
+<file path=ppt/slides/slide24.xml><?xml version="1.0" encoding="utf-8"?>
+<p:sld xmlns:a="http://schemas.openxmlformats.org/drawingml/2006/main" xmlns:r="http://schemas.openxmlformats.org/officeDocument/2006/relationships" xmlns:p="http://schemas.openxmlformats.org/presentationml/2006/main">
+  <p:cSld>
+    <p:spTree>
+      <p:nvGrpSpPr>
+        <p:cNvPr id="1" name=""/>
+        <p:cNvGrpSpPr/>
+        <p:nvPr/>
+      </p:nvGrpSpPr>
+      <p:grpSpPr>
+        <a:xfrm>
+          <a:off x="0" y="0"/>
+          <a:ext cx="0" cy="0"/>
+          <a:chOff x="0" y="0"/>
+          <a:chExt cx="0" cy="0"/>
+        </a:xfrm>
+      </p:grpSpPr>
+      <p:sp>
+        <p:nvSpPr>
+          <p:cNvPr id="2" name="Titel 1">
+            <a:extLst>
+              <a:ext uri="{FF2B5EF4-FFF2-40B4-BE49-F238E27FC236}">
+                <a16:creationId xmlns:a16="http://schemas.microsoft.com/office/drawing/2014/main" id="{33C0C305-AA60-567E-2A12-EE4B3D8AED3C}"/>
+              </a:ext>
+            </a:extLst>
+          </p:cNvPr>
+          <p:cNvSpPr>
+            <a:spLocks noGrp="1"/>
+          </p:cNvSpPr>
+          <p:nvPr>
+            <p:ph type="title"/>
+          </p:nvPr>
+        </p:nvSpPr>
+        <p:spPr/>
+        <p:txBody>
+          <a:bodyPr/>
+          <a:lstStyle/>
+          <a:p>
+            <a:r>
+              <a:rPr lang="en-GB" dirty="0"/>
+              <a:t>DETECT ROP –</a:t>
+            </a:r>
+            <a:br>
+              <a:rPr lang="en-GB" dirty="0"/>
+            </a:br>
+            <a:r>
+              <a:rPr lang="en-GB" dirty="0"/>
+              <a:t>Return frequency</a:t>
+            </a:r>
+            <a:endParaRPr lang="en-AT" dirty="0"/>
+          </a:p>
+        </p:txBody>
+      </p:sp>
+      <p:sp>
+        <p:nvSpPr>
+          <p:cNvPr id="4" name="Textplatzhalter 3">
+            <a:extLst>
+              <a:ext uri="{FF2B5EF4-FFF2-40B4-BE49-F238E27FC236}">
+                <a16:creationId xmlns:a16="http://schemas.microsoft.com/office/drawing/2014/main" id="{BC056CF4-B5E2-6EC2-7D75-269DBD08E72E}"/>
+              </a:ext>
+            </a:extLst>
+          </p:cNvPr>
+          <p:cNvSpPr>
+            <a:spLocks noGrp="1"/>
+          </p:cNvSpPr>
+          <p:nvPr>
+            <p:ph type="body" sz="quarter" idx="25"/>
+          </p:nvPr>
+        </p:nvSpPr>
+        <p:spPr/>
+        <p:txBody>
+          <a:bodyPr/>
+          <a:lstStyle/>
+          <a:p>
+            <a:endParaRPr lang="en-AT"/>
+          </a:p>
+        </p:txBody>
+      </p:sp>
+      <p:sp>
+        <p:nvSpPr>
+          <p:cNvPr id="5" name="Fußzeilenplatzhalter 4">
+            <a:extLst>
+              <a:ext uri="{FF2B5EF4-FFF2-40B4-BE49-F238E27FC236}">
+                <a16:creationId xmlns:a16="http://schemas.microsoft.com/office/drawing/2014/main" id="{72AF1679-3473-3FCB-82F5-9226F980D00A}"/>
+              </a:ext>
+            </a:extLst>
+          </p:cNvPr>
+          <p:cNvSpPr>
+            <a:spLocks noGrp="1"/>
+          </p:cNvSpPr>
+          <p:nvPr>
+            <p:ph type="ftr" sz="quarter" idx="27"/>
+          </p:nvPr>
+        </p:nvSpPr>
+        <p:spPr/>
+        <p:txBody>
+          <a:bodyPr/>
+          <a:lstStyle/>
+          <a:p>
+            <a:r>
+              <a:rPr lang="de-AT" noProof="0"/>
+              <a:t>Platz für Autor und LVA-Nummer</a:t>
+            </a:r>
+            <a:endParaRPr lang="de-AT" noProof="0" dirty="0"/>
+          </a:p>
+        </p:txBody>
+      </p:sp>
+      <p:sp>
+        <p:nvSpPr>
+          <p:cNvPr id="6" name="Foliennummernplatzhalter 5">
+            <a:extLst>
+              <a:ext uri="{FF2B5EF4-FFF2-40B4-BE49-F238E27FC236}">
+                <a16:creationId xmlns:a16="http://schemas.microsoft.com/office/drawing/2014/main" id="{20839AD6-55E8-8FEC-A9BB-F270B2EB78BF}"/>
+              </a:ext>
+            </a:extLst>
+          </p:cNvPr>
+          <p:cNvSpPr>
+            <a:spLocks noGrp="1"/>
+          </p:cNvSpPr>
+          <p:nvPr>
+            <p:ph type="sldNum" sz="quarter" idx="28"/>
+          </p:nvPr>
+        </p:nvSpPr>
+        <p:spPr/>
+        <p:txBody>
+          <a:bodyPr/>
+          <a:lstStyle/>
+          <a:p>
+            <a:fld id="{DFB297D7-21D1-0549-A74D-BD032133048A}" type="slidenum">
+              <a:rPr lang="en-US" smtClean="0"/>
+              <a:pPr/>
+              <a:t>24</a:t>
+            </a:fld>
+            <a:endParaRPr lang="en-US" dirty="0"/>
+          </a:p>
+        </p:txBody>
+      </p:sp>
+      <p:sp>
+        <p:nvSpPr>
+          <p:cNvPr id="7" name="Inhaltsplatzhalter 6">
+            <a:extLst>
+              <a:ext uri="{FF2B5EF4-FFF2-40B4-BE49-F238E27FC236}">
+                <a16:creationId xmlns:a16="http://schemas.microsoft.com/office/drawing/2014/main" id="{443CA4A1-FFC6-25ED-A3FE-CAA585D4B24B}"/>
+              </a:ext>
+            </a:extLst>
+          </p:cNvPr>
+          <p:cNvSpPr>
+            <a:spLocks noGrp="1"/>
+          </p:cNvSpPr>
+          <p:nvPr>
+            <p:ph idx="1"/>
+          </p:nvPr>
+        </p:nvSpPr>
+        <p:spPr/>
+        <p:txBody>
+          <a:bodyPr/>
+          <a:lstStyle/>
+          <a:p>
+            <a:r>
+              <a:rPr lang="en-GB" dirty="0"/>
+              <a:t>ROP attack </a:t>
+            </a:r>
+            <a:r>
+              <a:rPr lang="en-GB" dirty="0">
+                <a:sym typeface="Wingdings" panose="05000000000000000000" pitchFamily="2" charset="2"/>
+              </a:rPr>
+              <a:t>= large number of small gadgets</a:t>
+            </a:r>
+          </a:p>
+          <a:p>
+            <a:r>
+              <a:rPr lang="en-GB" dirty="0">
+                <a:sym typeface="Wingdings" panose="05000000000000000000" pitchFamily="2" charset="2"/>
+              </a:rPr>
+              <a:t>End with return</a:t>
+            </a:r>
+          </a:p>
+          <a:p>
+            <a:r>
+              <a:rPr lang="en-GB" dirty="0">
+                <a:sym typeface="Wingdings" panose="05000000000000000000" pitchFamily="2" charset="2"/>
+              </a:rPr>
+              <a:t>Two metrics:</a:t>
+            </a:r>
+          </a:p>
+          <a:p>
+            <a:pPr lvl="1"/>
+            <a:r>
+              <a:rPr lang="en-GB" dirty="0">
+                <a:sym typeface="Wingdings" panose="05000000000000000000" pitchFamily="2" charset="2"/>
+              </a:rPr>
+              <a:t>Length of suspicious snippets</a:t>
+            </a:r>
+          </a:p>
+          <a:p>
+            <a:pPr lvl="1"/>
+            <a:r>
+              <a:rPr lang="en-GB" dirty="0">
+                <a:sym typeface="Wingdings" panose="05000000000000000000" pitchFamily="2" charset="2"/>
+              </a:rPr>
+              <a:t>Quantity of returns</a:t>
+            </a:r>
+          </a:p>
+          <a:p>
+            <a:r>
+              <a:rPr lang="en-GB" dirty="0">
+                <a:sym typeface="Wingdings" panose="05000000000000000000" pitchFamily="2" charset="2"/>
+              </a:rPr>
+              <a:t>DROP algorithm</a:t>
+            </a:r>
+          </a:p>
+          <a:p>
+            <a:pPr lvl="1"/>
+            <a:r>
+              <a:rPr lang="en-GB" dirty="0">
+                <a:sym typeface="Wingdings" panose="05000000000000000000" pitchFamily="2" charset="2"/>
+              </a:rPr>
+              <a:t>Every return = candidate</a:t>
+            </a:r>
+          </a:p>
+          <a:p>
+            <a:pPr lvl="1"/>
+            <a:r>
+              <a:rPr lang="en-GB" dirty="0">
+                <a:sym typeface="Wingdings" panose="05000000000000000000" pitchFamily="2" charset="2"/>
+              </a:rPr>
+              <a:t>Exceeding threshold leads to alarm</a:t>
+            </a:r>
+          </a:p>
+        </p:txBody>
+      </p:sp>
+      <p:pic>
+        <p:nvPicPr>
+          <p:cNvPr id="11" name="Grafik 10">
+            <a:extLst>
+              <a:ext uri="{FF2B5EF4-FFF2-40B4-BE49-F238E27FC236}">
+                <a16:creationId xmlns:a16="http://schemas.microsoft.com/office/drawing/2014/main" id="{2083E136-CE57-BFD3-9857-87F5FA415C59}"/>
+              </a:ext>
+            </a:extLst>
+          </p:cNvPr>
+          <p:cNvPicPr>
+            <a:picLocks noChangeAspect="1"/>
+          </p:cNvPicPr>
+          <p:nvPr/>
+        </p:nvPicPr>
+        <p:blipFill>
+          <a:blip r:embed="rId2" cstate="print">
+            <a:extLst>
+              <a:ext uri="{28A0092B-C50C-407E-A947-70E740481C1C}">
+                <a14:useLocalDpi xmlns:a14="http://schemas.microsoft.com/office/drawing/2010/main" val="0"/>
+              </a:ext>
+            </a:extLst>
+          </a:blip>
+          <a:stretch>
+            <a:fillRect/>
+          </a:stretch>
+        </p:blipFill>
+        <p:spPr>
+          <a:xfrm>
+            <a:off x="6940915" y="5854540"/>
+            <a:ext cx="1003460" cy="1003460"/>
+          </a:xfrm>
+          <a:prstGeom prst="rect">
+            <a:avLst/>
+          </a:prstGeom>
+        </p:spPr>
+      </p:pic>
+      <p:sp>
+        <p:nvSpPr>
+          <p:cNvPr id="13" name="Bildplatzhalter 12">
+            <a:extLst>
+              <a:ext uri="{FF2B5EF4-FFF2-40B4-BE49-F238E27FC236}">
+                <a16:creationId xmlns:a16="http://schemas.microsoft.com/office/drawing/2014/main" id="{43C10148-8872-8ECB-44E5-E3F5734390E0}"/>
+              </a:ext>
+            </a:extLst>
+          </p:cNvPr>
+          <p:cNvSpPr>
+            <a:spLocks noGrp="1"/>
+          </p:cNvSpPr>
+          <p:nvPr>
+            <p:ph type="pic" sz="quarter" idx="13"/>
+          </p:nvPr>
+        </p:nvSpPr>
+        <p:spPr/>
+      </p:sp>
+    </p:spTree>
+    <p:extLst>
+      <p:ext uri="{BB962C8B-B14F-4D97-AF65-F5344CB8AC3E}">
+        <p14:creationId xmlns:p14="http://schemas.microsoft.com/office/powerpoint/2010/main" val="1045274155"/>
+      </p:ext>
+    </p:extLst>
+  </p:cSld>
+  <p:clrMapOvr>
+    <a:masterClrMapping/>
+  </p:clrMapOvr>
+  <p:timing>
+    <p:tnLst>
+      <p:par>
+        <p:cTn id="1" dur="indefinite" restart="never" nodeType="tmRoot">
+          <p:childTnLst>
+            <p:seq concurrent="1" nextAc="seek">
+              <p:cTn id="2" dur="indefinite" nodeType="mainSeq">
+                <p:childTnLst>
+                  <p:par>
+                    <p:cTn id="3" fill="hold">
+                      <p:stCondLst>
+                        <p:cond delay="indefinite"/>
+                        <p:cond evt="onBegin" delay="0">
+                          <p:tn val="2"/>
+                        </p:cond>
+                      </p:stCondLst>
+                      <p:childTnLst>
+                        <p:par>
+                          <p:cTn id="4" fill="hold">
+                            <p:stCondLst>
+                              <p:cond delay="0"/>
+                            </p:stCondLst>
+                            <p:childTnLst>
+                              <p:par>
+                                <p:cTn id="5" presetID="2" presetClass="entr" presetSubtype="4" fill="hold" nodeType="withEffect">
+                                  <p:stCondLst>
+                                    <p:cond delay="0"/>
+                                  </p:stCondLst>
+                                  <p:childTnLst>
+                                    <p:set>
+                                      <p:cBhvr>
+                                        <p:cTn id="6" dur="1" fill="hold">
+                                          <p:stCondLst>
+                                            <p:cond delay="0"/>
+                                          </p:stCondLst>
+                                        </p:cTn>
+                                        <p:tgtEl>
+                                          <p:spTgt spid="11"/>
+                                        </p:tgtEl>
+                                        <p:attrNameLst>
+                                          <p:attrName>style.visibility</p:attrName>
+                                        </p:attrNameLst>
+                                      </p:cBhvr>
+                                      <p:to>
+                                        <p:strVal val="visible"/>
+                                      </p:to>
+                                    </p:set>
+                                    <p:anim calcmode="lin" valueType="num">
+                                      <p:cBhvr additive="base">
+                                        <p:cTn id="7" dur="3000" fill="hold"/>
+                                        <p:tgtEl>
+                                          <p:spTgt spid="11"/>
+                                        </p:tgtEl>
+                                        <p:attrNameLst>
+                                          <p:attrName>ppt_x</p:attrName>
+                                        </p:attrNameLst>
+                                      </p:cBhvr>
+                                      <p:tavLst>
+                                        <p:tav tm="0">
+                                          <p:val>
+                                            <p:strVal val="#ppt_x"/>
+                                          </p:val>
+                                        </p:tav>
+                                        <p:tav tm="100000">
+                                          <p:val>
+                                            <p:strVal val="#ppt_x"/>
+                                          </p:val>
+                                        </p:tav>
+                                      </p:tavLst>
+                                    </p:anim>
+                                    <p:anim calcmode="lin" valueType="num">
+                                      <p:cBhvr additive="base">
+                                        <p:cTn id="8" dur="3000" fill="hold"/>
+                                        <p:tgtEl>
+                                          <p:spTgt spid="11"/>
+                                        </p:tgtEl>
+                                        <p:attrNameLst>
+                                          <p:attrName>ppt_y</p:attrName>
+                                        </p:attrNameLst>
+                                      </p:cBhvr>
+                                      <p:tavLst>
+                                        <p:tav tm="0">
+                                          <p:val>
+                                            <p:strVal val="1+#ppt_h/2"/>
+                                          </p:val>
+                                        </p:tav>
+                                        <p:tav tm="100000">
+                                          <p:val>
+                                            <p:strVal val="#ppt_y"/>
+                                          </p:val>
+                                        </p:tav>
+                                      </p:tavLst>
+                                    </p:anim>
+                                  </p:childTnLst>
+                                </p:cTn>
+                              </p:par>
+                            </p:childTnLst>
+                          </p:cTn>
+                        </p:par>
+                      </p:childTnLst>
+                    </p:cTn>
+                  </p:par>
+                </p:childTnLst>
+              </p:cTn>
+              <p:prevCondLst>
+                <p:cond evt="onPrev" delay="0">
+                  <p:tgtEl>
+                    <p:sldTgt/>
+                  </p:tgtEl>
+                </p:cond>
+              </p:prevCondLst>
+              <p:nextCondLst>
+                <p:cond evt="onNext" delay="0">
+                  <p:tgtEl>
+                    <p:sldTgt/>
+                  </p:tgtEl>
+                </p:cond>
+              </p:nextCondLst>
+            </p:seq>
+          </p:childTnLst>
+        </p:cTn>
+      </p:par>
+    </p:tnLst>
+  </p:timing>
+</p:sld>
+</file>
+
+<file path=ppt/slides/slide25.xml><?xml version="1.0" encoding="utf-8"?>
+<p:sld xmlns:a="http://schemas.openxmlformats.org/drawingml/2006/main" xmlns:r="http://schemas.openxmlformats.org/officeDocument/2006/relationships" xmlns:p="http://schemas.openxmlformats.org/presentationml/2006/main">
+  <p:cSld>
+    <p:spTree>
+      <p:nvGrpSpPr>
+        <p:cNvPr id="1" name=""/>
+        <p:cNvGrpSpPr/>
+        <p:nvPr/>
+      </p:nvGrpSpPr>
+      <p:grpSpPr>
+        <a:xfrm>
+          <a:off x="0" y="0"/>
+          <a:ext cx="0" cy="0"/>
+          <a:chOff x="0" y="0"/>
+          <a:chExt cx="0" cy="0"/>
+        </a:xfrm>
+      </p:grpSpPr>
+      <p:sp>
+        <p:nvSpPr>
+          <p:cNvPr id="2" name="Titel 1">
+            <a:extLst>
+              <a:ext uri="{FF2B5EF4-FFF2-40B4-BE49-F238E27FC236}">
+                <a16:creationId xmlns:a16="http://schemas.microsoft.com/office/drawing/2014/main" id="{33C0C305-AA60-567E-2A12-EE4B3D8AED3C}"/>
+              </a:ext>
+            </a:extLst>
+          </p:cNvPr>
+          <p:cNvSpPr>
+            <a:spLocks noGrp="1"/>
+          </p:cNvSpPr>
+          <p:nvPr>
+            <p:ph type="title"/>
+          </p:nvPr>
+        </p:nvSpPr>
+        <p:spPr/>
+        <p:txBody>
+          <a:bodyPr/>
+          <a:lstStyle/>
+          <a:p>
+            <a:r>
+              <a:rPr lang="en-GB" dirty="0"/>
+              <a:t>DETECT ROP –</a:t>
+            </a:r>
+            <a:br>
+              <a:rPr lang="en-GB" dirty="0"/>
+            </a:br>
+            <a:r>
+              <a:rPr lang="en-GB" dirty="0"/>
+              <a:t>CHANGE in control flow</a:t>
+            </a:r>
+            <a:endParaRPr lang="en-AT" dirty="0"/>
+          </a:p>
+        </p:txBody>
+      </p:sp>
+      <p:sp>
+        <p:nvSpPr>
+          <p:cNvPr id="4" name="Textplatzhalter 3">
+            <a:extLst>
+              <a:ext uri="{FF2B5EF4-FFF2-40B4-BE49-F238E27FC236}">
+                <a16:creationId xmlns:a16="http://schemas.microsoft.com/office/drawing/2014/main" id="{BC056CF4-B5E2-6EC2-7D75-269DBD08E72E}"/>
+              </a:ext>
+            </a:extLst>
+          </p:cNvPr>
+          <p:cNvSpPr>
+            <a:spLocks noGrp="1"/>
+          </p:cNvSpPr>
+          <p:nvPr>
+            <p:ph type="body" sz="quarter" idx="25"/>
+          </p:nvPr>
+        </p:nvSpPr>
+        <p:spPr/>
+        <p:txBody>
+          <a:bodyPr/>
+          <a:lstStyle/>
+          <a:p>
+            <a:endParaRPr lang="en-AT"/>
+          </a:p>
+        </p:txBody>
+      </p:sp>
+      <p:sp>
+        <p:nvSpPr>
+          <p:cNvPr id="5" name="Fußzeilenplatzhalter 4">
+            <a:extLst>
+              <a:ext uri="{FF2B5EF4-FFF2-40B4-BE49-F238E27FC236}">
+                <a16:creationId xmlns:a16="http://schemas.microsoft.com/office/drawing/2014/main" id="{72AF1679-3473-3FCB-82F5-9226F980D00A}"/>
+              </a:ext>
+            </a:extLst>
+          </p:cNvPr>
+          <p:cNvSpPr>
+            <a:spLocks noGrp="1"/>
+          </p:cNvSpPr>
+          <p:nvPr>
+            <p:ph type="ftr" sz="quarter" idx="27"/>
+          </p:nvPr>
+        </p:nvSpPr>
+        <p:spPr/>
+        <p:txBody>
+          <a:bodyPr/>
+          <a:lstStyle/>
+          <a:p>
+            <a:r>
+              <a:rPr lang="de-AT" noProof="0"/>
+              <a:t>Platz für Autor und LVA-Nummer</a:t>
+            </a:r>
+            <a:endParaRPr lang="de-AT" noProof="0" dirty="0"/>
+          </a:p>
+        </p:txBody>
+      </p:sp>
+      <p:sp>
+        <p:nvSpPr>
+          <p:cNvPr id="6" name="Foliennummernplatzhalter 5">
+            <a:extLst>
+              <a:ext uri="{FF2B5EF4-FFF2-40B4-BE49-F238E27FC236}">
+                <a16:creationId xmlns:a16="http://schemas.microsoft.com/office/drawing/2014/main" id="{20839AD6-55E8-8FEC-A9BB-F270B2EB78BF}"/>
+              </a:ext>
+            </a:extLst>
+          </p:cNvPr>
+          <p:cNvSpPr>
+            <a:spLocks noGrp="1"/>
+          </p:cNvSpPr>
+          <p:nvPr>
+            <p:ph type="sldNum" sz="quarter" idx="28"/>
+          </p:nvPr>
+        </p:nvSpPr>
+        <p:spPr/>
+        <p:txBody>
+          <a:bodyPr/>
+          <a:lstStyle/>
+          <a:p>
+            <a:fld id="{DFB297D7-21D1-0549-A74D-BD032133048A}" type="slidenum">
+              <a:rPr lang="en-US" smtClean="0"/>
+              <a:pPr/>
+              <a:t>25</a:t>
+            </a:fld>
+            <a:endParaRPr lang="en-US" dirty="0"/>
+          </a:p>
+        </p:txBody>
+      </p:sp>
+      <p:sp>
+        <p:nvSpPr>
+          <p:cNvPr id="7" name="Inhaltsplatzhalter 6">
+            <a:extLst>
+              <a:ext uri="{FF2B5EF4-FFF2-40B4-BE49-F238E27FC236}">
+                <a16:creationId xmlns:a16="http://schemas.microsoft.com/office/drawing/2014/main" id="{443CA4A1-FFC6-25ED-A3FE-CAA585D4B24B}"/>
+              </a:ext>
+            </a:extLst>
+          </p:cNvPr>
+          <p:cNvSpPr>
+            <a:spLocks noGrp="1"/>
+          </p:cNvSpPr>
+          <p:nvPr>
+            <p:ph idx="1"/>
+          </p:nvPr>
+        </p:nvSpPr>
+        <p:spPr/>
+        <p:txBody>
+          <a:bodyPr/>
+          <a:lstStyle/>
+          <a:p>
+            <a:r>
+              <a:rPr lang="en-GB" dirty="0"/>
+              <a:t>Expected order of execution</a:t>
+            </a:r>
+          </a:p>
+          <a:p>
+            <a:r>
+              <a:rPr lang="en-GB" dirty="0"/>
+              <a:t>Deviation = manipulation</a:t>
+            </a:r>
+          </a:p>
+          <a:p>
+            <a:r>
+              <a:rPr lang="en-GB" dirty="0"/>
+              <a:t>Check branches:</a:t>
+            </a:r>
+          </a:p>
+          <a:p>
+            <a:pPr lvl="1"/>
+            <a:r>
+              <a:rPr lang="en-GB" dirty="0"/>
+              <a:t>cond./</a:t>
+            </a:r>
+            <a:r>
+              <a:rPr lang="en-GB" dirty="0" err="1"/>
+              <a:t>uncond</a:t>
+            </a:r>
+            <a:r>
+              <a:rPr lang="en-GB" dirty="0"/>
+              <a:t>. Jumps</a:t>
+            </a:r>
+          </a:p>
+          <a:p>
+            <a:pPr lvl="1"/>
+            <a:r>
+              <a:rPr lang="en-GB" dirty="0"/>
+              <a:t>Returns</a:t>
+            </a:r>
+          </a:p>
+          <a:p>
+            <a:pPr lvl="1"/>
+            <a:r>
+              <a:rPr lang="en-GB" dirty="0"/>
+              <a:t>Function calls</a:t>
+            </a:r>
+          </a:p>
+        </p:txBody>
+      </p:sp>
+      <p:pic>
+        <p:nvPicPr>
+          <p:cNvPr id="11" name="Grafik 10">
+            <a:extLst>
+              <a:ext uri="{FF2B5EF4-FFF2-40B4-BE49-F238E27FC236}">
+                <a16:creationId xmlns:a16="http://schemas.microsoft.com/office/drawing/2014/main" id="{2083E136-CE57-BFD3-9857-87F5FA415C59}"/>
+              </a:ext>
+            </a:extLst>
+          </p:cNvPr>
+          <p:cNvPicPr>
+            <a:picLocks noChangeAspect="1"/>
+          </p:cNvPicPr>
+          <p:nvPr/>
+        </p:nvPicPr>
+        <p:blipFill>
+          <a:blip r:embed="rId2" cstate="print">
+            <a:extLst>
+              <a:ext uri="{28A0092B-C50C-407E-A947-70E740481C1C}">
+                <a14:useLocalDpi xmlns:a14="http://schemas.microsoft.com/office/drawing/2010/main" val="0"/>
+              </a:ext>
+            </a:extLst>
+          </a:blip>
+          <a:stretch>
+            <a:fillRect/>
+          </a:stretch>
+        </p:blipFill>
+        <p:spPr>
+          <a:xfrm>
+            <a:off x="6940915" y="5854540"/>
+            <a:ext cx="1003460" cy="1003460"/>
+          </a:xfrm>
+          <a:prstGeom prst="rect">
+            <a:avLst/>
+          </a:prstGeom>
+        </p:spPr>
+      </p:pic>
+      <p:sp>
+        <p:nvSpPr>
+          <p:cNvPr id="13" name="Bildplatzhalter 12">
+            <a:extLst>
+              <a:ext uri="{FF2B5EF4-FFF2-40B4-BE49-F238E27FC236}">
+                <a16:creationId xmlns:a16="http://schemas.microsoft.com/office/drawing/2014/main" id="{43C10148-8872-8ECB-44E5-E3F5734390E0}"/>
+              </a:ext>
+            </a:extLst>
+          </p:cNvPr>
+          <p:cNvSpPr>
+            <a:spLocks noGrp="1"/>
+          </p:cNvSpPr>
+          <p:nvPr>
+            <p:ph type="pic" sz="quarter" idx="13"/>
+          </p:nvPr>
+        </p:nvSpPr>
+        <p:spPr/>
+      </p:sp>
+    </p:spTree>
+    <p:extLst>
+      <p:ext uri="{BB962C8B-B14F-4D97-AF65-F5344CB8AC3E}">
+        <p14:creationId xmlns:p14="http://schemas.microsoft.com/office/powerpoint/2010/main" val="1796672047"/>
+      </p:ext>
+    </p:extLst>
+  </p:cSld>
+  <p:clrMapOvr>
+    <a:masterClrMapping/>
+  </p:clrMapOvr>
+</p:sld>
+</file>
+
+<file path=ppt/slides/slide26.xml><?xml version="1.0" encoding="utf-8"?>
+<p:sld xmlns:a="http://schemas.openxmlformats.org/drawingml/2006/main" xmlns:r="http://schemas.openxmlformats.org/officeDocument/2006/relationships" xmlns:p="http://schemas.openxmlformats.org/presentationml/2006/main">
+  <p:cSld>
+    <p:spTree>
+      <p:nvGrpSpPr>
+        <p:cNvPr id="1" name=""/>
+        <p:cNvGrpSpPr/>
+        <p:nvPr/>
+      </p:nvGrpSpPr>
+      <p:grpSpPr>
+        <a:xfrm>
+          <a:off x="0" y="0"/>
+          <a:ext cx="0" cy="0"/>
+          <a:chOff x="0" y="0"/>
+          <a:chExt cx="0" cy="0"/>
+        </a:xfrm>
+      </p:grpSpPr>
+      <p:sp>
+        <p:nvSpPr>
+          <p:cNvPr id="2" name="Titel 1">
+            <a:extLst>
+              <a:ext uri="{FF2B5EF4-FFF2-40B4-BE49-F238E27FC236}">
+                <a16:creationId xmlns:a16="http://schemas.microsoft.com/office/drawing/2014/main" id="{33C0C305-AA60-567E-2A12-EE4B3D8AED3C}"/>
+              </a:ext>
+            </a:extLst>
+          </p:cNvPr>
+          <p:cNvSpPr>
+            <a:spLocks noGrp="1"/>
+          </p:cNvSpPr>
+          <p:nvPr>
+            <p:ph type="title"/>
+          </p:nvPr>
+        </p:nvSpPr>
+        <p:spPr/>
+        <p:txBody>
+          <a:bodyPr/>
+          <a:lstStyle/>
+          <a:p>
+            <a:r>
+              <a:rPr lang="en-GB" dirty="0"/>
+              <a:t>DETECT ROP –</a:t>
+            </a:r>
+            <a:br>
+              <a:rPr lang="en-GB" dirty="0"/>
+            </a:br>
+            <a:r>
+              <a:rPr lang="en-GB" dirty="0"/>
+              <a:t>CHANGE in control flow</a:t>
+            </a:r>
+            <a:endParaRPr lang="en-AT" dirty="0"/>
+          </a:p>
+        </p:txBody>
+      </p:sp>
+      <p:sp>
+        <p:nvSpPr>
+          <p:cNvPr id="4" name="Textplatzhalter 3">
+            <a:extLst>
+              <a:ext uri="{FF2B5EF4-FFF2-40B4-BE49-F238E27FC236}">
+                <a16:creationId xmlns:a16="http://schemas.microsoft.com/office/drawing/2014/main" id="{BC056CF4-B5E2-6EC2-7D75-269DBD08E72E}"/>
+              </a:ext>
+            </a:extLst>
+          </p:cNvPr>
+          <p:cNvSpPr>
+            <a:spLocks noGrp="1"/>
+          </p:cNvSpPr>
+          <p:nvPr>
+            <p:ph type="body" sz="quarter" idx="25"/>
+          </p:nvPr>
+        </p:nvSpPr>
+        <p:spPr/>
+        <p:txBody>
+          <a:bodyPr/>
+          <a:lstStyle/>
+          <a:p>
+            <a:endParaRPr lang="en-AT"/>
+          </a:p>
+        </p:txBody>
+      </p:sp>
+      <p:sp>
+        <p:nvSpPr>
+          <p:cNvPr id="5" name="Fußzeilenplatzhalter 4">
+            <a:extLst>
+              <a:ext uri="{FF2B5EF4-FFF2-40B4-BE49-F238E27FC236}">
+                <a16:creationId xmlns:a16="http://schemas.microsoft.com/office/drawing/2014/main" id="{72AF1679-3473-3FCB-82F5-9226F980D00A}"/>
+              </a:ext>
+            </a:extLst>
+          </p:cNvPr>
+          <p:cNvSpPr>
+            <a:spLocks noGrp="1"/>
+          </p:cNvSpPr>
+          <p:nvPr>
+            <p:ph type="ftr" sz="quarter" idx="27"/>
+          </p:nvPr>
+        </p:nvSpPr>
+        <p:spPr/>
+        <p:txBody>
+          <a:bodyPr/>
+          <a:lstStyle/>
+          <a:p>
+            <a:r>
+              <a:rPr lang="de-AT" noProof="0"/>
+              <a:t>Platz für Autor und LVA-Nummer</a:t>
+            </a:r>
+            <a:endParaRPr lang="de-AT" noProof="0" dirty="0"/>
+          </a:p>
+        </p:txBody>
+      </p:sp>
+      <p:sp>
+        <p:nvSpPr>
+          <p:cNvPr id="6" name="Foliennummernplatzhalter 5">
+            <a:extLst>
+              <a:ext uri="{FF2B5EF4-FFF2-40B4-BE49-F238E27FC236}">
+                <a16:creationId xmlns:a16="http://schemas.microsoft.com/office/drawing/2014/main" id="{20839AD6-55E8-8FEC-A9BB-F270B2EB78BF}"/>
+              </a:ext>
+            </a:extLst>
+          </p:cNvPr>
+          <p:cNvSpPr>
+            <a:spLocks noGrp="1"/>
+          </p:cNvSpPr>
+          <p:nvPr>
+            <p:ph type="sldNum" sz="quarter" idx="28"/>
+          </p:nvPr>
+        </p:nvSpPr>
+        <p:spPr/>
+        <p:txBody>
+          <a:bodyPr/>
+          <a:lstStyle/>
+          <a:p>
+            <a:fld id="{DFB297D7-21D1-0549-A74D-BD032133048A}" type="slidenum">
+              <a:rPr lang="en-US" smtClean="0"/>
+              <a:pPr/>
+              <a:t>26</a:t>
+            </a:fld>
+            <a:endParaRPr lang="en-US" dirty="0"/>
+          </a:p>
+        </p:txBody>
+      </p:sp>
+      <p:sp>
+        <p:nvSpPr>
+          <p:cNvPr id="7" name="Inhaltsplatzhalter 6">
+            <a:extLst>
+              <a:ext uri="{FF2B5EF4-FFF2-40B4-BE49-F238E27FC236}">
+                <a16:creationId xmlns:a16="http://schemas.microsoft.com/office/drawing/2014/main" id="{443CA4A1-FFC6-25ED-A3FE-CAA585D4B24B}"/>
+              </a:ext>
+            </a:extLst>
+          </p:cNvPr>
+          <p:cNvSpPr>
+            <a:spLocks noGrp="1"/>
+          </p:cNvSpPr>
+          <p:nvPr>
+            <p:ph idx="1"/>
+          </p:nvPr>
+        </p:nvSpPr>
+        <p:spPr/>
+        <p:txBody>
+          <a:bodyPr/>
+          <a:lstStyle/>
+          <a:p>
+            <a:r>
+              <a:rPr lang="en-GB" dirty="0"/>
+              <a:t>Static approach</a:t>
+            </a:r>
+          </a:p>
+          <a:p>
+            <a:pPr lvl="1"/>
+            <a:r>
+              <a:rPr lang="en-GB" dirty="0"/>
+              <a:t>Model in graph (CFG)</a:t>
+            </a:r>
+          </a:p>
+          <a:p>
+            <a:pPr lvl="1"/>
+            <a:r>
+              <a:rPr lang="en-GB" dirty="0"/>
+              <a:t>Hols possible paths (and memory destinations)</a:t>
+            </a:r>
+          </a:p>
+          <a:p>
+            <a:pPr lvl="1"/>
+            <a:r>
+              <a:rPr lang="en-GB" dirty="0"/>
+              <a:t>Static source code/binary analysis</a:t>
+            </a:r>
+          </a:p>
+          <a:p>
+            <a:pPr lvl="1"/>
+            <a:r>
+              <a:rPr lang="en-GB" dirty="0"/>
+              <a:t>If branch is not in graph </a:t>
+            </a:r>
+            <a:r>
+              <a:rPr lang="en-GB" dirty="0">
+                <a:sym typeface="Wingdings" panose="05000000000000000000" pitchFamily="2" charset="2"/>
+              </a:rPr>
+              <a:t> control-flow integrity error</a:t>
+            </a:r>
+          </a:p>
+          <a:p>
+            <a:r>
+              <a:rPr lang="en-GB" dirty="0">
+                <a:sym typeface="Wingdings" panose="05000000000000000000" pitchFamily="2" charset="2"/>
+              </a:rPr>
+              <a:t>What about destination computations at runtime?</a:t>
+            </a:r>
+            <a:endParaRPr lang="en-GB" dirty="0"/>
+          </a:p>
+        </p:txBody>
+      </p:sp>
+      <p:pic>
+        <p:nvPicPr>
+          <p:cNvPr id="11" name="Grafik 10">
+            <a:extLst>
+              <a:ext uri="{FF2B5EF4-FFF2-40B4-BE49-F238E27FC236}">
+                <a16:creationId xmlns:a16="http://schemas.microsoft.com/office/drawing/2014/main" id="{2083E136-CE57-BFD3-9857-87F5FA415C59}"/>
+              </a:ext>
+            </a:extLst>
+          </p:cNvPr>
+          <p:cNvPicPr>
+            <a:picLocks noChangeAspect="1"/>
+          </p:cNvPicPr>
+          <p:nvPr/>
+        </p:nvPicPr>
+        <p:blipFill>
+          <a:blip r:embed="rId2" cstate="print">
+            <a:extLst>
+              <a:ext uri="{28A0092B-C50C-407E-A947-70E740481C1C}">
+                <a14:useLocalDpi xmlns:a14="http://schemas.microsoft.com/office/drawing/2010/main" val="0"/>
+              </a:ext>
+            </a:extLst>
+          </a:blip>
+          <a:stretch>
+            <a:fillRect/>
+          </a:stretch>
+        </p:blipFill>
+        <p:spPr>
+          <a:xfrm>
+            <a:off x="6940915" y="5854540"/>
+            <a:ext cx="1003460" cy="1003460"/>
+          </a:xfrm>
+          <a:prstGeom prst="rect">
+            <a:avLst/>
+          </a:prstGeom>
+        </p:spPr>
+      </p:pic>
+      <p:sp>
+        <p:nvSpPr>
+          <p:cNvPr id="13" name="Bildplatzhalter 12">
+            <a:extLst>
+              <a:ext uri="{FF2B5EF4-FFF2-40B4-BE49-F238E27FC236}">
+                <a16:creationId xmlns:a16="http://schemas.microsoft.com/office/drawing/2014/main" id="{43C10148-8872-8ECB-44E5-E3F5734390E0}"/>
+              </a:ext>
+            </a:extLst>
+          </p:cNvPr>
+          <p:cNvSpPr>
+            <a:spLocks noGrp="1"/>
+          </p:cNvSpPr>
+          <p:nvPr>
+            <p:ph type="pic" sz="quarter" idx="13"/>
+          </p:nvPr>
+        </p:nvSpPr>
+        <p:spPr/>
+      </p:sp>
+    </p:spTree>
+    <p:extLst>
+      <p:ext uri="{BB962C8B-B14F-4D97-AF65-F5344CB8AC3E}">
+        <p14:creationId xmlns:p14="http://schemas.microsoft.com/office/powerpoint/2010/main" val="1745426892"/>
+      </p:ext>
+    </p:extLst>
+  </p:cSld>
+  <p:clrMapOvr>
+    <a:masterClrMapping/>
+  </p:clrMapOvr>
+</p:sld>
+</file>
+
+<file path=ppt/slides/slide27.xml><?xml version="1.0" encoding="utf-8"?>
+<p:sld xmlns:a="http://schemas.openxmlformats.org/drawingml/2006/main" xmlns:r="http://schemas.openxmlformats.org/officeDocument/2006/relationships" xmlns:p="http://schemas.openxmlformats.org/presentationml/2006/main">
+  <p:cSld>
+    <p:spTree>
+      <p:nvGrpSpPr>
+        <p:cNvPr id="1" name=""/>
+        <p:cNvGrpSpPr/>
+        <p:nvPr/>
+      </p:nvGrpSpPr>
+      <p:grpSpPr>
+        <a:xfrm>
+          <a:off x="0" y="0"/>
+          <a:ext cx="0" cy="0"/>
+          <a:chOff x="0" y="0"/>
+          <a:chExt cx="0" cy="0"/>
+        </a:xfrm>
+      </p:grpSpPr>
+      <p:sp>
+        <p:nvSpPr>
+          <p:cNvPr id="2" name="Titel 1">
+            <a:extLst>
+              <a:ext uri="{FF2B5EF4-FFF2-40B4-BE49-F238E27FC236}">
+                <a16:creationId xmlns:a16="http://schemas.microsoft.com/office/drawing/2014/main" id="{33C0C305-AA60-567E-2A12-EE4B3D8AED3C}"/>
+              </a:ext>
+            </a:extLst>
+          </p:cNvPr>
+          <p:cNvSpPr>
+            <a:spLocks noGrp="1"/>
+          </p:cNvSpPr>
+          <p:nvPr>
+            <p:ph type="title"/>
+          </p:nvPr>
+        </p:nvSpPr>
+        <p:spPr/>
+        <p:txBody>
+          <a:bodyPr/>
+          <a:lstStyle/>
+          <a:p>
+            <a:r>
+              <a:rPr lang="en-GB" dirty="0"/>
+              <a:t>DETECT ROP –</a:t>
+            </a:r>
+            <a:br>
+              <a:rPr lang="en-GB" dirty="0"/>
+            </a:br>
+            <a:r>
+              <a:rPr lang="en-GB" dirty="0"/>
+              <a:t>CHANGE in control flow</a:t>
+            </a:r>
+            <a:endParaRPr lang="en-AT" dirty="0"/>
+          </a:p>
+        </p:txBody>
+      </p:sp>
+      <p:sp>
+        <p:nvSpPr>
+          <p:cNvPr id="4" name="Textplatzhalter 3">
+            <a:extLst>
+              <a:ext uri="{FF2B5EF4-FFF2-40B4-BE49-F238E27FC236}">
+                <a16:creationId xmlns:a16="http://schemas.microsoft.com/office/drawing/2014/main" id="{BC056CF4-B5E2-6EC2-7D75-269DBD08E72E}"/>
+              </a:ext>
+            </a:extLst>
+          </p:cNvPr>
+          <p:cNvSpPr>
+            <a:spLocks noGrp="1"/>
+          </p:cNvSpPr>
+          <p:nvPr>
+            <p:ph type="body" sz="quarter" idx="25"/>
+          </p:nvPr>
+        </p:nvSpPr>
+        <p:spPr/>
+        <p:txBody>
+          <a:bodyPr/>
+          <a:lstStyle/>
+          <a:p>
+            <a:endParaRPr lang="en-AT"/>
+          </a:p>
+        </p:txBody>
+      </p:sp>
+      <p:sp>
+        <p:nvSpPr>
+          <p:cNvPr id="5" name="Fußzeilenplatzhalter 4">
+            <a:extLst>
+              <a:ext uri="{FF2B5EF4-FFF2-40B4-BE49-F238E27FC236}">
+                <a16:creationId xmlns:a16="http://schemas.microsoft.com/office/drawing/2014/main" id="{72AF1679-3473-3FCB-82F5-9226F980D00A}"/>
+              </a:ext>
+            </a:extLst>
+          </p:cNvPr>
+          <p:cNvSpPr>
+            <a:spLocks noGrp="1"/>
+          </p:cNvSpPr>
+          <p:nvPr>
+            <p:ph type="ftr" sz="quarter" idx="27"/>
+          </p:nvPr>
+        </p:nvSpPr>
+        <p:spPr/>
+        <p:txBody>
+          <a:bodyPr/>
+          <a:lstStyle/>
+          <a:p>
+            <a:r>
+              <a:rPr lang="de-AT" noProof="0"/>
+              <a:t>Platz für Autor und LVA-Nummer</a:t>
+            </a:r>
+            <a:endParaRPr lang="de-AT" noProof="0" dirty="0"/>
+          </a:p>
+        </p:txBody>
+      </p:sp>
+      <p:sp>
+        <p:nvSpPr>
+          <p:cNvPr id="6" name="Foliennummernplatzhalter 5">
+            <a:extLst>
+              <a:ext uri="{FF2B5EF4-FFF2-40B4-BE49-F238E27FC236}">
+                <a16:creationId xmlns:a16="http://schemas.microsoft.com/office/drawing/2014/main" id="{20839AD6-55E8-8FEC-A9BB-F270B2EB78BF}"/>
+              </a:ext>
+            </a:extLst>
+          </p:cNvPr>
+          <p:cNvSpPr>
+            <a:spLocks noGrp="1"/>
+          </p:cNvSpPr>
+          <p:nvPr>
+            <p:ph type="sldNum" sz="quarter" idx="28"/>
+          </p:nvPr>
+        </p:nvSpPr>
+        <p:spPr/>
+        <p:txBody>
+          <a:bodyPr/>
+          <a:lstStyle/>
+          <a:p>
+            <a:fld id="{DFB297D7-21D1-0549-A74D-BD032133048A}" type="slidenum">
+              <a:rPr lang="en-US" smtClean="0"/>
+              <a:pPr/>
+              <a:t>27</a:t>
+            </a:fld>
+            <a:endParaRPr lang="en-US" dirty="0"/>
+          </a:p>
+        </p:txBody>
+      </p:sp>
+      <p:sp>
+        <p:nvSpPr>
+          <p:cNvPr id="7" name="Inhaltsplatzhalter 6">
+            <a:extLst>
+              <a:ext uri="{FF2B5EF4-FFF2-40B4-BE49-F238E27FC236}">
+                <a16:creationId xmlns:a16="http://schemas.microsoft.com/office/drawing/2014/main" id="{443CA4A1-FFC6-25ED-A3FE-CAA585D4B24B}"/>
+              </a:ext>
+            </a:extLst>
+          </p:cNvPr>
+          <p:cNvSpPr>
+            <a:spLocks noGrp="1"/>
+          </p:cNvSpPr>
+          <p:nvPr>
+            <p:ph idx="1"/>
+          </p:nvPr>
+        </p:nvSpPr>
+        <p:spPr/>
+        <p:txBody>
+          <a:bodyPr/>
+          <a:lstStyle/>
+          <a:p>
+            <a:r>
+              <a:rPr lang="en-GB" dirty="0"/>
+              <a:t>Dynamic approach</a:t>
+            </a:r>
+          </a:p>
+          <a:p>
+            <a:pPr lvl="1"/>
+            <a:r>
+              <a:rPr lang="en-GB" dirty="0"/>
+              <a:t>Define a set of valid targets</a:t>
+            </a:r>
+          </a:p>
+          <a:p>
+            <a:pPr lvl="2"/>
+            <a:r>
+              <a:rPr lang="en-GB" dirty="0"/>
+              <a:t>Can be very slow </a:t>
+            </a:r>
+            <a:r>
+              <a:rPr lang="en-GB" dirty="0">
+                <a:sym typeface="Wingdings" panose="05000000000000000000" pitchFamily="2" charset="2"/>
+              </a:rPr>
+              <a:t> not practical</a:t>
+            </a:r>
+          </a:p>
+          <a:p>
+            <a:pPr lvl="1"/>
+            <a:r>
+              <a:rPr lang="en-GB" dirty="0">
+                <a:sym typeface="Wingdings" panose="05000000000000000000" pitchFamily="2" charset="2"/>
+              </a:rPr>
+              <a:t>Or insert bit pattern</a:t>
+            </a:r>
+          </a:p>
+          <a:p>
+            <a:pPr lvl="2"/>
+            <a:r>
+              <a:rPr lang="en-GB" dirty="0">
+                <a:sym typeface="Wingdings" panose="05000000000000000000" pitchFamily="2" charset="2"/>
+              </a:rPr>
+              <a:t>Resembles ID</a:t>
+            </a:r>
+          </a:p>
+          <a:p>
+            <a:pPr lvl="2"/>
+            <a:r>
+              <a:rPr lang="en-GB" dirty="0">
+                <a:sym typeface="Wingdings" panose="05000000000000000000" pitchFamily="2" charset="2"/>
+              </a:rPr>
+              <a:t>Equivalence classes</a:t>
+            </a:r>
+          </a:p>
+          <a:p>
+            <a:pPr lvl="2"/>
+            <a:r>
+              <a:rPr lang="en-GB" dirty="0">
+                <a:sym typeface="Wingdings" panose="05000000000000000000" pitchFamily="2" charset="2"/>
+              </a:rPr>
+              <a:t>Incoming edges from same sources  destinations are seen as equal</a:t>
+            </a:r>
+          </a:p>
+          <a:p>
+            <a:pPr lvl="2"/>
+            <a:r>
+              <a:rPr lang="en-GB" dirty="0">
+                <a:sym typeface="Wingdings" panose="05000000000000000000" pitchFamily="2" charset="2"/>
+              </a:rPr>
+              <a:t>Source wants to jump to another destination</a:t>
+            </a:r>
+          </a:p>
+          <a:p>
+            <a:pPr lvl="1"/>
+            <a:r>
+              <a:rPr lang="en-GB" dirty="0">
+                <a:sym typeface="Wingdings" panose="05000000000000000000" pitchFamily="2" charset="2"/>
+              </a:rPr>
+              <a:t>… and checks for bit patterns</a:t>
+            </a:r>
+          </a:p>
+        </p:txBody>
+      </p:sp>
+      <p:pic>
+        <p:nvPicPr>
+          <p:cNvPr id="11" name="Grafik 10">
+            <a:extLst>
+              <a:ext uri="{FF2B5EF4-FFF2-40B4-BE49-F238E27FC236}">
+                <a16:creationId xmlns:a16="http://schemas.microsoft.com/office/drawing/2014/main" id="{2083E136-CE57-BFD3-9857-87F5FA415C59}"/>
+              </a:ext>
+            </a:extLst>
+          </p:cNvPr>
+          <p:cNvPicPr>
+            <a:picLocks noChangeAspect="1"/>
+          </p:cNvPicPr>
+          <p:nvPr/>
+        </p:nvPicPr>
+        <p:blipFill>
+          <a:blip r:embed="rId2" cstate="print">
+            <a:extLst>
+              <a:ext uri="{28A0092B-C50C-407E-A947-70E740481C1C}">
+                <a14:useLocalDpi xmlns:a14="http://schemas.microsoft.com/office/drawing/2010/main" val="0"/>
+              </a:ext>
+            </a:extLst>
+          </a:blip>
+          <a:stretch>
+            <a:fillRect/>
+          </a:stretch>
+        </p:blipFill>
+        <p:spPr>
+          <a:xfrm>
+            <a:off x="6940915" y="5854540"/>
+            <a:ext cx="1003460" cy="1003460"/>
+          </a:xfrm>
+          <a:prstGeom prst="rect">
+            <a:avLst/>
+          </a:prstGeom>
+        </p:spPr>
+      </p:pic>
+      <p:sp>
+        <p:nvSpPr>
+          <p:cNvPr id="13" name="Bildplatzhalter 12">
+            <a:extLst>
+              <a:ext uri="{FF2B5EF4-FFF2-40B4-BE49-F238E27FC236}">
+                <a16:creationId xmlns:a16="http://schemas.microsoft.com/office/drawing/2014/main" id="{43C10148-8872-8ECB-44E5-E3F5734390E0}"/>
+              </a:ext>
+            </a:extLst>
+          </p:cNvPr>
+          <p:cNvSpPr>
+            <a:spLocks noGrp="1"/>
+          </p:cNvSpPr>
+          <p:nvPr>
+            <p:ph type="pic" sz="quarter" idx="13"/>
+          </p:nvPr>
+        </p:nvSpPr>
+        <p:spPr/>
+      </p:sp>
+    </p:spTree>
+    <p:extLst>
+      <p:ext uri="{BB962C8B-B14F-4D97-AF65-F5344CB8AC3E}">
+        <p14:creationId xmlns:p14="http://schemas.microsoft.com/office/powerpoint/2010/main" val="404514662"/>
+      </p:ext>
+    </p:extLst>
+  </p:cSld>
+  <p:clrMapOvr>
+    <a:masterClrMapping/>
+  </p:clrMapOvr>
+</p:sld>
+</file>
+
+<file path=ppt/slides/slide28.xml><?xml version="1.0" encoding="utf-8"?>
+<p:sld xmlns:a="http://schemas.openxmlformats.org/drawingml/2006/main" xmlns:r="http://schemas.openxmlformats.org/officeDocument/2006/relationships" xmlns:p="http://schemas.openxmlformats.org/presentationml/2006/main">
+  <p:cSld>
+    <p:spTree>
+      <p:nvGrpSpPr>
+        <p:cNvPr id="1" name=""/>
+        <p:cNvGrpSpPr/>
+        <p:nvPr/>
+      </p:nvGrpSpPr>
+      <p:grpSpPr>
+        <a:xfrm>
+          <a:off x="0" y="0"/>
+          <a:ext cx="0" cy="0"/>
+          <a:chOff x="0" y="0"/>
+          <a:chExt cx="0" cy="0"/>
+        </a:xfrm>
+      </p:grpSpPr>
+      <p:sp>
+        <p:nvSpPr>
+          <p:cNvPr id="2" name="Titel 1">
+            <a:extLst>
+              <a:ext uri="{FF2B5EF4-FFF2-40B4-BE49-F238E27FC236}">
+                <a16:creationId xmlns:a16="http://schemas.microsoft.com/office/drawing/2014/main" id="{33C0C305-AA60-567E-2A12-EE4B3D8AED3C}"/>
+              </a:ext>
+            </a:extLst>
+          </p:cNvPr>
+          <p:cNvSpPr>
+            <a:spLocks noGrp="1"/>
+          </p:cNvSpPr>
+          <p:nvPr>
+            <p:ph type="title"/>
+          </p:nvPr>
+        </p:nvSpPr>
+        <p:spPr/>
+        <p:txBody>
+          <a:bodyPr/>
+          <a:lstStyle/>
+          <a:p>
+            <a:r>
+              <a:rPr lang="en-GB" dirty="0"/>
+              <a:t>DETECT ROP –</a:t>
+            </a:r>
+            <a:br>
+              <a:rPr lang="en-GB" dirty="0"/>
+            </a:br>
+            <a:r>
+              <a:rPr lang="en-GB" dirty="0"/>
+              <a:t>CHANGE in control flow</a:t>
+            </a:r>
+            <a:endParaRPr lang="en-AT" dirty="0"/>
+          </a:p>
+        </p:txBody>
+      </p:sp>
+      <p:sp>
+        <p:nvSpPr>
+          <p:cNvPr id="4" name="Textplatzhalter 3">
+            <a:extLst>
+              <a:ext uri="{FF2B5EF4-FFF2-40B4-BE49-F238E27FC236}">
+                <a16:creationId xmlns:a16="http://schemas.microsoft.com/office/drawing/2014/main" id="{BC056CF4-B5E2-6EC2-7D75-269DBD08E72E}"/>
+              </a:ext>
+            </a:extLst>
+          </p:cNvPr>
+          <p:cNvSpPr>
+            <a:spLocks noGrp="1"/>
+          </p:cNvSpPr>
+          <p:nvPr>
+            <p:ph type="body" sz="quarter" idx="25"/>
+          </p:nvPr>
+        </p:nvSpPr>
+        <p:spPr/>
+        <p:txBody>
+          <a:bodyPr/>
+          <a:lstStyle/>
+          <a:p>
+            <a:endParaRPr lang="en-AT"/>
+          </a:p>
+        </p:txBody>
+      </p:sp>
+      <p:sp>
+        <p:nvSpPr>
+          <p:cNvPr id="5" name="Fußzeilenplatzhalter 4">
+            <a:extLst>
+              <a:ext uri="{FF2B5EF4-FFF2-40B4-BE49-F238E27FC236}">
+                <a16:creationId xmlns:a16="http://schemas.microsoft.com/office/drawing/2014/main" id="{72AF1679-3473-3FCB-82F5-9226F980D00A}"/>
+              </a:ext>
+            </a:extLst>
+          </p:cNvPr>
+          <p:cNvSpPr>
+            <a:spLocks noGrp="1"/>
+          </p:cNvSpPr>
+          <p:nvPr>
+            <p:ph type="ftr" sz="quarter" idx="27"/>
+          </p:nvPr>
+        </p:nvSpPr>
+        <p:spPr/>
+        <p:txBody>
+          <a:bodyPr/>
+          <a:lstStyle/>
+          <a:p>
+            <a:r>
+              <a:rPr lang="de-AT" noProof="0"/>
+              <a:t>Platz für Autor und LVA-Nummer</a:t>
+            </a:r>
+            <a:endParaRPr lang="de-AT" noProof="0" dirty="0"/>
+          </a:p>
+        </p:txBody>
+      </p:sp>
+      <p:sp>
+        <p:nvSpPr>
+          <p:cNvPr id="6" name="Foliennummernplatzhalter 5">
+            <a:extLst>
+              <a:ext uri="{FF2B5EF4-FFF2-40B4-BE49-F238E27FC236}">
+                <a16:creationId xmlns:a16="http://schemas.microsoft.com/office/drawing/2014/main" id="{20839AD6-55E8-8FEC-A9BB-F270B2EB78BF}"/>
+              </a:ext>
+            </a:extLst>
+          </p:cNvPr>
+          <p:cNvSpPr>
+            <a:spLocks noGrp="1"/>
+          </p:cNvSpPr>
+          <p:nvPr>
+            <p:ph type="sldNum" sz="quarter" idx="28"/>
+          </p:nvPr>
+        </p:nvSpPr>
+        <p:spPr/>
+        <p:txBody>
+          <a:bodyPr/>
+          <a:lstStyle/>
+          <a:p>
+            <a:fld id="{DFB297D7-21D1-0549-A74D-BD032133048A}" type="slidenum">
+              <a:rPr lang="en-US" smtClean="0"/>
+              <a:pPr/>
+              <a:t>28</a:t>
+            </a:fld>
+            <a:endParaRPr lang="en-US" dirty="0"/>
+          </a:p>
+        </p:txBody>
+      </p:sp>
+      <p:sp>
+        <p:nvSpPr>
+          <p:cNvPr id="7" name="Inhaltsplatzhalter 6">
+            <a:extLst>
+              <a:ext uri="{FF2B5EF4-FFF2-40B4-BE49-F238E27FC236}">
+                <a16:creationId xmlns:a16="http://schemas.microsoft.com/office/drawing/2014/main" id="{443CA4A1-FFC6-25ED-A3FE-CAA585D4B24B}"/>
+              </a:ext>
+            </a:extLst>
+          </p:cNvPr>
+          <p:cNvSpPr>
+            <a:spLocks noGrp="1"/>
+          </p:cNvSpPr>
+          <p:nvPr>
+            <p:ph idx="1"/>
+          </p:nvPr>
+        </p:nvSpPr>
+        <p:spPr/>
+        <p:txBody>
+          <a:bodyPr/>
+          <a:lstStyle/>
+          <a:p>
+            <a:r>
+              <a:rPr lang="en-GB" dirty="0">
+                <a:sym typeface="Wingdings" panose="05000000000000000000" pitchFamily="2" charset="2"/>
+              </a:rPr>
+              <a:t>Any </a:t>
+            </a:r>
+            <a:r>
+              <a:rPr lang="en-GB" dirty="0" err="1">
+                <a:sym typeface="Wingdings" panose="05000000000000000000" pitchFamily="2" charset="2"/>
+              </a:rPr>
+              <a:t>libC</a:t>
+            </a:r>
+            <a:r>
+              <a:rPr lang="en-GB" dirty="0">
+                <a:sym typeface="Wingdings" panose="05000000000000000000" pitchFamily="2" charset="2"/>
+              </a:rPr>
+              <a:t> function not used in the program is not in the graph and therefore not a valid target</a:t>
+            </a:r>
+          </a:p>
+          <a:p>
+            <a:r>
+              <a:rPr lang="en-GB" dirty="0">
+                <a:sym typeface="Wingdings" panose="05000000000000000000" pitchFamily="2" charset="2"/>
+              </a:rPr>
+              <a:t>Code added by algorithm:</a:t>
+            </a:r>
+          </a:p>
+        </p:txBody>
+      </p:sp>
+      <p:pic>
+        <p:nvPicPr>
+          <p:cNvPr id="11" name="Grafik 10">
+            <a:extLst>
+              <a:ext uri="{FF2B5EF4-FFF2-40B4-BE49-F238E27FC236}">
+                <a16:creationId xmlns:a16="http://schemas.microsoft.com/office/drawing/2014/main" id="{2083E136-CE57-BFD3-9857-87F5FA415C59}"/>
+              </a:ext>
+            </a:extLst>
+          </p:cNvPr>
+          <p:cNvPicPr>
+            <a:picLocks noChangeAspect="1"/>
+          </p:cNvPicPr>
+          <p:nvPr/>
+        </p:nvPicPr>
+        <p:blipFill>
+          <a:blip r:embed="rId2" cstate="print">
+            <a:extLst>
+              <a:ext uri="{28A0092B-C50C-407E-A947-70E740481C1C}">
+                <a14:useLocalDpi xmlns:a14="http://schemas.microsoft.com/office/drawing/2010/main" val="0"/>
+              </a:ext>
+            </a:extLst>
+          </a:blip>
+          <a:stretch>
+            <a:fillRect/>
+          </a:stretch>
+        </p:blipFill>
+        <p:spPr>
+          <a:xfrm>
+            <a:off x="6940915" y="5854540"/>
+            <a:ext cx="1003460" cy="1003460"/>
+          </a:xfrm>
+          <a:prstGeom prst="rect">
+            <a:avLst/>
+          </a:prstGeom>
+        </p:spPr>
+      </p:pic>
+      <p:sp>
+        <p:nvSpPr>
+          <p:cNvPr id="13" name="Bildplatzhalter 12">
+            <a:extLst>
+              <a:ext uri="{FF2B5EF4-FFF2-40B4-BE49-F238E27FC236}">
+                <a16:creationId xmlns:a16="http://schemas.microsoft.com/office/drawing/2014/main" id="{43C10148-8872-8ECB-44E5-E3F5734390E0}"/>
+              </a:ext>
+            </a:extLst>
+          </p:cNvPr>
+          <p:cNvSpPr>
+            <a:spLocks noGrp="1"/>
+          </p:cNvSpPr>
+          <p:nvPr>
+            <p:ph type="pic" sz="quarter" idx="13"/>
+          </p:nvPr>
+        </p:nvSpPr>
+        <p:spPr/>
+      </p:sp>
+      <p:pic>
+        <p:nvPicPr>
+          <p:cNvPr id="8" name="Grafik 7">
+            <a:extLst>
+              <a:ext uri="{FF2B5EF4-FFF2-40B4-BE49-F238E27FC236}">
+                <a16:creationId xmlns:a16="http://schemas.microsoft.com/office/drawing/2014/main" id="{5B4AA0C8-25E5-6562-26D5-6B30E9F498E7}"/>
+              </a:ext>
+            </a:extLst>
+          </p:cNvPr>
+          <p:cNvPicPr>
+            <a:picLocks noChangeAspect="1"/>
+          </p:cNvPicPr>
+          <p:nvPr/>
+        </p:nvPicPr>
+        <p:blipFill>
+          <a:blip r:embed="rId3"/>
+          <a:stretch>
+            <a:fillRect/>
+          </a:stretch>
+        </p:blipFill>
+        <p:spPr>
+          <a:xfrm>
+            <a:off x="441411" y="3429000"/>
+            <a:ext cx="8154321" cy="1430926"/>
+          </a:xfrm>
+          <a:prstGeom prst="rect">
+            <a:avLst/>
+          </a:prstGeom>
+        </p:spPr>
+      </p:pic>
+    </p:spTree>
+    <p:extLst>
+      <p:ext uri="{BB962C8B-B14F-4D97-AF65-F5344CB8AC3E}">
+        <p14:creationId xmlns:p14="http://schemas.microsoft.com/office/powerpoint/2010/main" val="915471888"/>
+      </p:ext>
+    </p:extLst>
+  </p:cSld>
+  <p:clrMapOvr>
+    <a:masterClrMapping/>
+  </p:clrMapOvr>
+</p:sld>
+</file>
+
+<file path=ppt/slides/slide29.xml><?xml version="1.0" encoding="utf-8"?>
+<p:sld xmlns:a="http://schemas.openxmlformats.org/drawingml/2006/main" xmlns:r="http://schemas.openxmlformats.org/officeDocument/2006/relationships" xmlns:p="http://schemas.openxmlformats.org/presentationml/2006/main">
+  <p:cSld>
+    <p:spTree>
+      <p:nvGrpSpPr>
+        <p:cNvPr id="1" name=""/>
+        <p:cNvGrpSpPr/>
+        <p:nvPr/>
+      </p:nvGrpSpPr>
+      <p:grpSpPr>
+        <a:xfrm>
+          <a:off x="0" y="0"/>
+          <a:ext cx="0" cy="0"/>
+          <a:chOff x="0" y="0"/>
+          <a:chExt cx="0" cy="0"/>
+        </a:xfrm>
+      </p:grpSpPr>
+      <p:sp>
+        <p:nvSpPr>
+          <p:cNvPr id="2" name="Titel 1">
+            <a:extLst>
+              <a:ext uri="{FF2B5EF4-FFF2-40B4-BE49-F238E27FC236}">
+                <a16:creationId xmlns:a16="http://schemas.microsoft.com/office/drawing/2014/main" id="{348E00C3-C718-C511-6D91-EB19623333DE}"/>
+              </a:ext>
+            </a:extLst>
+          </p:cNvPr>
+          <p:cNvSpPr>
+            <a:spLocks noGrp="1"/>
+          </p:cNvSpPr>
+          <p:nvPr>
+            <p:ph type="title"/>
+          </p:nvPr>
+        </p:nvSpPr>
+        <p:spPr>
+          <a:xfrm>
+            <a:off x="602903" y="2299934"/>
+            <a:ext cx="7938194" cy="963384"/>
+          </a:xfrm>
+        </p:spPr>
+        <p:txBody>
+          <a:bodyPr/>
+          <a:lstStyle/>
+          <a:p>
+            <a:pPr algn="ctr"/>
+            <a:r>
+              <a:rPr lang="en-GB" sz="4400" dirty="0"/>
+              <a:t>STAY safe!</a:t>
+            </a:r>
+            <a:endParaRPr lang="en-AT" sz="4400" dirty="0"/>
+          </a:p>
+        </p:txBody>
+      </p:sp>
+      <p:sp>
+        <p:nvSpPr>
+          <p:cNvPr id="3" name="Bildplatzhalter 2">
+            <a:extLst>
+              <a:ext uri="{FF2B5EF4-FFF2-40B4-BE49-F238E27FC236}">
+                <a16:creationId xmlns:a16="http://schemas.microsoft.com/office/drawing/2014/main" id="{688D90E4-2C22-64CD-6988-0DD22693984A}"/>
+              </a:ext>
+            </a:extLst>
+          </p:cNvPr>
+          <p:cNvSpPr>
+            <a:spLocks noGrp="1"/>
+          </p:cNvSpPr>
+          <p:nvPr>
+            <p:ph type="pic" sz="quarter" idx="13"/>
+          </p:nvPr>
+        </p:nvSpPr>
+        <p:spPr/>
+      </p:sp>
+      <p:sp>
+        <p:nvSpPr>
+          <p:cNvPr id="4" name="Textplatzhalter 3">
+            <a:extLst>
+              <a:ext uri="{FF2B5EF4-FFF2-40B4-BE49-F238E27FC236}">
+                <a16:creationId xmlns:a16="http://schemas.microsoft.com/office/drawing/2014/main" id="{A6C59456-B170-0DB1-3F8B-E135AD490D11}"/>
+              </a:ext>
+            </a:extLst>
+          </p:cNvPr>
+          <p:cNvSpPr>
+            <a:spLocks noGrp="1"/>
+          </p:cNvSpPr>
+          <p:nvPr>
+            <p:ph type="body" sz="quarter" idx="25"/>
+          </p:nvPr>
+        </p:nvSpPr>
+        <p:spPr/>
+        <p:txBody>
+          <a:bodyPr/>
+          <a:lstStyle/>
+          <a:p>
+            <a:endParaRPr lang="en-AT"/>
+          </a:p>
+        </p:txBody>
+      </p:sp>
+      <p:sp>
+        <p:nvSpPr>
+          <p:cNvPr id="5" name="Fußzeilenplatzhalter 4">
+            <a:extLst>
+              <a:ext uri="{FF2B5EF4-FFF2-40B4-BE49-F238E27FC236}">
+                <a16:creationId xmlns:a16="http://schemas.microsoft.com/office/drawing/2014/main" id="{79A6BB97-BC6D-9830-6801-1384C0C89BF0}"/>
+              </a:ext>
+            </a:extLst>
+          </p:cNvPr>
+          <p:cNvSpPr>
+            <a:spLocks noGrp="1"/>
+          </p:cNvSpPr>
+          <p:nvPr>
+            <p:ph type="ftr" sz="quarter" idx="27"/>
+          </p:nvPr>
+        </p:nvSpPr>
+        <p:spPr/>
+        <p:txBody>
+          <a:bodyPr/>
+          <a:lstStyle/>
+          <a:p>
+            <a:r>
+              <a:rPr lang="de-AT" noProof="0"/>
+              <a:t>Platz für Autor und LVA-Nummer</a:t>
+            </a:r>
+            <a:endParaRPr lang="de-AT" noProof="0" dirty="0"/>
+          </a:p>
+        </p:txBody>
+      </p:sp>
+      <p:sp>
+        <p:nvSpPr>
+          <p:cNvPr id="6" name="Foliennummernplatzhalter 5">
+            <a:extLst>
+              <a:ext uri="{FF2B5EF4-FFF2-40B4-BE49-F238E27FC236}">
+                <a16:creationId xmlns:a16="http://schemas.microsoft.com/office/drawing/2014/main" id="{9C541B6C-5180-8733-19E2-ABFB4D7B7442}"/>
+              </a:ext>
+            </a:extLst>
+          </p:cNvPr>
+          <p:cNvSpPr>
+            <a:spLocks noGrp="1"/>
+          </p:cNvSpPr>
+          <p:nvPr>
+            <p:ph type="sldNum" sz="quarter" idx="28"/>
+          </p:nvPr>
+        </p:nvSpPr>
+        <p:spPr/>
+        <p:txBody>
+          <a:bodyPr/>
+          <a:lstStyle/>
+          <a:p>
+            <a:fld id="{DFB297D7-21D1-0549-A74D-BD032133048A}" type="slidenum">
+              <a:rPr lang="en-US" smtClean="0"/>
+              <a:pPr/>
+              <a:t>29</a:t>
+            </a:fld>
+            <a:endParaRPr lang="en-US" dirty="0"/>
+          </a:p>
+        </p:txBody>
+      </p:sp>
+      <p:pic>
+        <p:nvPicPr>
+          <p:cNvPr id="8" name="Grafik 7">
+            <a:extLst>
+              <a:ext uri="{FF2B5EF4-FFF2-40B4-BE49-F238E27FC236}">
+                <a16:creationId xmlns:a16="http://schemas.microsoft.com/office/drawing/2014/main" id="{AA9BC626-F7A2-26A4-47CA-B28094C4D6F0}"/>
+              </a:ext>
+            </a:extLst>
+          </p:cNvPr>
+          <p:cNvPicPr>
+            <a:picLocks noChangeAspect="1"/>
+          </p:cNvPicPr>
+          <p:nvPr/>
+        </p:nvPicPr>
+        <p:blipFill>
+          <a:blip r:embed="rId2" cstate="print">
+            <a:extLst>
+              <a:ext uri="{28A0092B-C50C-407E-A947-70E740481C1C}">
+                <a14:useLocalDpi xmlns:a14="http://schemas.microsoft.com/office/drawing/2010/main" val="0"/>
+              </a:ext>
+            </a:extLst>
+          </a:blip>
+          <a:stretch>
+            <a:fillRect/>
+          </a:stretch>
+        </p:blipFill>
+        <p:spPr>
+          <a:xfrm>
+            <a:off x="6940915" y="5854540"/>
+            <a:ext cx="1003460" cy="1003460"/>
+          </a:xfrm>
+          <a:prstGeom prst="rect">
+            <a:avLst/>
+          </a:prstGeom>
+        </p:spPr>
+      </p:pic>
+    </p:spTree>
+    <p:extLst>
+      <p:ext uri="{BB962C8B-B14F-4D97-AF65-F5344CB8AC3E}">
+        <p14:creationId xmlns:p14="http://schemas.microsoft.com/office/powerpoint/2010/main" val="4272614613"/>
+      </p:ext>
+    </p:extLst>
+  </p:cSld>
+  <p:clrMapOvr>
+    <a:masterClrMapping/>
+  </p:clrMapOvr>
+  <p:timing>
+    <p:tnLst>
+      <p:par>
+        <p:cTn id="1" dur="indefinite" restart="never" nodeType="tmRoot">
+          <p:childTnLst>
+            <p:seq concurrent="1" nextAc="seek">
+              <p:cTn id="2" dur="indefinite" nodeType="mainSeq">
+                <p:childTnLst>
+                  <p:par>
+                    <p:cTn id="3" fill="hold">
+                      <p:stCondLst>
+                        <p:cond delay="indefinite"/>
+                        <p:cond evt="onBegin" delay="0">
+                          <p:tn val="2"/>
+                        </p:cond>
+                      </p:stCondLst>
+                      <p:childTnLst>
+                        <p:par>
+                          <p:cTn id="4" fill="hold">
+                            <p:stCondLst>
+                              <p:cond delay="0"/>
+                            </p:stCondLst>
+                            <p:childTnLst>
+                              <p:par>
+                                <p:cTn id="5" presetID="2" presetClass="exit" presetSubtype="4" fill="hold" nodeType="withEffect">
+                                  <p:stCondLst>
+                                    <p:cond delay="0"/>
+                                  </p:stCondLst>
+                                  <p:childTnLst>
+                                    <p:anim calcmode="lin" valueType="num">
+                                      <p:cBhvr additive="base">
+                                        <p:cTn id="6" dur="750"/>
+                                        <p:tgtEl>
+                                          <p:spTgt spid="8"/>
+                                        </p:tgtEl>
+                                        <p:attrNameLst>
+                                          <p:attrName>ppt_x</p:attrName>
+                                        </p:attrNameLst>
+                                      </p:cBhvr>
+                                      <p:tavLst>
+                                        <p:tav tm="0">
+                                          <p:val>
+                                            <p:strVal val="ppt_x"/>
+                                          </p:val>
+                                        </p:tav>
+                                        <p:tav tm="100000">
+                                          <p:val>
+                                            <p:strVal val="ppt_x"/>
+                                          </p:val>
+                                        </p:tav>
+                                      </p:tavLst>
+                                    </p:anim>
+                                    <p:anim calcmode="lin" valueType="num">
+                                      <p:cBhvr additive="base">
+                                        <p:cTn id="7" dur="750"/>
+                                        <p:tgtEl>
+                                          <p:spTgt spid="8"/>
+                                        </p:tgtEl>
+                                        <p:attrNameLst>
+                                          <p:attrName>ppt_y</p:attrName>
+                                        </p:attrNameLst>
+                                      </p:cBhvr>
+                                      <p:tavLst>
+                                        <p:tav tm="0">
+                                          <p:val>
+                                            <p:strVal val="ppt_y"/>
+                                          </p:val>
+                                        </p:tav>
+                                        <p:tav tm="100000">
+                                          <p:val>
+                                            <p:strVal val="1+ppt_h/2"/>
+                                          </p:val>
+                                        </p:tav>
+                                      </p:tavLst>
+                                    </p:anim>
+                                    <p:set>
+                                      <p:cBhvr>
+                                        <p:cTn id="8" dur="1" fill="hold">
+                                          <p:stCondLst>
+                                            <p:cond delay="749"/>
+                                          </p:stCondLst>
+                                        </p:cTn>
+                                        <p:tgtEl>
+                                          <p:spTgt spid="8"/>
+                                        </p:tgtEl>
+                                        <p:attrNameLst>
+                                          <p:attrName>style.visibility</p:attrName>
+                                        </p:attrNameLst>
+                                      </p:cBhvr>
+                                      <p:to>
+                                        <p:strVal val="hidden"/>
+                                      </p:to>
+                                    </p:set>
+                                  </p:childTnLst>
+                                </p:cTn>
+                              </p:par>
+                            </p:childTnLst>
+                          </p:cTn>
+                        </p:par>
+                      </p:childTnLst>
+                    </p:cTn>
+                  </p:par>
+                </p:childTnLst>
+              </p:cTn>
+              <p:prevCondLst>
+                <p:cond evt="onPrev" delay="0">
+                  <p:tgtEl>
+                    <p:sldTgt/>
+                  </p:tgtEl>
+                </p:cond>
+              </p:prevCondLst>
+              <p:nextCondLst>
+                <p:cond evt="onNext" delay="0">
+                  <p:tgtEl>
+                    <p:sldTgt/>
+                  </p:tgtEl>
+                </p:cond>
+              </p:nextCondLst>
+            </p:seq>
+          </p:childTnLst>
+        </p:cTn>
+      </p:par>
+    </p:tnLst>
+  </p:timing>
 </p:sld>
 </file>
 
@@ -9908,6 +14875,1492 @@
     <p:extLst>
       <p:ext uri="{BB962C8B-B14F-4D97-AF65-F5344CB8AC3E}">
         <p14:creationId xmlns:p14="http://schemas.microsoft.com/office/powerpoint/2010/main" val="1218939009"/>
+      </p:ext>
+    </p:extLst>
+  </p:cSld>
+  <p:clrMapOvr>
+    <a:masterClrMapping/>
+  </p:clrMapOvr>
+</p:sld>
+</file>
+
+<file path=ppt/slides/slide30.xml><?xml version="1.0" encoding="utf-8"?>
+<p:sld xmlns:a="http://schemas.openxmlformats.org/drawingml/2006/main" xmlns:r="http://schemas.openxmlformats.org/officeDocument/2006/relationships" xmlns:p="http://schemas.openxmlformats.org/presentationml/2006/main">
+  <p:cSld>
+    <p:spTree>
+      <p:nvGrpSpPr>
+        <p:cNvPr id="1" name=""/>
+        <p:cNvGrpSpPr/>
+        <p:nvPr/>
+      </p:nvGrpSpPr>
+      <p:grpSpPr>
+        <a:xfrm>
+          <a:off x="0" y="0"/>
+          <a:ext cx="0" cy="0"/>
+          <a:chOff x="0" y="0"/>
+          <a:chExt cx="0" cy="0"/>
+        </a:xfrm>
+      </p:grpSpPr>
+      <p:sp>
+        <p:nvSpPr>
+          <p:cNvPr id="2" name="Title 1">
+            <a:extLst>
+              <a:ext uri="{FF2B5EF4-FFF2-40B4-BE49-F238E27FC236}">
+                <a16:creationId xmlns:a16="http://schemas.microsoft.com/office/drawing/2014/main" id="{6F186F57-A75D-4DAC-B407-C3395BDC1101}"/>
+              </a:ext>
+            </a:extLst>
+          </p:cNvPr>
+          <p:cNvSpPr>
+            <a:spLocks noGrp="1"/>
+          </p:cNvSpPr>
+          <p:nvPr>
+            <p:ph type="title"/>
+          </p:nvPr>
+        </p:nvSpPr>
+        <p:spPr/>
+        <p:txBody>
+          <a:bodyPr/>
+          <a:lstStyle/>
+          <a:p>
+            <a:r>
+              <a:rPr lang="en-US" dirty="0"/>
+              <a:t>Sources</a:t>
+            </a:r>
+            <a:endParaRPr lang="en-AT" dirty="0"/>
+          </a:p>
+        </p:txBody>
+      </p:sp>
+      <p:sp>
+        <p:nvSpPr>
+          <p:cNvPr id="3" name="Picture Placeholder 2">
+            <a:extLst>
+              <a:ext uri="{FF2B5EF4-FFF2-40B4-BE49-F238E27FC236}">
+                <a16:creationId xmlns:a16="http://schemas.microsoft.com/office/drawing/2014/main" id="{2FB4BB38-EE65-4ED9-AF2B-E89368E86EDD}"/>
+              </a:ext>
+            </a:extLst>
+          </p:cNvPr>
+          <p:cNvSpPr>
+            <a:spLocks noGrp="1"/>
+          </p:cNvSpPr>
+          <p:nvPr>
+            <p:ph type="pic" sz="quarter" idx="13"/>
+          </p:nvPr>
+        </p:nvSpPr>
+        <p:spPr/>
+      </p:sp>
+      <p:sp>
+        <p:nvSpPr>
+          <p:cNvPr id="4" name="Text Placeholder 3">
+            <a:extLst>
+              <a:ext uri="{FF2B5EF4-FFF2-40B4-BE49-F238E27FC236}">
+                <a16:creationId xmlns:a16="http://schemas.microsoft.com/office/drawing/2014/main" id="{6D9806A5-449B-43D9-B3E7-CD07B931AC17}"/>
+              </a:ext>
+            </a:extLst>
+          </p:cNvPr>
+          <p:cNvSpPr>
+            <a:spLocks noGrp="1"/>
+          </p:cNvSpPr>
+          <p:nvPr>
+            <p:ph type="body" sz="quarter" idx="25"/>
+          </p:nvPr>
+        </p:nvSpPr>
+        <p:spPr/>
+        <p:txBody>
+          <a:bodyPr/>
+          <a:lstStyle/>
+          <a:p>
+            <a:endParaRPr lang="en-AT"/>
+          </a:p>
+        </p:txBody>
+      </p:sp>
+      <p:sp>
+        <p:nvSpPr>
+          <p:cNvPr id="5" name="Footer Placeholder 4">
+            <a:extLst>
+              <a:ext uri="{FF2B5EF4-FFF2-40B4-BE49-F238E27FC236}">
+                <a16:creationId xmlns:a16="http://schemas.microsoft.com/office/drawing/2014/main" id="{42F10F0B-6494-4A7F-933C-A0010C4A2066}"/>
+              </a:ext>
+            </a:extLst>
+          </p:cNvPr>
+          <p:cNvSpPr>
+            <a:spLocks noGrp="1"/>
+          </p:cNvSpPr>
+          <p:nvPr>
+            <p:ph type="ftr" sz="quarter" idx="27"/>
+          </p:nvPr>
+        </p:nvSpPr>
+        <p:spPr/>
+        <p:txBody>
+          <a:bodyPr/>
+          <a:lstStyle/>
+          <a:p>
+            <a:r>
+              <a:rPr lang="de-AT" noProof="0" dirty="0"/>
+              <a:t>Stefan Haslhofer</a:t>
+            </a:r>
+          </a:p>
+        </p:txBody>
+      </p:sp>
+      <p:sp>
+        <p:nvSpPr>
+          <p:cNvPr id="6" name="Slide Number Placeholder 5">
+            <a:extLst>
+              <a:ext uri="{FF2B5EF4-FFF2-40B4-BE49-F238E27FC236}">
+                <a16:creationId xmlns:a16="http://schemas.microsoft.com/office/drawing/2014/main" id="{EADE1444-8155-4A29-8F7A-31D0FECD4B97}"/>
+              </a:ext>
+            </a:extLst>
+          </p:cNvPr>
+          <p:cNvSpPr>
+            <a:spLocks noGrp="1"/>
+          </p:cNvSpPr>
+          <p:nvPr>
+            <p:ph type="sldNum" sz="quarter" idx="28"/>
+          </p:nvPr>
+        </p:nvSpPr>
+        <p:spPr/>
+        <p:txBody>
+          <a:bodyPr/>
+          <a:lstStyle/>
+          <a:p>
+            <a:fld id="{DFB297D7-21D1-0549-A74D-BD032133048A}" type="slidenum">
+              <a:rPr lang="en-US" smtClean="0"/>
+              <a:pPr/>
+              <a:t>30</a:t>
+            </a:fld>
+            <a:endParaRPr lang="en-US" dirty="0"/>
+          </a:p>
+        </p:txBody>
+      </p:sp>
+      <p:sp>
+        <p:nvSpPr>
+          <p:cNvPr id="7" name="Content Placeholder 6">
+            <a:extLst>
+              <a:ext uri="{FF2B5EF4-FFF2-40B4-BE49-F238E27FC236}">
+                <a16:creationId xmlns:a16="http://schemas.microsoft.com/office/drawing/2014/main" id="{36C050EC-DA51-4E02-9B7C-9D670567DD90}"/>
+              </a:ext>
+            </a:extLst>
+          </p:cNvPr>
+          <p:cNvSpPr>
+            <a:spLocks noGrp="1"/>
+          </p:cNvSpPr>
+          <p:nvPr>
+            <p:ph idx="1"/>
+          </p:nvPr>
+        </p:nvSpPr>
+        <p:spPr/>
+        <p:txBody>
+          <a:bodyPr/>
+          <a:lstStyle/>
+          <a:p>
+            <a:pPr algn="l"/>
+            <a:r>
+              <a:rPr lang="en-GB" sz="1300" b="0" i="0" dirty="0" err="1">
+                <a:solidFill>
+                  <a:srgbClr val="5D6879"/>
+                </a:solidFill>
+                <a:effectLst/>
+                <a:latin typeface="Arial" panose="020B0604020202020204" pitchFamily="34" charset="0"/>
+              </a:rPr>
+              <a:t>AbadiMartín</a:t>
+            </a:r>
+            <a:r>
+              <a:rPr lang="en-GB" sz="1300" b="0" i="0" dirty="0">
+                <a:solidFill>
+                  <a:srgbClr val="5D6879"/>
+                </a:solidFill>
+                <a:effectLst/>
+                <a:latin typeface="Arial" panose="020B0604020202020204" pitchFamily="34" charset="0"/>
+              </a:rPr>
+              <a:t>, </a:t>
+            </a:r>
+            <a:r>
+              <a:rPr lang="en-GB" sz="1300" b="0" i="0" dirty="0" err="1">
+                <a:solidFill>
+                  <a:srgbClr val="5D6879"/>
+                </a:solidFill>
+                <a:effectLst/>
+                <a:latin typeface="Arial" panose="020B0604020202020204" pitchFamily="34" charset="0"/>
+              </a:rPr>
+              <a:t>BudiuMihai</a:t>
+            </a:r>
+            <a:r>
+              <a:rPr lang="en-GB" sz="1300" b="0" i="0" dirty="0">
+                <a:solidFill>
+                  <a:srgbClr val="5D6879"/>
+                </a:solidFill>
+                <a:effectLst/>
+                <a:latin typeface="Arial" panose="020B0604020202020204" pitchFamily="34" charset="0"/>
+              </a:rPr>
+              <a:t>, </a:t>
+            </a:r>
+            <a:r>
+              <a:rPr lang="en-GB" sz="1300" b="0" i="0" dirty="0" err="1">
+                <a:solidFill>
+                  <a:srgbClr val="5D6879"/>
+                </a:solidFill>
+                <a:effectLst/>
+                <a:latin typeface="Arial" panose="020B0604020202020204" pitchFamily="34" charset="0"/>
+              </a:rPr>
+              <a:t>ErlingssonÚlfar</a:t>
+            </a:r>
+            <a:r>
+              <a:rPr lang="en-GB" sz="1300" b="0" i="0" dirty="0">
+                <a:solidFill>
+                  <a:srgbClr val="5D6879"/>
+                </a:solidFill>
+                <a:effectLst/>
+                <a:latin typeface="Arial" panose="020B0604020202020204" pitchFamily="34" charset="0"/>
+              </a:rPr>
+              <a:t>, and </a:t>
+            </a:r>
+            <a:r>
+              <a:rPr lang="en-GB" sz="1300" b="0" i="0" dirty="0" err="1">
+                <a:solidFill>
+                  <a:srgbClr val="5D6879"/>
+                </a:solidFill>
+                <a:effectLst/>
+                <a:latin typeface="Arial" panose="020B0604020202020204" pitchFamily="34" charset="0"/>
+              </a:rPr>
+              <a:t>LigattiJay</a:t>
+            </a:r>
+            <a:r>
+              <a:rPr lang="en-GB" sz="1300" b="0" i="0" dirty="0">
+                <a:solidFill>
+                  <a:srgbClr val="5D6879"/>
+                </a:solidFill>
+                <a:effectLst/>
+                <a:latin typeface="Arial" panose="020B0604020202020204" pitchFamily="34" charset="0"/>
+              </a:rPr>
+              <a:t>. Control-flow integrity principles,</a:t>
+            </a:r>
+            <a:br>
+              <a:rPr lang="en-GB" sz="1300" b="0" i="0" dirty="0">
+                <a:solidFill>
+                  <a:srgbClr val="5D6879"/>
+                </a:solidFill>
+                <a:effectLst/>
+                <a:latin typeface="Lato" panose="020B0604020202020204" pitchFamily="34" charset="0"/>
+              </a:rPr>
+            </a:br>
+            <a:r>
+              <a:rPr lang="en-GB" sz="1300" b="0" i="0" dirty="0">
+                <a:solidFill>
+                  <a:srgbClr val="5D6879"/>
+                </a:solidFill>
+                <a:effectLst/>
+                <a:latin typeface="Arial" panose="020B0604020202020204" pitchFamily="34" charset="0"/>
+              </a:rPr>
+              <a:t>implementations, and applications. Publisher: ACM PUB27 New York, NY, USA.</a:t>
+            </a:r>
+            <a:endParaRPr lang="en-GB" sz="1300" dirty="0">
+              <a:solidFill>
+                <a:srgbClr val="5D6879"/>
+              </a:solidFill>
+              <a:latin typeface="Lato" panose="020B0604020202020204" pitchFamily="34" charset="0"/>
+            </a:endParaRPr>
+          </a:p>
+          <a:p>
+            <a:pPr algn="l"/>
+            <a:r>
+              <a:rPr lang="en-GB" sz="1300" b="0" i="0" dirty="0">
+                <a:solidFill>
+                  <a:srgbClr val="5D6879"/>
+                </a:solidFill>
+                <a:effectLst/>
+                <a:latin typeface="Arial" panose="020B0604020202020204" pitchFamily="34" charset="0"/>
+              </a:rPr>
+              <a:t>Ping Chen, Hai Xiao, </a:t>
+            </a:r>
+            <a:r>
+              <a:rPr lang="en-GB" sz="1300" b="0" i="0" dirty="0" err="1">
+                <a:solidFill>
+                  <a:srgbClr val="5D6879"/>
+                </a:solidFill>
+                <a:effectLst/>
+                <a:latin typeface="Arial" panose="020B0604020202020204" pitchFamily="34" charset="0"/>
+              </a:rPr>
+              <a:t>Xiaobin</a:t>
+            </a:r>
+            <a:r>
+              <a:rPr lang="en-GB" sz="1300" b="0" i="0" dirty="0">
+                <a:solidFill>
+                  <a:srgbClr val="5D6879"/>
+                </a:solidFill>
+                <a:effectLst/>
+                <a:latin typeface="Arial" panose="020B0604020202020204" pitchFamily="34" charset="0"/>
+              </a:rPr>
+              <a:t> Shen, </a:t>
+            </a:r>
+            <a:r>
+              <a:rPr lang="en-GB" sz="1300" b="0" i="0" dirty="0" err="1">
+                <a:solidFill>
+                  <a:srgbClr val="5D6879"/>
+                </a:solidFill>
+                <a:effectLst/>
+                <a:latin typeface="Arial" panose="020B0604020202020204" pitchFamily="34" charset="0"/>
+              </a:rPr>
+              <a:t>Xinchun</a:t>
+            </a:r>
+            <a:r>
+              <a:rPr lang="en-GB" sz="1300" b="0" i="0" dirty="0">
+                <a:solidFill>
+                  <a:srgbClr val="5D6879"/>
+                </a:solidFill>
+                <a:effectLst/>
+                <a:latin typeface="Arial" panose="020B0604020202020204" pitchFamily="34" charset="0"/>
+              </a:rPr>
+              <a:t> Yin, Bing Mao, and Li </a:t>
+            </a:r>
+            <a:r>
+              <a:rPr lang="en-GB" sz="1300" b="0" i="0" dirty="0" err="1">
+                <a:solidFill>
+                  <a:srgbClr val="5D6879"/>
+                </a:solidFill>
+                <a:effectLst/>
+                <a:latin typeface="Arial" panose="020B0604020202020204" pitchFamily="34" charset="0"/>
+              </a:rPr>
+              <a:t>Xie</a:t>
+            </a:r>
+            <a:r>
+              <a:rPr lang="en-GB" sz="1300" b="0" i="0" dirty="0">
+                <a:solidFill>
+                  <a:srgbClr val="5D6879"/>
+                </a:solidFill>
+                <a:effectLst/>
+                <a:latin typeface="Arial" panose="020B0604020202020204" pitchFamily="34" charset="0"/>
+              </a:rPr>
+              <a:t>. Drop: Detecting</a:t>
+            </a:r>
+            <a:br>
+              <a:rPr lang="en-GB" sz="1300" b="0" i="0" dirty="0">
+                <a:solidFill>
+                  <a:srgbClr val="5D6879"/>
+                </a:solidFill>
+                <a:effectLst/>
+                <a:latin typeface="Lato" panose="020B0604020202020204" pitchFamily="34" charset="0"/>
+              </a:rPr>
+            </a:br>
+            <a:r>
+              <a:rPr lang="en-GB" sz="1300" b="0" i="0" dirty="0">
+                <a:solidFill>
+                  <a:srgbClr val="5D6879"/>
+                </a:solidFill>
+                <a:effectLst/>
+                <a:latin typeface="Arial" panose="020B0604020202020204" pitchFamily="34" charset="0"/>
+              </a:rPr>
+              <a:t>return-oriented programming malicious code. In Proceedings of the 5th International Conference</a:t>
+            </a:r>
+            <a:br>
+              <a:rPr lang="en-GB" sz="1300" b="0" i="0" dirty="0">
+                <a:solidFill>
+                  <a:srgbClr val="5D6879"/>
+                </a:solidFill>
+                <a:effectLst/>
+                <a:latin typeface="Lato" panose="020B0604020202020204" pitchFamily="34" charset="0"/>
+              </a:rPr>
+            </a:br>
+            <a:r>
+              <a:rPr lang="en-GB" sz="1300" b="0" i="0" dirty="0">
+                <a:solidFill>
+                  <a:srgbClr val="5D6879"/>
+                </a:solidFill>
+                <a:effectLst/>
+                <a:latin typeface="Arial" panose="020B0604020202020204" pitchFamily="34" charset="0"/>
+              </a:rPr>
+              <a:t>on Information Systems Security, ICISS ’09, page 163–177, Berlin, Heidelberg, 2009. Springer-</a:t>
+            </a:r>
+            <a:br>
+              <a:rPr lang="en-GB" sz="1300" b="0" i="0" dirty="0">
+                <a:solidFill>
+                  <a:srgbClr val="5D6879"/>
+                </a:solidFill>
+                <a:effectLst/>
+                <a:latin typeface="Lato" panose="020B0604020202020204" pitchFamily="34" charset="0"/>
+              </a:rPr>
+            </a:br>
+            <a:r>
+              <a:rPr lang="en-GB" sz="1300" b="0" i="0" dirty="0">
+                <a:solidFill>
+                  <a:srgbClr val="5D6879"/>
+                </a:solidFill>
+                <a:effectLst/>
+                <a:latin typeface="Arial" panose="020B0604020202020204" pitchFamily="34" charset="0"/>
+              </a:rPr>
+              <a:t>Verlag.</a:t>
+            </a:r>
+            <a:endParaRPr lang="en-GB" sz="1300" dirty="0">
+              <a:solidFill>
+                <a:srgbClr val="5D6879"/>
+              </a:solidFill>
+              <a:latin typeface="Lato" panose="020B0604020202020204" pitchFamily="34" charset="0"/>
+            </a:endParaRPr>
+          </a:p>
+          <a:p>
+            <a:pPr algn="l"/>
+            <a:r>
+              <a:rPr lang="en-GB" sz="1300" b="0" i="0" dirty="0" err="1">
+                <a:solidFill>
+                  <a:srgbClr val="5D6879"/>
+                </a:solidFill>
+                <a:effectLst/>
+                <a:latin typeface="Arial" panose="020B0604020202020204" pitchFamily="34" charset="0"/>
+              </a:rPr>
+              <a:t>Desheng</a:t>
+            </a:r>
+            <a:r>
+              <a:rPr lang="en-GB" sz="1300" b="0" i="0" dirty="0">
+                <a:solidFill>
+                  <a:srgbClr val="5D6879"/>
+                </a:solidFill>
+                <a:effectLst/>
+                <a:latin typeface="Arial" panose="020B0604020202020204" pitchFamily="34" charset="0"/>
+              </a:rPr>
+              <a:t> Fu and </a:t>
+            </a:r>
+            <a:r>
+              <a:rPr lang="en-GB" sz="1300" b="0" i="0" dirty="0" err="1">
+                <a:solidFill>
+                  <a:srgbClr val="5D6879"/>
+                </a:solidFill>
+                <a:effectLst/>
+                <a:latin typeface="Arial" panose="020B0604020202020204" pitchFamily="34" charset="0"/>
+              </a:rPr>
+              <a:t>Feiyue</a:t>
+            </a:r>
+            <a:r>
+              <a:rPr lang="en-GB" sz="1300" b="0" i="0" dirty="0">
+                <a:solidFill>
+                  <a:srgbClr val="5D6879"/>
+                </a:solidFill>
+                <a:effectLst/>
+                <a:latin typeface="Arial" panose="020B0604020202020204" pitchFamily="34" charset="0"/>
+              </a:rPr>
+              <a:t> Shi. Buffer overflow exploit and defensive techniques. In 2012 Fourth In-</a:t>
+            </a:r>
+            <a:br>
+              <a:rPr lang="en-GB" sz="1300" b="0" i="0" dirty="0">
+                <a:solidFill>
+                  <a:srgbClr val="5D6879"/>
+                </a:solidFill>
+                <a:effectLst/>
+                <a:latin typeface="Lato" panose="020B0604020202020204" pitchFamily="34" charset="0"/>
+              </a:rPr>
+            </a:br>
+            <a:r>
+              <a:rPr lang="en-GB" sz="1300" b="0" i="0" dirty="0" err="1">
+                <a:solidFill>
+                  <a:srgbClr val="5D6879"/>
+                </a:solidFill>
+                <a:effectLst/>
+                <a:latin typeface="Arial" panose="020B0604020202020204" pitchFamily="34" charset="0"/>
+              </a:rPr>
+              <a:t>ternational</a:t>
+            </a:r>
+            <a:r>
+              <a:rPr lang="en-GB" sz="1300" b="0" i="0" dirty="0">
+                <a:solidFill>
+                  <a:srgbClr val="5D6879"/>
+                </a:solidFill>
+                <a:effectLst/>
+                <a:latin typeface="Arial" panose="020B0604020202020204" pitchFamily="34" charset="0"/>
+              </a:rPr>
+              <a:t> Conference on Multimedia Information Networking and Security, pages 87–90, 2012.</a:t>
+            </a:r>
+            <a:endParaRPr lang="en-GB" sz="1300" dirty="0">
+              <a:solidFill>
+                <a:srgbClr val="5D6879"/>
+              </a:solidFill>
+              <a:latin typeface="Arial" panose="020B0604020202020204" pitchFamily="34" charset="0"/>
+            </a:endParaRPr>
+          </a:p>
+          <a:p>
+            <a:pPr algn="l"/>
+            <a:r>
+              <a:rPr lang="en-GB" sz="1300" b="0" i="0" dirty="0">
+                <a:solidFill>
+                  <a:srgbClr val="5D6879"/>
+                </a:solidFill>
+                <a:effectLst/>
+                <a:latin typeface="Arial" panose="020B0604020202020204" pitchFamily="34" charset="0"/>
+              </a:rPr>
+              <a:t>Marco Prandini and Marco </a:t>
+            </a:r>
+            <a:r>
+              <a:rPr lang="en-GB" sz="1300" b="0" i="0" dirty="0" err="1">
+                <a:solidFill>
+                  <a:srgbClr val="5D6879"/>
+                </a:solidFill>
+                <a:effectLst/>
+                <a:latin typeface="Arial" panose="020B0604020202020204" pitchFamily="34" charset="0"/>
+              </a:rPr>
+              <a:t>Ramilli</a:t>
+            </a:r>
+            <a:r>
+              <a:rPr lang="en-GB" sz="1300" b="0" i="0" dirty="0">
+                <a:solidFill>
+                  <a:srgbClr val="5D6879"/>
+                </a:solidFill>
+                <a:effectLst/>
+                <a:latin typeface="Arial" panose="020B0604020202020204" pitchFamily="34" charset="0"/>
+              </a:rPr>
+              <a:t>. Return-oriented programming. IEEE Security Privacy,</a:t>
+            </a:r>
+            <a:br>
+              <a:rPr lang="en-GB" sz="1300" b="0" i="0" dirty="0">
+                <a:solidFill>
+                  <a:srgbClr val="5D6879"/>
+                </a:solidFill>
+                <a:effectLst/>
+                <a:latin typeface="Lato" panose="020B0604020202020204" pitchFamily="34" charset="0"/>
+              </a:rPr>
+            </a:br>
+            <a:r>
+              <a:rPr lang="en-GB" sz="1300" b="0" i="0" dirty="0">
+                <a:solidFill>
+                  <a:srgbClr val="5D6879"/>
+                </a:solidFill>
+                <a:effectLst/>
+                <a:latin typeface="Arial" panose="020B0604020202020204" pitchFamily="34" charset="0"/>
+              </a:rPr>
+              <a:t>10(6):84–87, 2012.</a:t>
+            </a:r>
+            <a:br>
+              <a:rPr lang="en-GB" sz="1300" b="0" i="0" dirty="0">
+                <a:solidFill>
+                  <a:srgbClr val="5D6879"/>
+                </a:solidFill>
+                <a:effectLst/>
+                <a:latin typeface="Lato" panose="020B0604020202020204" pitchFamily="34" charset="0"/>
+              </a:rPr>
+            </a:br>
+            <a:endParaRPr lang="en-US" sz="1300" dirty="0"/>
+          </a:p>
+        </p:txBody>
+      </p:sp>
+    </p:spTree>
+    <p:extLst>
+      <p:ext uri="{BB962C8B-B14F-4D97-AF65-F5344CB8AC3E}">
+        <p14:creationId xmlns:p14="http://schemas.microsoft.com/office/powerpoint/2010/main" val="2214262208"/>
+      </p:ext>
+    </p:extLst>
+  </p:cSld>
+  <p:clrMapOvr>
+    <a:masterClrMapping/>
+  </p:clrMapOvr>
+</p:sld>
+</file>
+
+<file path=ppt/slides/slide31.xml><?xml version="1.0" encoding="utf-8"?>
+<p:sld xmlns:a="http://schemas.openxmlformats.org/drawingml/2006/main" xmlns:r="http://schemas.openxmlformats.org/officeDocument/2006/relationships" xmlns:p="http://schemas.openxmlformats.org/presentationml/2006/main">
+  <p:cSld>
+    <p:spTree>
+      <p:nvGrpSpPr>
+        <p:cNvPr id="1" name=""/>
+        <p:cNvGrpSpPr/>
+        <p:nvPr/>
+      </p:nvGrpSpPr>
+      <p:grpSpPr>
+        <a:xfrm>
+          <a:off x="0" y="0"/>
+          <a:ext cx="0" cy="0"/>
+          <a:chOff x="0" y="0"/>
+          <a:chExt cx="0" cy="0"/>
+        </a:xfrm>
+      </p:grpSpPr>
+      <p:sp>
+        <p:nvSpPr>
+          <p:cNvPr id="2" name="Title 1">
+            <a:extLst>
+              <a:ext uri="{FF2B5EF4-FFF2-40B4-BE49-F238E27FC236}">
+                <a16:creationId xmlns:a16="http://schemas.microsoft.com/office/drawing/2014/main" id="{6F186F57-A75D-4DAC-B407-C3395BDC1101}"/>
+              </a:ext>
+            </a:extLst>
+          </p:cNvPr>
+          <p:cNvSpPr>
+            <a:spLocks noGrp="1"/>
+          </p:cNvSpPr>
+          <p:nvPr>
+            <p:ph type="title"/>
+          </p:nvPr>
+        </p:nvSpPr>
+        <p:spPr/>
+        <p:txBody>
+          <a:bodyPr/>
+          <a:lstStyle/>
+          <a:p>
+            <a:r>
+              <a:rPr lang="en-US" dirty="0"/>
+              <a:t>Sources</a:t>
+            </a:r>
+            <a:endParaRPr lang="en-AT" dirty="0"/>
+          </a:p>
+        </p:txBody>
+      </p:sp>
+      <p:sp>
+        <p:nvSpPr>
+          <p:cNvPr id="3" name="Picture Placeholder 2">
+            <a:extLst>
+              <a:ext uri="{FF2B5EF4-FFF2-40B4-BE49-F238E27FC236}">
+                <a16:creationId xmlns:a16="http://schemas.microsoft.com/office/drawing/2014/main" id="{2FB4BB38-EE65-4ED9-AF2B-E89368E86EDD}"/>
+              </a:ext>
+            </a:extLst>
+          </p:cNvPr>
+          <p:cNvSpPr>
+            <a:spLocks noGrp="1"/>
+          </p:cNvSpPr>
+          <p:nvPr>
+            <p:ph type="pic" sz="quarter" idx="13"/>
+          </p:nvPr>
+        </p:nvSpPr>
+        <p:spPr/>
+      </p:sp>
+      <p:sp>
+        <p:nvSpPr>
+          <p:cNvPr id="4" name="Text Placeholder 3">
+            <a:extLst>
+              <a:ext uri="{FF2B5EF4-FFF2-40B4-BE49-F238E27FC236}">
+                <a16:creationId xmlns:a16="http://schemas.microsoft.com/office/drawing/2014/main" id="{6D9806A5-449B-43D9-B3E7-CD07B931AC17}"/>
+              </a:ext>
+            </a:extLst>
+          </p:cNvPr>
+          <p:cNvSpPr>
+            <a:spLocks noGrp="1"/>
+          </p:cNvSpPr>
+          <p:nvPr>
+            <p:ph type="body" sz="quarter" idx="25"/>
+          </p:nvPr>
+        </p:nvSpPr>
+        <p:spPr/>
+        <p:txBody>
+          <a:bodyPr/>
+          <a:lstStyle/>
+          <a:p>
+            <a:endParaRPr lang="en-AT"/>
+          </a:p>
+        </p:txBody>
+      </p:sp>
+      <p:sp>
+        <p:nvSpPr>
+          <p:cNvPr id="5" name="Footer Placeholder 4">
+            <a:extLst>
+              <a:ext uri="{FF2B5EF4-FFF2-40B4-BE49-F238E27FC236}">
+                <a16:creationId xmlns:a16="http://schemas.microsoft.com/office/drawing/2014/main" id="{42F10F0B-6494-4A7F-933C-A0010C4A2066}"/>
+              </a:ext>
+            </a:extLst>
+          </p:cNvPr>
+          <p:cNvSpPr>
+            <a:spLocks noGrp="1"/>
+          </p:cNvSpPr>
+          <p:nvPr>
+            <p:ph type="ftr" sz="quarter" idx="27"/>
+          </p:nvPr>
+        </p:nvSpPr>
+        <p:spPr/>
+        <p:txBody>
+          <a:bodyPr/>
+          <a:lstStyle/>
+          <a:p>
+            <a:r>
+              <a:rPr lang="de-AT" noProof="0" dirty="0"/>
+              <a:t>Stefan Haslhofer</a:t>
+            </a:r>
+          </a:p>
+        </p:txBody>
+      </p:sp>
+      <p:sp>
+        <p:nvSpPr>
+          <p:cNvPr id="6" name="Slide Number Placeholder 5">
+            <a:extLst>
+              <a:ext uri="{FF2B5EF4-FFF2-40B4-BE49-F238E27FC236}">
+                <a16:creationId xmlns:a16="http://schemas.microsoft.com/office/drawing/2014/main" id="{EADE1444-8155-4A29-8F7A-31D0FECD4B97}"/>
+              </a:ext>
+            </a:extLst>
+          </p:cNvPr>
+          <p:cNvSpPr>
+            <a:spLocks noGrp="1"/>
+          </p:cNvSpPr>
+          <p:nvPr>
+            <p:ph type="sldNum" sz="quarter" idx="28"/>
+          </p:nvPr>
+        </p:nvSpPr>
+        <p:spPr/>
+        <p:txBody>
+          <a:bodyPr/>
+          <a:lstStyle/>
+          <a:p>
+            <a:fld id="{DFB297D7-21D1-0549-A74D-BD032133048A}" type="slidenum">
+              <a:rPr lang="en-US" smtClean="0"/>
+              <a:pPr/>
+              <a:t>31</a:t>
+            </a:fld>
+            <a:endParaRPr lang="en-US" dirty="0"/>
+          </a:p>
+        </p:txBody>
+      </p:sp>
+      <p:sp>
+        <p:nvSpPr>
+          <p:cNvPr id="7" name="Content Placeholder 6">
+            <a:extLst>
+              <a:ext uri="{FF2B5EF4-FFF2-40B4-BE49-F238E27FC236}">
+                <a16:creationId xmlns:a16="http://schemas.microsoft.com/office/drawing/2014/main" id="{36C050EC-DA51-4E02-9B7C-9D670567DD90}"/>
+              </a:ext>
+            </a:extLst>
+          </p:cNvPr>
+          <p:cNvSpPr>
+            <a:spLocks noGrp="1"/>
+          </p:cNvSpPr>
+          <p:nvPr>
+            <p:ph idx="1"/>
+          </p:nvPr>
+        </p:nvSpPr>
+        <p:spPr/>
+        <p:txBody>
+          <a:bodyPr/>
+          <a:lstStyle/>
+          <a:p>
+            <a:pPr algn="l"/>
+            <a:r>
+              <a:rPr lang="en-GB" sz="1300" b="0" i="0" dirty="0" err="1">
+                <a:solidFill>
+                  <a:srgbClr val="5D6879"/>
+                </a:solidFill>
+                <a:effectLst/>
+                <a:latin typeface="Arial" panose="020B0604020202020204" pitchFamily="34" charset="0"/>
+              </a:rPr>
+              <a:t>Hovav</a:t>
+            </a:r>
+            <a:r>
+              <a:rPr lang="en-GB" sz="1300" b="0" i="0" dirty="0">
+                <a:solidFill>
+                  <a:srgbClr val="5D6879"/>
+                </a:solidFill>
+                <a:effectLst/>
+                <a:latin typeface="Arial" panose="020B0604020202020204" pitchFamily="34" charset="0"/>
+              </a:rPr>
+              <a:t> </a:t>
+            </a:r>
+            <a:r>
+              <a:rPr lang="en-GB" sz="1300" b="0" i="0" dirty="0" err="1">
+                <a:solidFill>
+                  <a:srgbClr val="5D6879"/>
+                </a:solidFill>
+                <a:effectLst/>
+                <a:latin typeface="Arial" panose="020B0604020202020204" pitchFamily="34" charset="0"/>
+              </a:rPr>
+              <a:t>Shacham</a:t>
+            </a:r>
+            <a:r>
+              <a:rPr lang="en-GB" sz="1300" b="0" i="0" dirty="0">
+                <a:solidFill>
+                  <a:srgbClr val="5D6879"/>
+                </a:solidFill>
+                <a:effectLst/>
+                <a:latin typeface="Arial" panose="020B0604020202020204" pitchFamily="34" charset="0"/>
+              </a:rPr>
+              <a:t>. The geometry of innocent flesh on the bone: Return-into-</a:t>
+            </a:r>
+            <a:r>
+              <a:rPr lang="en-GB" sz="1300" b="0" i="0" dirty="0" err="1">
+                <a:solidFill>
+                  <a:srgbClr val="5D6879"/>
+                </a:solidFill>
+                <a:effectLst/>
+                <a:latin typeface="Arial" panose="020B0604020202020204" pitchFamily="34" charset="0"/>
+              </a:rPr>
+              <a:t>libc</a:t>
+            </a:r>
+            <a:r>
+              <a:rPr lang="en-GB" sz="1300" b="0" i="0" dirty="0">
+                <a:solidFill>
+                  <a:srgbClr val="5D6879"/>
+                </a:solidFill>
+                <a:effectLst/>
+                <a:latin typeface="Arial" panose="020B0604020202020204" pitchFamily="34" charset="0"/>
+              </a:rPr>
+              <a:t> without function</a:t>
+            </a:r>
+            <a:br>
+              <a:rPr lang="en-GB" sz="1300" b="0" i="0" dirty="0">
+                <a:solidFill>
+                  <a:srgbClr val="5D6879"/>
+                </a:solidFill>
+                <a:effectLst/>
+                <a:latin typeface="Lato" panose="020B0604020202020204" pitchFamily="34" charset="0"/>
+              </a:rPr>
+            </a:br>
+            <a:r>
+              <a:rPr lang="en-GB" sz="1300" b="0" i="0" dirty="0">
+                <a:solidFill>
+                  <a:srgbClr val="5D6879"/>
+                </a:solidFill>
+                <a:effectLst/>
+                <a:latin typeface="Arial" panose="020B0604020202020204" pitchFamily="34" charset="0"/>
+              </a:rPr>
+              <a:t>calls (on the x86). CCS ’07, page 552–561, New York, NY, USA, 2007. Association for Computing</a:t>
+            </a:r>
+            <a:br>
+              <a:rPr lang="en-GB" sz="1300" b="0" i="0" dirty="0">
+                <a:solidFill>
+                  <a:srgbClr val="5D6879"/>
+                </a:solidFill>
+                <a:effectLst/>
+                <a:latin typeface="Lato" panose="020B0604020202020204" pitchFamily="34" charset="0"/>
+              </a:rPr>
+            </a:br>
+            <a:r>
+              <a:rPr lang="en-GB" sz="1300" b="0" i="0" dirty="0">
+                <a:solidFill>
+                  <a:srgbClr val="5D6879"/>
+                </a:solidFill>
+                <a:effectLst/>
+                <a:latin typeface="Arial" panose="020B0604020202020204" pitchFamily="34" charset="0"/>
+              </a:rPr>
+              <a:t>Machinery.</a:t>
+            </a:r>
+            <a:endParaRPr lang="en-GB" sz="1300" dirty="0">
+              <a:solidFill>
+                <a:srgbClr val="5D6879"/>
+              </a:solidFill>
+              <a:latin typeface="Lato" panose="020B0604020202020204" pitchFamily="34" charset="0"/>
+            </a:endParaRPr>
+          </a:p>
+          <a:p>
+            <a:pPr algn="l"/>
+            <a:r>
+              <a:rPr lang="en-GB" sz="1300" b="0" i="0" dirty="0" err="1">
+                <a:solidFill>
+                  <a:srgbClr val="5D6879"/>
+                </a:solidFill>
+                <a:effectLst/>
+                <a:latin typeface="Arial" panose="020B0604020202020204" pitchFamily="34" charset="0"/>
+              </a:rPr>
+              <a:t>Hovav</a:t>
+            </a:r>
+            <a:r>
+              <a:rPr lang="en-GB" sz="1300" b="0" i="0" dirty="0">
+                <a:solidFill>
+                  <a:srgbClr val="5D6879"/>
+                </a:solidFill>
+                <a:effectLst/>
+                <a:latin typeface="Arial" panose="020B0604020202020204" pitchFamily="34" charset="0"/>
+              </a:rPr>
+              <a:t> </a:t>
+            </a:r>
+            <a:r>
+              <a:rPr lang="en-GB" sz="1300" b="0" i="0" dirty="0" err="1">
+                <a:solidFill>
+                  <a:srgbClr val="5D6879"/>
+                </a:solidFill>
+                <a:effectLst/>
+                <a:latin typeface="Arial" panose="020B0604020202020204" pitchFamily="34" charset="0"/>
+              </a:rPr>
+              <a:t>Shacham</a:t>
+            </a:r>
+            <a:r>
+              <a:rPr lang="en-GB" sz="1300" b="0" i="0" dirty="0">
+                <a:solidFill>
+                  <a:srgbClr val="5D6879"/>
+                </a:solidFill>
+                <a:effectLst/>
+                <a:latin typeface="Arial" panose="020B0604020202020204" pitchFamily="34" charset="0"/>
+              </a:rPr>
+              <a:t>, Matthew Page, Ben Pfaff, Eu-</a:t>
+            </a:r>
+            <a:r>
+              <a:rPr lang="en-GB" sz="1300" b="0" i="0" dirty="0" err="1">
+                <a:solidFill>
+                  <a:srgbClr val="5D6879"/>
+                </a:solidFill>
+                <a:effectLst/>
+                <a:latin typeface="Arial" panose="020B0604020202020204" pitchFamily="34" charset="0"/>
+              </a:rPr>
+              <a:t>Jin</a:t>
+            </a:r>
+            <a:r>
+              <a:rPr lang="en-GB" sz="1300" b="0" i="0" dirty="0">
+                <a:solidFill>
+                  <a:srgbClr val="5D6879"/>
+                </a:solidFill>
+                <a:effectLst/>
+                <a:latin typeface="Arial" panose="020B0604020202020204" pitchFamily="34" charset="0"/>
+              </a:rPr>
+              <a:t> Goh, Nagendra </a:t>
+            </a:r>
+            <a:r>
+              <a:rPr lang="en-GB" sz="1300" b="0" i="0" dirty="0" err="1">
+                <a:solidFill>
+                  <a:srgbClr val="5D6879"/>
+                </a:solidFill>
+                <a:effectLst/>
+                <a:latin typeface="Arial" panose="020B0604020202020204" pitchFamily="34" charset="0"/>
+              </a:rPr>
+              <a:t>Modadugu</a:t>
+            </a:r>
+            <a:r>
+              <a:rPr lang="en-GB" sz="1300" b="0" i="0" dirty="0">
+                <a:solidFill>
+                  <a:srgbClr val="5D6879"/>
+                </a:solidFill>
+                <a:effectLst/>
+                <a:latin typeface="Arial" panose="020B0604020202020204" pitchFamily="34" charset="0"/>
+              </a:rPr>
+              <a:t>, and Dan </a:t>
+            </a:r>
+            <a:r>
+              <a:rPr lang="en-GB" sz="1300" b="0" i="0" dirty="0" err="1">
+                <a:solidFill>
+                  <a:srgbClr val="5D6879"/>
+                </a:solidFill>
+                <a:effectLst/>
+                <a:latin typeface="Arial" panose="020B0604020202020204" pitchFamily="34" charset="0"/>
+              </a:rPr>
+              <a:t>Boneh</a:t>
+            </a:r>
+            <a:r>
+              <a:rPr lang="en-GB" sz="1300" b="0" i="0" dirty="0">
+                <a:solidFill>
+                  <a:srgbClr val="5D6879"/>
+                </a:solidFill>
+                <a:effectLst/>
+                <a:latin typeface="Arial" panose="020B0604020202020204" pitchFamily="34" charset="0"/>
+              </a:rPr>
+              <a:t>.</a:t>
+            </a:r>
+            <a:br>
+              <a:rPr lang="en-GB" sz="1300" b="0" i="0" dirty="0">
+                <a:solidFill>
+                  <a:srgbClr val="5D6879"/>
+                </a:solidFill>
+                <a:effectLst/>
+                <a:latin typeface="Lato" panose="020B0604020202020204" pitchFamily="34" charset="0"/>
+              </a:rPr>
+            </a:br>
+            <a:r>
+              <a:rPr lang="en-GB" sz="1300" b="0" i="0" dirty="0">
+                <a:solidFill>
+                  <a:srgbClr val="5D6879"/>
+                </a:solidFill>
+                <a:effectLst/>
+                <a:latin typeface="Arial" panose="020B0604020202020204" pitchFamily="34" charset="0"/>
+              </a:rPr>
+              <a:t>On the effectiveness of address-space randomization. In Proceedings of the 11th ACM Conference</a:t>
+            </a:r>
+            <a:br>
+              <a:rPr lang="en-GB" sz="1300" b="0" i="0" dirty="0">
+                <a:solidFill>
+                  <a:srgbClr val="5D6879"/>
+                </a:solidFill>
+                <a:effectLst/>
+                <a:latin typeface="Lato" panose="020B0604020202020204" pitchFamily="34" charset="0"/>
+              </a:rPr>
+            </a:br>
+            <a:r>
+              <a:rPr lang="en-GB" sz="1300" b="0" i="0" dirty="0">
+                <a:solidFill>
+                  <a:srgbClr val="5D6879"/>
+                </a:solidFill>
+                <a:effectLst/>
+                <a:latin typeface="Arial" panose="020B0604020202020204" pitchFamily="34" charset="0"/>
+              </a:rPr>
+              <a:t>on Computer and Communications Security, CCS ’04, page 298–307, New York, NY, USA, 2004.</a:t>
+            </a:r>
+            <a:br>
+              <a:rPr lang="en-GB" sz="1300" b="0" i="0" dirty="0">
+                <a:solidFill>
+                  <a:srgbClr val="5D6879"/>
+                </a:solidFill>
+                <a:effectLst/>
+                <a:latin typeface="Lato" panose="020B0604020202020204" pitchFamily="34" charset="0"/>
+              </a:rPr>
+            </a:br>
+            <a:r>
+              <a:rPr lang="en-GB" sz="1300" b="0" i="0" dirty="0">
+                <a:solidFill>
+                  <a:srgbClr val="5D6879"/>
+                </a:solidFill>
+                <a:effectLst/>
+                <a:latin typeface="Arial" panose="020B0604020202020204" pitchFamily="34" charset="0"/>
+              </a:rPr>
+              <a:t>Association for Computing Machinery.</a:t>
+            </a:r>
+            <a:endParaRPr lang="en-GB" sz="1300" dirty="0">
+              <a:solidFill>
+                <a:srgbClr val="5D6879"/>
+              </a:solidFill>
+              <a:latin typeface="Lato" panose="020B0604020202020204" pitchFamily="34" charset="0"/>
+            </a:endParaRPr>
+          </a:p>
+          <a:p>
+            <a:pPr algn="l"/>
+            <a:r>
+              <a:rPr lang="en-GB" sz="1300" b="0" i="0" dirty="0">
+                <a:solidFill>
+                  <a:srgbClr val="5D6879"/>
+                </a:solidFill>
+                <a:effectLst/>
+                <a:latin typeface="Arial" panose="020B0604020202020204" pitchFamily="34" charset="0"/>
+              </a:rPr>
+              <a:t>Pax Team. Pax address space layout randomization (</a:t>
+            </a:r>
+            <a:r>
+              <a:rPr lang="en-GB" sz="1300" b="0" i="0" dirty="0" err="1">
+                <a:solidFill>
+                  <a:srgbClr val="5D6879"/>
+                </a:solidFill>
+                <a:effectLst/>
+                <a:latin typeface="Arial" panose="020B0604020202020204" pitchFamily="34" charset="0"/>
+              </a:rPr>
+              <a:t>aslr</a:t>
+            </a:r>
+            <a:r>
+              <a:rPr lang="en-GB" sz="1300" b="0" i="0" dirty="0">
+                <a:solidFill>
+                  <a:srgbClr val="5D6879"/>
+                </a:solidFill>
+                <a:effectLst/>
+                <a:latin typeface="Arial" panose="020B0604020202020204" pitchFamily="34" charset="0"/>
+              </a:rPr>
+              <a:t>). </a:t>
+            </a:r>
+            <a:r>
+              <a:rPr lang="en-GB" sz="1300" b="0" i="0" dirty="0">
+                <a:solidFill>
+                  <a:srgbClr val="5D6879"/>
+                </a:solidFill>
+                <a:effectLst/>
+                <a:latin typeface="Courier New" panose="02070309020205020404" pitchFamily="49" charset="0"/>
+              </a:rPr>
+              <a:t>https://pax.grsecurity.net/</a:t>
+            </a:r>
+            <a:br>
+              <a:rPr lang="en-GB" sz="1300" b="0" i="0" dirty="0">
+                <a:solidFill>
+                  <a:srgbClr val="5D6879"/>
+                </a:solidFill>
+                <a:effectLst/>
+                <a:latin typeface="Lato" panose="020B0604020202020204" pitchFamily="34" charset="0"/>
+              </a:rPr>
+            </a:br>
+            <a:r>
+              <a:rPr lang="en-GB" sz="1300" b="0" i="0" dirty="0">
+                <a:solidFill>
+                  <a:srgbClr val="5D6879"/>
+                </a:solidFill>
+                <a:effectLst/>
+                <a:latin typeface="Courier New" panose="02070309020205020404" pitchFamily="49" charset="0"/>
+              </a:rPr>
+              <a:t>docs/aslr.txt</a:t>
+            </a:r>
+            <a:r>
+              <a:rPr lang="en-GB" sz="1300" b="0" i="0" dirty="0">
+                <a:solidFill>
+                  <a:srgbClr val="5D6879"/>
+                </a:solidFill>
+                <a:effectLst/>
+                <a:latin typeface="Arial" panose="020B0604020202020204" pitchFamily="34" charset="0"/>
+              </a:rPr>
+              <a:t>, 2003. [Online; accessed 15-May-2022].</a:t>
+            </a:r>
+            <a:endParaRPr lang="en-GB" sz="1300" dirty="0">
+              <a:solidFill>
+                <a:srgbClr val="5D6879"/>
+              </a:solidFill>
+              <a:latin typeface="Lato" panose="020B0604020202020204" pitchFamily="34" charset="0"/>
+            </a:endParaRPr>
+          </a:p>
+          <a:p>
+            <a:pPr algn="l"/>
+            <a:r>
+              <a:rPr lang="en-GB" sz="1300" b="0" i="0" dirty="0" err="1">
+                <a:solidFill>
+                  <a:srgbClr val="5D6879"/>
+                </a:solidFill>
+                <a:effectLst/>
+                <a:latin typeface="Arial" panose="020B0604020202020204" pitchFamily="34" charset="0"/>
+              </a:rPr>
+              <a:t>Jingyuan</a:t>
+            </a:r>
+            <a:r>
+              <a:rPr lang="en-GB" sz="1300" b="0" i="0" dirty="0">
+                <a:solidFill>
+                  <a:srgbClr val="5D6879"/>
+                </a:solidFill>
+                <a:effectLst/>
+                <a:latin typeface="Arial" panose="020B0604020202020204" pitchFamily="34" charset="0"/>
+              </a:rPr>
+              <a:t> Wang, </a:t>
+            </a:r>
+            <a:r>
+              <a:rPr lang="en-GB" sz="1300" b="0" i="0" dirty="0" err="1">
+                <a:solidFill>
+                  <a:srgbClr val="5D6879"/>
+                </a:solidFill>
+                <a:effectLst/>
+                <a:latin typeface="Arial" panose="020B0604020202020204" pitchFamily="34" charset="0"/>
+              </a:rPr>
+              <a:t>Peidai</a:t>
+            </a:r>
+            <a:r>
+              <a:rPr lang="en-GB" sz="1300" b="0" i="0" dirty="0">
+                <a:solidFill>
+                  <a:srgbClr val="5D6879"/>
+                </a:solidFill>
+                <a:effectLst/>
+                <a:latin typeface="Arial" panose="020B0604020202020204" pitchFamily="34" charset="0"/>
+              </a:rPr>
+              <a:t> </a:t>
+            </a:r>
+            <a:r>
+              <a:rPr lang="en-GB" sz="1300" b="0" i="0" dirty="0" err="1">
+                <a:solidFill>
+                  <a:srgbClr val="5D6879"/>
+                </a:solidFill>
+                <a:effectLst/>
+                <a:latin typeface="Arial" panose="020B0604020202020204" pitchFamily="34" charset="0"/>
+              </a:rPr>
+              <a:t>Xie</a:t>
+            </a:r>
+            <a:r>
+              <a:rPr lang="en-GB" sz="1300" b="0" i="0" dirty="0">
+                <a:solidFill>
+                  <a:srgbClr val="5D6879"/>
+                </a:solidFill>
+                <a:effectLst/>
+                <a:latin typeface="Arial" panose="020B0604020202020204" pitchFamily="34" charset="0"/>
+              </a:rPr>
+              <a:t>, </a:t>
+            </a:r>
+            <a:r>
+              <a:rPr lang="en-GB" sz="1300" b="0" i="0" dirty="0" err="1">
+                <a:solidFill>
+                  <a:srgbClr val="5D6879"/>
+                </a:solidFill>
+                <a:effectLst/>
+                <a:latin typeface="Arial" panose="020B0604020202020204" pitchFamily="34" charset="0"/>
+              </a:rPr>
+              <a:t>Yongjun</a:t>
+            </a:r>
+            <a:r>
+              <a:rPr lang="en-GB" sz="1300" b="0" i="0" dirty="0">
+                <a:solidFill>
+                  <a:srgbClr val="5D6879"/>
+                </a:solidFill>
+                <a:effectLst/>
+                <a:latin typeface="Arial" panose="020B0604020202020204" pitchFamily="34" charset="0"/>
+              </a:rPr>
+              <a:t> Wang, and </a:t>
+            </a:r>
+            <a:r>
+              <a:rPr lang="en-GB" sz="1300" b="0" i="0" dirty="0" err="1">
+                <a:solidFill>
+                  <a:srgbClr val="5D6879"/>
+                </a:solidFill>
+                <a:effectLst/>
+                <a:latin typeface="Arial" panose="020B0604020202020204" pitchFamily="34" charset="0"/>
+              </a:rPr>
+              <a:t>Zelin</a:t>
+            </a:r>
+            <a:r>
+              <a:rPr lang="en-GB" sz="1300" b="0" i="0" dirty="0">
+                <a:solidFill>
+                  <a:srgbClr val="5D6879"/>
+                </a:solidFill>
+                <a:effectLst/>
+                <a:latin typeface="Arial" panose="020B0604020202020204" pitchFamily="34" charset="0"/>
+              </a:rPr>
+              <a:t> Rong. A survey of return-oriented pro-</a:t>
+            </a:r>
+            <a:br>
+              <a:rPr lang="en-GB" sz="1300" b="0" i="0" dirty="0">
+                <a:solidFill>
+                  <a:srgbClr val="5D6879"/>
+                </a:solidFill>
+                <a:effectLst/>
+                <a:latin typeface="Lato" panose="020B0604020202020204" pitchFamily="34" charset="0"/>
+              </a:rPr>
+            </a:br>
+            <a:r>
+              <a:rPr lang="en-GB" sz="1300" b="0" i="0" dirty="0" err="1">
+                <a:solidFill>
+                  <a:srgbClr val="5D6879"/>
+                </a:solidFill>
+                <a:effectLst/>
+                <a:latin typeface="Arial" panose="020B0604020202020204" pitchFamily="34" charset="0"/>
+              </a:rPr>
+              <a:t>gramming</a:t>
+            </a:r>
+            <a:r>
+              <a:rPr lang="en-GB" sz="1300" b="0" i="0" dirty="0">
+                <a:solidFill>
+                  <a:srgbClr val="5D6879"/>
+                </a:solidFill>
+                <a:effectLst/>
+                <a:latin typeface="Arial" panose="020B0604020202020204" pitchFamily="34" charset="0"/>
+              </a:rPr>
+              <a:t> attack, </a:t>
+            </a:r>
+            <a:r>
+              <a:rPr lang="en-GB" sz="1300" b="0" i="0" dirty="0" err="1">
+                <a:solidFill>
+                  <a:srgbClr val="5D6879"/>
+                </a:solidFill>
+                <a:effectLst/>
+                <a:latin typeface="Arial" panose="020B0604020202020204" pitchFamily="34" charset="0"/>
+              </a:rPr>
+              <a:t>defense</a:t>
+            </a:r>
+            <a:r>
+              <a:rPr lang="en-GB" sz="1300" b="0" i="0" dirty="0">
+                <a:solidFill>
+                  <a:srgbClr val="5D6879"/>
+                </a:solidFill>
+                <a:effectLst/>
+                <a:latin typeface="Arial" panose="020B0604020202020204" pitchFamily="34" charset="0"/>
+              </a:rPr>
+              <a:t> and its benign use. In 2018 13th Asia Joint Conference on Information</a:t>
+            </a:r>
+            <a:br>
+              <a:rPr lang="en-GB" sz="1300" b="0" i="0" dirty="0">
+                <a:solidFill>
+                  <a:srgbClr val="5D6879"/>
+                </a:solidFill>
+                <a:effectLst/>
+                <a:latin typeface="Lato" panose="020B0604020202020204" pitchFamily="34" charset="0"/>
+              </a:rPr>
+            </a:br>
+            <a:r>
+              <a:rPr lang="en-GB" sz="1300" b="0" i="0" dirty="0">
+                <a:solidFill>
+                  <a:srgbClr val="5D6879"/>
+                </a:solidFill>
+                <a:effectLst/>
+                <a:latin typeface="Arial" panose="020B0604020202020204" pitchFamily="34" charset="0"/>
+              </a:rPr>
+              <a:t>Security (</a:t>
+            </a:r>
+            <a:r>
+              <a:rPr lang="en-GB" sz="1300" b="0" i="0" dirty="0" err="1">
+                <a:solidFill>
+                  <a:srgbClr val="5D6879"/>
+                </a:solidFill>
+                <a:effectLst/>
+                <a:latin typeface="Arial" panose="020B0604020202020204" pitchFamily="34" charset="0"/>
+              </a:rPr>
+              <a:t>AsiaJCIS</a:t>
+            </a:r>
+            <a:r>
+              <a:rPr lang="en-GB" sz="1300" b="0" i="0" dirty="0">
+                <a:solidFill>
+                  <a:srgbClr val="5D6879"/>
+                </a:solidFill>
+                <a:effectLst/>
+                <a:latin typeface="Arial" panose="020B0604020202020204" pitchFamily="34" charset="0"/>
+              </a:rPr>
+              <a:t>), pages 83–88, 2018.</a:t>
+            </a:r>
+            <a:endParaRPr lang="en-US" sz="1300" dirty="0"/>
+          </a:p>
+        </p:txBody>
+      </p:sp>
+    </p:spTree>
+    <p:extLst>
+      <p:ext uri="{BB962C8B-B14F-4D97-AF65-F5344CB8AC3E}">
+        <p14:creationId xmlns:p14="http://schemas.microsoft.com/office/powerpoint/2010/main" val="2228721720"/>
+      </p:ext>
+    </p:extLst>
+  </p:cSld>
+  <p:clrMapOvr>
+    <a:masterClrMapping/>
+  </p:clrMapOvr>
+</p:sld>
+</file>
+
+<file path=ppt/slides/slide32.xml><?xml version="1.0" encoding="utf-8"?>
+<p:sld xmlns:a="http://schemas.openxmlformats.org/drawingml/2006/main" xmlns:r="http://schemas.openxmlformats.org/officeDocument/2006/relationships" xmlns:p="http://schemas.openxmlformats.org/presentationml/2006/main">
+  <p:cSld>
+    <p:spTree>
+      <p:nvGrpSpPr>
+        <p:cNvPr id="1" name=""/>
+        <p:cNvGrpSpPr/>
+        <p:nvPr/>
+      </p:nvGrpSpPr>
+      <p:grpSpPr>
+        <a:xfrm>
+          <a:off x="0" y="0"/>
+          <a:ext cx="0" cy="0"/>
+          <a:chOff x="0" y="0"/>
+          <a:chExt cx="0" cy="0"/>
+        </a:xfrm>
+      </p:grpSpPr>
+      <p:sp>
+        <p:nvSpPr>
+          <p:cNvPr id="2" name="Title 1">
+            <a:extLst>
+              <a:ext uri="{FF2B5EF4-FFF2-40B4-BE49-F238E27FC236}">
+                <a16:creationId xmlns:a16="http://schemas.microsoft.com/office/drawing/2014/main" id="{6F186F57-A75D-4DAC-B407-C3395BDC1101}"/>
+              </a:ext>
+            </a:extLst>
+          </p:cNvPr>
+          <p:cNvSpPr>
+            <a:spLocks noGrp="1"/>
+          </p:cNvSpPr>
+          <p:nvPr>
+            <p:ph type="title"/>
+          </p:nvPr>
+        </p:nvSpPr>
+        <p:spPr/>
+        <p:txBody>
+          <a:bodyPr/>
+          <a:lstStyle/>
+          <a:p>
+            <a:r>
+              <a:rPr lang="en-US" dirty="0"/>
+              <a:t>Sources</a:t>
+            </a:r>
+            <a:endParaRPr lang="en-AT" dirty="0"/>
+          </a:p>
+        </p:txBody>
+      </p:sp>
+      <p:sp>
+        <p:nvSpPr>
+          <p:cNvPr id="3" name="Picture Placeholder 2">
+            <a:extLst>
+              <a:ext uri="{FF2B5EF4-FFF2-40B4-BE49-F238E27FC236}">
+                <a16:creationId xmlns:a16="http://schemas.microsoft.com/office/drawing/2014/main" id="{2FB4BB38-EE65-4ED9-AF2B-E89368E86EDD}"/>
+              </a:ext>
+            </a:extLst>
+          </p:cNvPr>
+          <p:cNvSpPr>
+            <a:spLocks noGrp="1"/>
+          </p:cNvSpPr>
+          <p:nvPr>
+            <p:ph type="pic" sz="quarter" idx="13"/>
+          </p:nvPr>
+        </p:nvSpPr>
+        <p:spPr/>
+      </p:sp>
+      <p:sp>
+        <p:nvSpPr>
+          <p:cNvPr id="4" name="Text Placeholder 3">
+            <a:extLst>
+              <a:ext uri="{FF2B5EF4-FFF2-40B4-BE49-F238E27FC236}">
+                <a16:creationId xmlns:a16="http://schemas.microsoft.com/office/drawing/2014/main" id="{6D9806A5-449B-43D9-B3E7-CD07B931AC17}"/>
+              </a:ext>
+            </a:extLst>
+          </p:cNvPr>
+          <p:cNvSpPr>
+            <a:spLocks noGrp="1"/>
+          </p:cNvSpPr>
+          <p:nvPr>
+            <p:ph type="body" sz="quarter" idx="25"/>
+          </p:nvPr>
+        </p:nvSpPr>
+        <p:spPr/>
+        <p:txBody>
+          <a:bodyPr/>
+          <a:lstStyle/>
+          <a:p>
+            <a:endParaRPr lang="en-AT"/>
+          </a:p>
+        </p:txBody>
+      </p:sp>
+      <p:sp>
+        <p:nvSpPr>
+          <p:cNvPr id="5" name="Footer Placeholder 4">
+            <a:extLst>
+              <a:ext uri="{FF2B5EF4-FFF2-40B4-BE49-F238E27FC236}">
+                <a16:creationId xmlns:a16="http://schemas.microsoft.com/office/drawing/2014/main" id="{42F10F0B-6494-4A7F-933C-A0010C4A2066}"/>
+              </a:ext>
+            </a:extLst>
+          </p:cNvPr>
+          <p:cNvSpPr>
+            <a:spLocks noGrp="1"/>
+          </p:cNvSpPr>
+          <p:nvPr>
+            <p:ph type="ftr" sz="quarter" idx="27"/>
+          </p:nvPr>
+        </p:nvSpPr>
+        <p:spPr/>
+        <p:txBody>
+          <a:bodyPr/>
+          <a:lstStyle/>
+          <a:p>
+            <a:r>
+              <a:rPr lang="de-AT" noProof="0" dirty="0"/>
+              <a:t>Stefan Haslhofer</a:t>
+            </a:r>
+          </a:p>
+        </p:txBody>
+      </p:sp>
+      <p:sp>
+        <p:nvSpPr>
+          <p:cNvPr id="6" name="Slide Number Placeholder 5">
+            <a:extLst>
+              <a:ext uri="{FF2B5EF4-FFF2-40B4-BE49-F238E27FC236}">
+                <a16:creationId xmlns:a16="http://schemas.microsoft.com/office/drawing/2014/main" id="{EADE1444-8155-4A29-8F7A-31D0FECD4B97}"/>
+              </a:ext>
+            </a:extLst>
+          </p:cNvPr>
+          <p:cNvSpPr>
+            <a:spLocks noGrp="1"/>
+          </p:cNvSpPr>
+          <p:nvPr>
+            <p:ph type="sldNum" sz="quarter" idx="28"/>
+          </p:nvPr>
+        </p:nvSpPr>
+        <p:spPr/>
+        <p:txBody>
+          <a:bodyPr/>
+          <a:lstStyle/>
+          <a:p>
+            <a:fld id="{DFB297D7-21D1-0549-A74D-BD032133048A}" type="slidenum">
+              <a:rPr lang="en-US" smtClean="0"/>
+              <a:pPr/>
+              <a:t>32</a:t>
+            </a:fld>
+            <a:endParaRPr lang="en-US" dirty="0"/>
+          </a:p>
+        </p:txBody>
+      </p:sp>
+      <p:sp>
+        <p:nvSpPr>
+          <p:cNvPr id="7" name="Content Placeholder 6">
+            <a:extLst>
+              <a:ext uri="{FF2B5EF4-FFF2-40B4-BE49-F238E27FC236}">
+                <a16:creationId xmlns:a16="http://schemas.microsoft.com/office/drawing/2014/main" id="{36C050EC-DA51-4E02-9B7C-9D670567DD90}"/>
+              </a:ext>
+            </a:extLst>
+          </p:cNvPr>
+          <p:cNvSpPr>
+            <a:spLocks noGrp="1"/>
+          </p:cNvSpPr>
+          <p:nvPr>
+            <p:ph idx="1"/>
+          </p:nvPr>
+        </p:nvSpPr>
+        <p:spPr/>
+        <p:txBody>
+          <a:bodyPr/>
+          <a:lstStyle/>
+          <a:p>
+            <a:r>
+              <a:rPr lang="en-US" dirty="0"/>
+              <a:t>Icons: </a:t>
+            </a:r>
+            <a:r>
+              <a:rPr lang="en-US" dirty="0">
+                <a:hlinkClick r:id="rId2"/>
+              </a:rPr>
+              <a:t>https://www.flaticon.com/</a:t>
+            </a:r>
+            <a:endParaRPr lang="en-US" dirty="0"/>
+          </a:p>
+        </p:txBody>
+      </p:sp>
+    </p:spTree>
+    <p:extLst>
+      <p:ext uri="{BB962C8B-B14F-4D97-AF65-F5344CB8AC3E}">
+        <p14:creationId xmlns:p14="http://schemas.microsoft.com/office/powerpoint/2010/main" val="2302562644"/>
       </p:ext>
     </p:extLst>
   </p:cSld>
@@ -12507,7 +18960,7 @@
             <a:pPr lvl="1"/>
             <a:r>
               <a:rPr lang="en-US" dirty="0"/>
-              <a:t>execute instruction referenced by instruction pointer</a:t>
+              <a:t>Execute instruction referenced by instruction pointer</a:t>
             </a:r>
           </a:p>
           <a:p>
@@ -12521,7 +18974,7 @@
             <a:pPr lvl="1"/>
             <a:r>
               <a:rPr lang="en-US" dirty="0"/>
-              <a:t>point to harmful program</a:t>
+              <a:t>Point to harmful program</a:t>
             </a:r>
             <a:endParaRPr lang="en-AT" dirty="0"/>
           </a:p>
@@ -13732,7 +20185,7 @@
           <p:nvPr/>
         </p:nvPicPr>
         <p:blipFill>
-          <a:blip r:embed="rId2">
+          <a:blip r:embed="rId2" cstate="print">
             <a:extLst>
               <a:ext uri="{28A0092B-C50C-407E-A947-70E740481C1C}">
                 <a14:useLocalDpi xmlns:a14="http://schemas.microsoft.com/office/drawing/2010/main" val="0"/>
@@ -13987,7 +20440,15 @@
           <a:p>
             <a:r>
               <a:rPr lang="en-US" dirty="0"/>
-              <a:t>Let´s start with the fun part – shall we?</a:t>
+              <a:t>Return-to-</a:t>
+            </a:r>
+            <a:r>
+              <a:rPr lang="en-US" dirty="0" err="1"/>
+              <a:t>libc</a:t>
+            </a:r>
+            <a:r>
+              <a:rPr lang="en-US" dirty="0"/>
+              <a:t> attack</a:t>
             </a:r>
             <a:endParaRPr lang="en-AT" dirty="0"/>
           </a:p>
